--- a/Submission2/Task_2_Presentation.pptx
+++ b/Submission2/Task_2_Presentation.pptx
@@ -2,13 +2,13 @@
 <file path=ppt/presentation.xml><?xml version="1.0" encoding="utf-8"?>
 <p:presentation xmlns:a="http://schemas.openxmlformats.org/drawingml/2006/main" xmlns:r="http://schemas.openxmlformats.org/officeDocument/2006/relationships" xmlns:p="http://schemas.openxmlformats.org/presentationml/2006/main" saveSubsetFonts="1">
   <p:sldMasterIdLst>
-    <p:sldMasterId id="2147483850" r:id="rId1"/>
+    <p:sldMasterId id="2147483939" r:id="rId1"/>
   </p:sldMasterIdLst>
   <p:sldIdLst>
     <p:sldId id="256" r:id="rId2"/>
     <p:sldId id="261" r:id="rId3"/>
-    <p:sldId id="257" r:id="rId4"/>
-    <p:sldId id="258" r:id="rId5"/>
+    <p:sldId id="258" r:id="rId4"/>
+    <p:sldId id="257" r:id="rId5"/>
     <p:sldId id="259" r:id="rId6"/>
     <p:sldId id="260" r:id="rId7"/>
     <p:sldId id="265" r:id="rId8"/>
@@ -121,7 +121,7 @@
 </file>
 
 <file path=ppt/slideLayouts/slideLayout1.xml><?xml version="1.0" encoding="utf-8"?>
-<p:sldLayout xmlns:a="http://schemas.openxmlformats.org/drawingml/2006/main" xmlns:r="http://schemas.openxmlformats.org/officeDocument/2006/relationships" xmlns:p="http://schemas.openxmlformats.org/presentationml/2006/main" type="title" preserve="1">
+<p:sldLayout xmlns:a="http://schemas.openxmlformats.org/drawingml/2006/main" xmlns:r="http://schemas.openxmlformats.org/officeDocument/2006/relationships" xmlns:p="http://schemas.openxmlformats.org/presentationml/2006/main" showMasterSp="0" type="title" preserve="1">
   <p:cSld name="Title Slide">
     <p:spTree>
       <p:nvGrpSpPr>
@@ -137,6 +137,143 @@
           <a:chExt cx="0" cy="0"/>
         </a:xfrm>
       </p:grpSpPr>
+      <p:grpSp>
+        <p:nvGrpSpPr>
+          <p:cNvPr id="7" name="Group 6"/>
+          <p:cNvGrpSpPr/>
+          <p:nvPr/>
+        </p:nvGrpSpPr>
+        <p:grpSpPr>
+          <a:xfrm>
+            <a:off x="-16934" y="0"/>
+            <a:ext cx="12231160" cy="6856214"/>
+            <a:chOff x="-16934" y="0"/>
+            <a:chExt cx="12231160" cy="6856214"/>
+          </a:xfrm>
+        </p:grpSpPr>
+        <p:pic>
+          <p:nvPicPr>
+            <p:cNvPr id="16" name="Picture 15" descr="HD-PanelTitleR1.png"/>
+            <p:cNvPicPr>
+              <a:picLocks noChangeAspect="1"/>
+            </p:cNvPicPr>
+            <p:nvPr/>
+          </p:nvPicPr>
+          <p:blipFill>
+            <a:blip r:embed="rId2">
+              <a:extLst>
+                <a:ext uri="{28A0092B-C50C-407E-A947-70E740481C1C}">
+                  <a14:useLocalDpi xmlns:a14="http://schemas.microsoft.com/office/drawing/2010/main" val="0"/>
+                </a:ext>
+              </a:extLst>
+            </a:blip>
+            <a:stretch>
+              <a:fillRect/>
+            </a:stretch>
+          </p:blipFill>
+          <p:spPr>
+            <a:xfrm>
+              <a:off x="0" y="0"/>
+              <a:ext cx="12188825" cy="6856214"/>
+            </a:xfrm>
+            <a:prstGeom prst="rect">
+              <a:avLst/>
+            </a:prstGeom>
+          </p:spPr>
+        </p:pic>
+        <p:sp>
+          <p:nvSpPr>
+            <p:cNvPr id="26" name="Rectangle 25"/>
+            <p:cNvSpPr/>
+            <p:nvPr/>
+          </p:nvSpPr>
+          <p:spPr>
+            <a:xfrm>
+              <a:off x="2328332" y="1540931"/>
+              <a:ext cx="7543802" cy="3835401"/>
+            </a:xfrm>
+            <a:prstGeom prst="rect">
+              <a:avLst/>
+            </a:prstGeom>
+            <a:noFill/>
+            <a:ln w="15875">
+              <a:miter lim="800000"/>
+            </a:ln>
+          </p:spPr>
+          <p:style>
+            <a:lnRef idx="1">
+              <a:schemeClr val="accent1"/>
+            </a:lnRef>
+            <a:fillRef idx="3">
+              <a:schemeClr val="accent1"/>
+            </a:fillRef>
+            <a:effectRef idx="2">
+              <a:schemeClr val="accent1"/>
+            </a:effectRef>
+            <a:fontRef idx="minor">
+              <a:schemeClr val="lt1"/>
+            </a:fontRef>
+          </p:style>
+        </p:sp>
+        <p:pic>
+          <p:nvPicPr>
+            <p:cNvPr id="17" name="Picture 16" descr="HDRibbonTitle-UniformTrim.png"/>
+            <p:cNvPicPr>
+              <a:picLocks noChangeAspect="1"/>
+            </p:cNvPicPr>
+            <p:nvPr/>
+          </p:nvPicPr>
+          <p:blipFill rotWithShape="1">
+            <a:blip r:embed="rId3">
+              <a:extLst>
+                <a:ext uri="{28A0092B-C50C-407E-A947-70E740481C1C}">
+                  <a14:useLocalDpi xmlns:a14="http://schemas.microsoft.com/office/drawing/2010/main" val="0"/>
+                </a:ext>
+              </a:extLst>
+            </a:blip>
+            <a:srcRect/>
+            <a:stretch/>
+          </p:blipFill>
+          <p:spPr>
+            <a:xfrm>
+              <a:off x="-16934" y="3147609"/>
+              <a:ext cx="2478024" cy="612648"/>
+            </a:xfrm>
+            <a:prstGeom prst="rect">
+              <a:avLst/>
+            </a:prstGeom>
+          </p:spPr>
+        </p:pic>
+        <p:pic>
+          <p:nvPicPr>
+            <p:cNvPr id="20" name="Picture 19" descr="HDRibbonTitle-UniformTrim.png"/>
+            <p:cNvPicPr>
+              <a:picLocks noChangeAspect="1"/>
+            </p:cNvPicPr>
+            <p:nvPr/>
+          </p:nvPicPr>
+          <p:blipFill rotWithShape="1">
+            <a:blip r:embed="rId3">
+              <a:extLst>
+                <a:ext uri="{28A0092B-C50C-407E-A947-70E740481C1C}">
+                  <a14:useLocalDpi xmlns:a14="http://schemas.microsoft.com/office/drawing/2010/main" val="0"/>
+                </a:ext>
+              </a:extLst>
+            </a:blip>
+            <a:srcRect/>
+            <a:stretch/>
+          </p:blipFill>
+          <p:spPr>
+            <a:xfrm>
+              <a:off x="9736202" y="3147609"/>
+              <a:ext cx="2478024" cy="612648"/>
+            </a:xfrm>
+            <a:prstGeom prst="rect">
+              <a:avLst/>
+            </a:prstGeom>
+          </p:spPr>
+        </p:pic>
+      </p:grpSp>
       <p:sp>
         <p:nvSpPr>
           <p:cNvPr id="2" name="Title 1"/>
@@ -149,17 +286,19 @@
         </p:nvSpPr>
         <p:spPr>
           <a:xfrm>
-            <a:off x="1774423" y="802298"/>
-            <a:ext cx="8637073" cy="2920713"/>
+            <a:off x="2692398" y="1871131"/>
+            <a:ext cx="6815669" cy="1515533"/>
           </a:xfrm>
         </p:spPr>
         <p:txBody>
-          <a:bodyPr bIns="0" anchor="b">
-            <a:normAutofit/>
+          <a:bodyPr anchor="b">
+            <a:noAutofit/>
           </a:bodyPr>
           <a:lstStyle>
             <a:lvl1pPr algn="ctr">
-              <a:defRPr sz="6600"/>
+              <a:defRPr sz="5400">
+                <a:effectLst/>
+              </a:defRPr>
             </a:lvl1pPr>
           </a:lstStyle>
           <a:p>
@@ -183,18 +322,18 @@
         </p:nvSpPr>
         <p:spPr>
           <a:xfrm>
-            <a:off x="1774424" y="3724074"/>
-            <a:ext cx="8637072" cy="977621"/>
+            <a:off x="2692398" y="3657597"/>
+            <a:ext cx="6815669" cy="1320802"/>
           </a:xfrm>
         </p:spPr>
         <p:txBody>
-          <a:bodyPr tIns="91440" bIns="91440">
+          <a:bodyPr anchor="t">
             <a:normAutofit/>
           </a:bodyPr>
           <a:lstStyle>
             <a:lvl1pPr marL="0" indent="0" algn="ctr">
               <a:buNone/>
-              <a:defRPr sz="1800" b="0" cap="all" baseline="0">
+              <a:defRPr sz="2100">
                 <a:solidFill>
                   <a:schemeClr val="tx1"/>
                 </a:solidFill>
@@ -202,35 +341,83 @@
             </a:lvl1pPr>
             <a:lvl2pPr marL="457200" indent="0" algn="ctr">
               <a:buNone/>
-              <a:defRPr sz="1800"/>
+              <a:defRPr>
+                <a:solidFill>
+                  <a:schemeClr val="tx1">
+                    <a:tint val="75000"/>
+                  </a:schemeClr>
+                </a:solidFill>
+              </a:defRPr>
             </a:lvl2pPr>
             <a:lvl3pPr marL="914400" indent="0" algn="ctr">
               <a:buNone/>
-              <a:defRPr sz="1800"/>
+              <a:defRPr>
+                <a:solidFill>
+                  <a:schemeClr val="tx1">
+                    <a:tint val="75000"/>
+                  </a:schemeClr>
+                </a:solidFill>
+              </a:defRPr>
             </a:lvl3pPr>
             <a:lvl4pPr marL="1371600" indent="0" algn="ctr">
               <a:buNone/>
-              <a:defRPr sz="1600"/>
+              <a:defRPr>
+                <a:solidFill>
+                  <a:schemeClr val="tx1">
+                    <a:tint val="75000"/>
+                  </a:schemeClr>
+                </a:solidFill>
+              </a:defRPr>
             </a:lvl4pPr>
             <a:lvl5pPr marL="1828800" indent="0" algn="ctr">
               <a:buNone/>
-              <a:defRPr sz="1600"/>
+              <a:defRPr>
+                <a:solidFill>
+                  <a:schemeClr val="tx1">
+                    <a:tint val="75000"/>
+                  </a:schemeClr>
+                </a:solidFill>
+              </a:defRPr>
             </a:lvl5pPr>
             <a:lvl6pPr marL="2286000" indent="0" algn="ctr">
               <a:buNone/>
-              <a:defRPr sz="1600"/>
+              <a:defRPr>
+                <a:solidFill>
+                  <a:schemeClr val="tx1">
+                    <a:tint val="75000"/>
+                  </a:schemeClr>
+                </a:solidFill>
+              </a:defRPr>
             </a:lvl6pPr>
             <a:lvl7pPr marL="2743200" indent="0" algn="ctr">
               <a:buNone/>
-              <a:defRPr sz="1600"/>
+              <a:defRPr>
+                <a:solidFill>
+                  <a:schemeClr val="tx1">
+                    <a:tint val="75000"/>
+                  </a:schemeClr>
+                </a:solidFill>
+              </a:defRPr>
             </a:lvl7pPr>
             <a:lvl8pPr marL="3200400" indent="0" algn="ctr">
               <a:buNone/>
-              <a:defRPr sz="1600"/>
+              <a:defRPr>
+                <a:solidFill>
+                  <a:schemeClr val="tx1">
+                    <a:tint val="75000"/>
+                  </a:schemeClr>
+                </a:solidFill>
+              </a:defRPr>
             </a:lvl8pPr>
             <a:lvl9pPr marL="3657600" indent="0" algn="ctr">
               <a:buNone/>
-              <a:defRPr sz="1600"/>
+              <a:defRPr>
+                <a:solidFill>
+                  <a:schemeClr val="tx1">
+                    <a:tint val="75000"/>
+                  </a:schemeClr>
+                </a:solidFill>
+              </a:defRPr>
             </a:lvl9pPr>
           </a:lstStyle>
           <a:p>
@@ -252,14 +439,19 @@
             <p:ph type="dt" sz="half" idx="10"/>
           </p:nvPr>
         </p:nvSpPr>
-        <p:spPr/>
+        <p:spPr>
+          <a:xfrm>
+            <a:off x="7983232" y="5037663"/>
+            <a:ext cx="897467" cy="279400"/>
+          </a:xfrm>
+        </p:spPr>
         <p:txBody>
           <a:bodyPr/>
           <a:lstStyle/>
           <a:p>
             <a:fld id="{C2A77455-39BA-4BA9-B524-972336B016BE}" type="datetimeFigureOut">
               <a:rPr lang="en-US" smtClean="0"/>
-              <a:t>12/26/2023</a:t>
+              <a:t>12/27/2023</a:t>
             </a:fld>
             <a:endParaRPr lang="en-US"/>
           </a:p>
@@ -277,8 +469,8 @@
         </p:nvSpPr>
         <p:spPr>
           <a:xfrm>
-            <a:off x="1451579" y="329307"/>
-            <a:ext cx="5626774" cy="309201"/>
+            <a:off x="2692397" y="5037663"/>
+            <a:ext cx="5214635" cy="279400"/>
           </a:xfrm>
         </p:spPr>
         <p:txBody>
@@ -301,8 +493,8 @@
         </p:nvSpPr>
         <p:spPr>
           <a:xfrm>
-            <a:off x="476834" y="798973"/>
-            <a:ext cx="811019" cy="503578"/>
+            <a:off x="8956900" y="5037663"/>
+            <a:ext cx="551167" cy="279400"/>
           </a:xfrm>
         </p:spPr>
         <p:txBody>
@@ -317,10 +509,40 @@
           </a:p>
         </p:txBody>
       </p:sp>
+      <p:cxnSp>
+        <p:nvCxnSpPr>
+          <p:cNvPr id="15" name="Straight Connector 14"/>
+          <p:cNvCxnSpPr/>
+          <p:nvPr/>
+        </p:nvCxnSpPr>
+        <p:spPr>
+          <a:xfrm>
+            <a:off x="2692399" y="3522131"/>
+            <a:ext cx="6815668" cy="0"/>
+          </a:xfrm>
+          <a:prstGeom prst="line">
+            <a:avLst/>
+          </a:prstGeom>
+        </p:spPr>
+        <p:style>
+          <a:lnRef idx="2">
+            <a:schemeClr val="accent1"/>
+          </a:lnRef>
+          <a:fillRef idx="0">
+            <a:schemeClr val="accent1"/>
+          </a:fillRef>
+          <a:effectRef idx="1">
+            <a:schemeClr val="accent1"/>
+          </a:effectRef>
+          <a:fontRef idx="minor">
+            <a:schemeClr val="tx1"/>
+          </a:fontRef>
+        </p:style>
+      </p:cxnSp>
     </p:spTree>
     <p:extLst>
       <p:ext uri="{BB962C8B-B14F-4D97-AF65-F5344CB8AC3E}">
-        <p14:creationId xmlns:p14="http://schemas.microsoft.com/office/powerpoint/2010/main" val="4134071688"/>
+        <p14:creationId xmlns:p14="http://schemas.microsoft.com/office/powerpoint/2010/main" val="141203658"/>
       </p:ext>
     </p:extLst>
   </p:cSld>
@@ -331,6 +553,2099 @@
 </file>
 
 <file path=ppt/slideLayouts/slideLayout10.xml><?xml version="1.0" encoding="utf-8"?>
+<p:sldLayout xmlns:a="http://schemas.openxmlformats.org/drawingml/2006/main" xmlns:r="http://schemas.openxmlformats.org/officeDocument/2006/relationships" xmlns:p="http://schemas.openxmlformats.org/presentationml/2006/main" preserve="1">
+  <p:cSld name="Panoramic Picture with Caption">
+    <p:spTree>
+      <p:nvGrpSpPr>
+        <p:cNvPr id="1" name=""/>
+        <p:cNvGrpSpPr/>
+        <p:nvPr/>
+      </p:nvGrpSpPr>
+      <p:grpSpPr>
+        <a:xfrm>
+          <a:off x="0" y="0"/>
+          <a:ext cx="0" cy="0"/>
+          <a:chOff x="0" y="0"/>
+          <a:chExt cx="0" cy="0"/>
+        </a:xfrm>
+      </p:grpSpPr>
+      <p:sp>
+        <p:nvSpPr>
+          <p:cNvPr id="2" name="Title 1"/>
+          <p:cNvSpPr>
+            <a:spLocks noGrp="1"/>
+          </p:cNvSpPr>
+          <p:nvPr>
+            <p:ph type="title"/>
+          </p:nvPr>
+        </p:nvSpPr>
+        <p:spPr>
+          <a:xfrm>
+            <a:off x="1295401" y="4815415"/>
+            <a:ext cx="9609666" cy="566738"/>
+          </a:xfrm>
+        </p:spPr>
+        <p:txBody>
+          <a:bodyPr anchor="b">
+            <a:normAutofit/>
+          </a:bodyPr>
+          <a:lstStyle>
+            <a:lvl1pPr algn="ctr">
+              <a:defRPr sz="2400" b="0"/>
+            </a:lvl1pPr>
+          </a:lstStyle>
+          <a:p>
+            <a:r>
+              <a:rPr lang="en-US"/>
+              <a:t>Click to edit Master title style</a:t>
+            </a:r>
+            <a:endParaRPr lang="en-US" dirty="0"/>
+          </a:p>
+        </p:txBody>
+      </p:sp>
+      <p:sp>
+        <p:nvSpPr>
+          <p:cNvPr id="3" name="Picture Placeholder 2"/>
+          <p:cNvSpPr>
+            <a:spLocks noGrp="1" noChangeAspect="1"/>
+          </p:cNvSpPr>
+          <p:nvPr>
+            <p:ph type="pic" idx="1"/>
+          </p:nvPr>
+        </p:nvSpPr>
+        <p:spPr>
+          <a:xfrm>
+            <a:off x="1041427" y="1041399"/>
+            <a:ext cx="10105972" cy="3335869"/>
+          </a:xfrm>
+          <a:prstGeom prst="roundRect">
+            <a:avLst>
+              <a:gd name="adj" fmla="val 0"/>
+            </a:avLst>
+          </a:prstGeom>
+          <a:ln w="57150" cmpd="thickThin">
+            <a:solidFill>
+              <a:schemeClr val="tx1">
+                <a:lumMod val="50000"/>
+                <a:lumOff val="50000"/>
+              </a:schemeClr>
+            </a:solidFill>
+            <a:miter lim="800000"/>
+          </a:ln>
+          <a:effectLst>
+            <a:innerShdw blurRad="57150" dist="38100" dir="14460000">
+              <a:srgbClr val="000000">
+                <a:alpha val="70000"/>
+              </a:srgbClr>
+            </a:innerShdw>
+          </a:effectLst>
+        </p:spPr>
+        <p:txBody>
+          <a:bodyPr anchor="t">
+            <a:normAutofit/>
+          </a:bodyPr>
+          <a:lstStyle>
+            <a:lvl1pPr marL="0" indent="0" algn="ctr">
+              <a:buNone/>
+              <a:defRPr sz="1600"/>
+            </a:lvl1pPr>
+            <a:lvl2pPr marL="457200" indent="0">
+              <a:buNone/>
+              <a:defRPr sz="1600"/>
+            </a:lvl2pPr>
+            <a:lvl3pPr marL="914400" indent="0">
+              <a:buNone/>
+              <a:defRPr sz="1600"/>
+            </a:lvl3pPr>
+            <a:lvl4pPr marL="1371600" indent="0">
+              <a:buNone/>
+              <a:defRPr sz="1600"/>
+            </a:lvl4pPr>
+            <a:lvl5pPr marL="1828800" indent="0">
+              <a:buNone/>
+              <a:defRPr sz="1600"/>
+            </a:lvl5pPr>
+            <a:lvl6pPr marL="2286000" indent="0">
+              <a:buNone/>
+              <a:defRPr sz="1600"/>
+            </a:lvl6pPr>
+            <a:lvl7pPr marL="2743200" indent="0">
+              <a:buNone/>
+              <a:defRPr sz="1600"/>
+            </a:lvl7pPr>
+            <a:lvl8pPr marL="3200400" indent="0">
+              <a:buNone/>
+              <a:defRPr sz="1600"/>
+            </a:lvl8pPr>
+            <a:lvl9pPr marL="3657600" indent="0">
+              <a:buNone/>
+              <a:defRPr sz="1600"/>
+            </a:lvl9pPr>
+          </a:lstStyle>
+          <a:p>
+            <a:r>
+              <a:rPr lang="en-US"/>
+              <a:t>Click icon to add picture</a:t>
+            </a:r>
+            <a:endParaRPr lang="en-US" dirty="0"/>
+          </a:p>
+        </p:txBody>
+      </p:sp>
+      <p:sp>
+        <p:nvSpPr>
+          <p:cNvPr id="4" name="Text Placeholder 3"/>
+          <p:cNvSpPr>
+            <a:spLocks noGrp="1"/>
+          </p:cNvSpPr>
+          <p:nvPr>
+            <p:ph type="body" sz="half" idx="2"/>
+          </p:nvPr>
+        </p:nvSpPr>
+        <p:spPr>
+          <a:xfrm>
+            <a:off x="1295401" y="5382153"/>
+            <a:ext cx="9609666" cy="493712"/>
+          </a:xfrm>
+        </p:spPr>
+        <p:txBody>
+          <a:bodyPr>
+            <a:normAutofit/>
+          </a:bodyPr>
+          <a:lstStyle>
+            <a:lvl1pPr marL="0" indent="0" algn="ctr">
+              <a:buNone/>
+              <a:defRPr sz="1400"/>
+            </a:lvl1pPr>
+            <a:lvl2pPr marL="457200" indent="0">
+              <a:buNone/>
+              <a:defRPr sz="1200"/>
+            </a:lvl2pPr>
+            <a:lvl3pPr marL="914400" indent="0">
+              <a:buNone/>
+              <a:defRPr sz="1000"/>
+            </a:lvl3pPr>
+            <a:lvl4pPr marL="1371600" indent="0">
+              <a:buNone/>
+              <a:defRPr sz="900"/>
+            </a:lvl4pPr>
+            <a:lvl5pPr marL="1828800" indent="0">
+              <a:buNone/>
+              <a:defRPr sz="900"/>
+            </a:lvl5pPr>
+            <a:lvl6pPr marL="2286000" indent="0">
+              <a:buNone/>
+              <a:defRPr sz="900"/>
+            </a:lvl6pPr>
+            <a:lvl7pPr marL="2743200" indent="0">
+              <a:buNone/>
+              <a:defRPr sz="900"/>
+            </a:lvl7pPr>
+            <a:lvl8pPr marL="3200400" indent="0">
+              <a:buNone/>
+              <a:defRPr sz="900"/>
+            </a:lvl8pPr>
+            <a:lvl9pPr marL="3657600" indent="0">
+              <a:buNone/>
+              <a:defRPr sz="900"/>
+            </a:lvl9pPr>
+          </a:lstStyle>
+          <a:p>
+            <a:pPr lvl="0"/>
+            <a:r>
+              <a:rPr lang="en-US"/>
+              <a:t>Click to edit Master text styles</a:t>
+            </a:r>
+          </a:p>
+        </p:txBody>
+      </p:sp>
+      <p:sp>
+        <p:nvSpPr>
+          <p:cNvPr id="5" name="Date Placeholder 4"/>
+          <p:cNvSpPr>
+            <a:spLocks noGrp="1"/>
+          </p:cNvSpPr>
+          <p:nvPr>
+            <p:ph type="dt" sz="half" idx="10"/>
+          </p:nvPr>
+        </p:nvSpPr>
+        <p:spPr/>
+        <p:txBody>
+          <a:bodyPr/>
+          <a:lstStyle/>
+          <a:p>
+            <a:fld id="{C2A77455-39BA-4BA9-B524-972336B016BE}" type="datetimeFigureOut">
+              <a:rPr lang="en-US" smtClean="0"/>
+              <a:t>12/27/2023</a:t>
+            </a:fld>
+            <a:endParaRPr lang="en-US"/>
+          </a:p>
+        </p:txBody>
+      </p:sp>
+      <p:sp>
+        <p:nvSpPr>
+          <p:cNvPr id="6" name="Footer Placeholder 5"/>
+          <p:cNvSpPr>
+            <a:spLocks noGrp="1"/>
+          </p:cNvSpPr>
+          <p:nvPr>
+            <p:ph type="ftr" sz="quarter" idx="11"/>
+          </p:nvPr>
+        </p:nvSpPr>
+        <p:spPr/>
+        <p:txBody>
+          <a:bodyPr/>
+          <a:lstStyle/>
+          <a:p>
+            <a:endParaRPr lang="en-US"/>
+          </a:p>
+        </p:txBody>
+      </p:sp>
+      <p:sp>
+        <p:nvSpPr>
+          <p:cNvPr id="7" name="Slide Number Placeholder 6"/>
+          <p:cNvSpPr>
+            <a:spLocks noGrp="1"/>
+          </p:cNvSpPr>
+          <p:nvPr>
+            <p:ph type="sldNum" sz="quarter" idx="12"/>
+          </p:nvPr>
+        </p:nvSpPr>
+        <p:spPr/>
+        <p:txBody>
+          <a:bodyPr/>
+          <a:lstStyle/>
+          <a:p>
+            <a:fld id="{C9FE5E1B-0F09-426D-A32F-33360C463A7A}" type="slidenum">
+              <a:rPr lang="en-US" smtClean="0"/>
+              <a:t>‹#›</a:t>
+            </a:fld>
+            <a:endParaRPr lang="en-US"/>
+          </a:p>
+        </p:txBody>
+      </p:sp>
+    </p:spTree>
+    <p:extLst>
+      <p:ext uri="{BB962C8B-B14F-4D97-AF65-F5344CB8AC3E}">
+        <p14:creationId xmlns:p14="http://schemas.microsoft.com/office/powerpoint/2010/main" val="4081113567"/>
+      </p:ext>
+    </p:extLst>
+  </p:cSld>
+  <p:clrMapOvr>
+    <a:masterClrMapping/>
+  </p:clrMapOvr>
+</p:sldLayout>
+</file>
+
+<file path=ppt/slideLayouts/slideLayout11.xml><?xml version="1.0" encoding="utf-8"?>
+<p:sldLayout xmlns:a="http://schemas.openxmlformats.org/drawingml/2006/main" xmlns:r="http://schemas.openxmlformats.org/officeDocument/2006/relationships" xmlns:p="http://schemas.openxmlformats.org/presentationml/2006/main" preserve="1">
+  <p:cSld name="Title and Caption">
+    <p:spTree>
+      <p:nvGrpSpPr>
+        <p:cNvPr id="1" name=""/>
+        <p:cNvGrpSpPr/>
+        <p:nvPr/>
+      </p:nvGrpSpPr>
+      <p:grpSpPr>
+        <a:xfrm>
+          <a:off x="0" y="0"/>
+          <a:ext cx="0" cy="0"/>
+          <a:chOff x="0" y="0"/>
+          <a:chExt cx="0" cy="0"/>
+        </a:xfrm>
+      </p:grpSpPr>
+      <p:sp>
+        <p:nvSpPr>
+          <p:cNvPr id="2" name="Title 1"/>
+          <p:cNvSpPr>
+            <a:spLocks noGrp="1"/>
+          </p:cNvSpPr>
+          <p:nvPr>
+            <p:ph type="title"/>
+          </p:nvPr>
+        </p:nvSpPr>
+        <p:spPr>
+          <a:xfrm>
+            <a:off x="1303868" y="982132"/>
+            <a:ext cx="9592732" cy="2954868"/>
+          </a:xfrm>
+        </p:spPr>
+        <p:txBody>
+          <a:bodyPr anchor="ctr">
+            <a:normAutofit/>
+          </a:bodyPr>
+          <a:lstStyle>
+            <a:lvl1pPr algn="ctr">
+              <a:defRPr sz="3200" b="0" cap="none"/>
+            </a:lvl1pPr>
+          </a:lstStyle>
+          <a:p>
+            <a:r>
+              <a:rPr lang="en-US"/>
+              <a:t>Click to edit Master title style</a:t>
+            </a:r>
+            <a:endParaRPr lang="en-US" dirty="0"/>
+          </a:p>
+        </p:txBody>
+      </p:sp>
+      <p:sp>
+        <p:nvSpPr>
+          <p:cNvPr id="3" name="Text Placeholder 2"/>
+          <p:cNvSpPr>
+            <a:spLocks noGrp="1"/>
+          </p:cNvSpPr>
+          <p:nvPr>
+            <p:ph type="body" idx="1"/>
+          </p:nvPr>
+        </p:nvSpPr>
+        <p:spPr>
+          <a:xfrm>
+            <a:off x="1303868" y="4343399"/>
+            <a:ext cx="9592732" cy="1532467"/>
+          </a:xfrm>
+        </p:spPr>
+        <p:txBody>
+          <a:bodyPr anchor="ctr">
+            <a:normAutofit/>
+          </a:bodyPr>
+          <a:lstStyle>
+            <a:lvl1pPr marL="0" indent="0" algn="ctr">
+              <a:buNone/>
+              <a:defRPr sz="2000">
+                <a:solidFill>
+                  <a:schemeClr val="tx1"/>
+                </a:solidFill>
+              </a:defRPr>
+            </a:lvl1pPr>
+            <a:lvl2pPr marL="457200" indent="0">
+              <a:buNone/>
+              <a:defRPr sz="1800">
+                <a:solidFill>
+                  <a:schemeClr val="tx1">
+                    <a:tint val="75000"/>
+                  </a:schemeClr>
+                </a:solidFill>
+              </a:defRPr>
+            </a:lvl2pPr>
+            <a:lvl3pPr marL="914400" indent="0">
+              <a:buNone/>
+              <a:defRPr sz="1600">
+                <a:solidFill>
+                  <a:schemeClr val="tx1">
+                    <a:tint val="75000"/>
+                  </a:schemeClr>
+                </a:solidFill>
+              </a:defRPr>
+            </a:lvl3pPr>
+            <a:lvl4pPr marL="1371600" indent="0">
+              <a:buNone/>
+              <a:defRPr sz="1400">
+                <a:solidFill>
+                  <a:schemeClr val="tx1">
+                    <a:tint val="75000"/>
+                  </a:schemeClr>
+                </a:solidFill>
+              </a:defRPr>
+            </a:lvl4pPr>
+            <a:lvl5pPr marL="1828800" indent="0">
+              <a:buNone/>
+              <a:defRPr sz="1400">
+                <a:solidFill>
+                  <a:schemeClr val="tx1">
+                    <a:tint val="75000"/>
+                  </a:schemeClr>
+                </a:solidFill>
+              </a:defRPr>
+            </a:lvl5pPr>
+            <a:lvl6pPr marL="2286000" indent="0">
+              <a:buNone/>
+              <a:defRPr sz="1400">
+                <a:solidFill>
+                  <a:schemeClr val="tx1">
+                    <a:tint val="75000"/>
+                  </a:schemeClr>
+                </a:solidFill>
+              </a:defRPr>
+            </a:lvl6pPr>
+            <a:lvl7pPr marL="2743200" indent="0">
+              <a:buNone/>
+              <a:defRPr sz="1400">
+                <a:solidFill>
+                  <a:schemeClr val="tx1">
+                    <a:tint val="75000"/>
+                  </a:schemeClr>
+                </a:solidFill>
+              </a:defRPr>
+            </a:lvl7pPr>
+            <a:lvl8pPr marL="3200400" indent="0">
+              <a:buNone/>
+              <a:defRPr sz="1400">
+                <a:solidFill>
+                  <a:schemeClr val="tx1">
+                    <a:tint val="75000"/>
+                  </a:schemeClr>
+                </a:solidFill>
+              </a:defRPr>
+            </a:lvl8pPr>
+            <a:lvl9pPr marL="3657600" indent="0">
+              <a:buNone/>
+              <a:defRPr sz="1400">
+                <a:solidFill>
+                  <a:schemeClr val="tx1">
+                    <a:tint val="75000"/>
+                  </a:schemeClr>
+                </a:solidFill>
+              </a:defRPr>
+            </a:lvl9pPr>
+          </a:lstStyle>
+          <a:p>
+            <a:pPr lvl="0"/>
+            <a:r>
+              <a:rPr lang="en-US"/>
+              <a:t>Click to edit Master text styles</a:t>
+            </a:r>
+          </a:p>
+        </p:txBody>
+      </p:sp>
+      <p:sp>
+        <p:nvSpPr>
+          <p:cNvPr id="4" name="Date Placeholder 3"/>
+          <p:cNvSpPr>
+            <a:spLocks noGrp="1"/>
+          </p:cNvSpPr>
+          <p:nvPr>
+            <p:ph type="dt" sz="half" idx="10"/>
+          </p:nvPr>
+        </p:nvSpPr>
+        <p:spPr/>
+        <p:txBody>
+          <a:bodyPr/>
+          <a:lstStyle/>
+          <a:p>
+            <a:fld id="{C2A77455-39BA-4BA9-B524-972336B016BE}" type="datetimeFigureOut">
+              <a:rPr lang="en-US" smtClean="0"/>
+              <a:t>12/27/2023</a:t>
+            </a:fld>
+            <a:endParaRPr lang="en-US"/>
+          </a:p>
+        </p:txBody>
+      </p:sp>
+      <p:sp>
+        <p:nvSpPr>
+          <p:cNvPr id="5" name="Footer Placeholder 4"/>
+          <p:cNvSpPr>
+            <a:spLocks noGrp="1"/>
+          </p:cNvSpPr>
+          <p:nvPr>
+            <p:ph type="ftr" sz="quarter" idx="11"/>
+          </p:nvPr>
+        </p:nvSpPr>
+        <p:spPr/>
+        <p:txBody>
+          <a:bodyPr/>
+          <a:lstStyle/>
+          <a:p>
+            <a:endParaRPr lang="en-US"/>
+          </a:p>
+        </p:txBody>
+      </p:sp>
+      <p:sp>
+        <p:nvSpPr>
+          <p:cNvPr id="6" name="Slide Number Placeholder 5"/>
+          <p:cNvSpPr>
+            <a:spLocks noGrp="1"/>
+          </p:cNvSpPr>
+          <p:nvPr>
+            <p:ph type="sldNum" sz="quarter" idx="12"/>
+          </p:nvPr>
+        </p:nvSpPr>
+        <p:spPr/>
+        <p:txBody>
+          <a:bodyPr/>
+          <a:lstStyle/>
+          <a:p>
+            <a:fld id="{C9FE5E1B-0F09-426D-A32F-33360C463A7A}" type="slidenum">
+              <a:rPr lang="en-US" smtClean="0"/>
+              <a:t>‹#›</a:t>
+            </a:fld>
+            <a:endParaRPr lang="en-US"/>
+          </a:p>
+        </p:txBody>
+      </p:sp>
+      <p:cxnSp>
+        <p:nvCxnSpPr>
+          <p:cNvPr id="15" name="Straight Connector 14"/>
+          <p:cNvCxnSpPr/>
+          <p:nvPr/>
+        </p:nvCxnSpPr>
+        <p:spPr>
+          <a:xfrm>
+            <a:off x="1396169" y="4140199"/>
+            <a:ext cx="9407298" cy="0"/>
+          </a:xfrm>
+          <a:prstGeom prst="line">
+            <a:avLst/>
+          </a:prstGeom>
+          <a:ln w="15875"/>
+        </p:spPr>
+        <p:style>
+          <a:lnRef idx="2">
+            <a:schemeClr val="accent1"/>
+          </a:lnRef>
+          <a:fillRef idx="0">
+            <a:schemeClr val="accent1"/>
+          </a:fillRef>
+          <a:effectRef idx="1">
+            <a:schemeClr val="accent1"/>
+          </a:effectRef>
+          <a:fontRef idx="minor">
+            <a:schemeClr val="tx1"/>
+          </a:fontRef>
+        </p:style>
+      </p:cxnSp>
+    </p:spTree>
+    <p:extLst>
+      <p:ext uri="{BB962C8B-B14F-4D97-AF65-F5344CB8AC3E}">
+        <p14:creationId xmlns:p14="http://schemas.microsoft.com/office/powerpoint/2010/main" val="3187843123"/>
+      </p:ext>
+    </p:extLst>
+  </p:cSld>
+  <p:clrMapOvr>
+    <a:masterClrMapping/>
+  </p:clrMapOvr>
+</p:sldLayout>
+</file>
+
+<file path=ppt/slideLayouts/slideLayout12.xml><?xml version="1.0" encoding="utf-8"?>
+<p:sldLayout xmlns:a="http://schemas.openxmlformats.org/drawingml/2006/main" xmlns:r="http://schemas.openxmlformats.org/officeDocument/2006/relationships" xmlns:p="http://schemas.openxmlformats.org/presentationml/2006/main" preserve="1">
+  <p:cSld name="Quote with Caption">
+    <p:spTree>
+      <p:nvGrpSpPr>
+        <p:cNvPr id="1" name=""/>
+        <p:cNvGrpSpPr/>
+        <p:nvPr/>
+      </p:nvGrpSpPr>
+      <p:grpSpPr>
+        <a:xfrm>
+          <a:off x="0" y="0"/>
+          <a:ext cx="0" cy="0"/>
+          <a:chOff x="0" y="0"/>
+          <a:chExt cx="0" cy="0"/>
+        </a:xfrm>
+      </p:grpSpPr>
+      <p:sp>
+        <p:nvSpPr>
+          <p:cNvPr id="2" name="Title 1"/>
+          <p:cNvSpPr>
+            <a:spLocks noGrp="1"/>
+          </p:cNvSpPr>
+          <p:nvPr>
+            <p:ph type="title"/>
+          </p:nvPr>
+        </p:nvSpPr>
+        <p:spPr>
+          <a:xfrm>
+            <a:off x="1446213" y="982132"/>
+            <a:ext cx="9296398" cy="2370668"/>
+          </a:xfrm>
+        </p:spPr>
+        <p:txBody>
+          <a:bodyPr anchor="ctr">
+            <a:normAutofit/>
+          </a:bodyPr>
+          <a:lstStyle>
+            <a:lvl1pPr algn="ctr">
+              <a:defRPr sz="3200" b="0" cap="none">
+                <a:solidFill>
+                  <a:schemeClr val="tx1"/>
+                </a:solidFill>
+              </a:defRPr>
+            </a:lvl1pPr>
+          </a:lstStyle>
+          <a:p>
+            <a:r>
+              <a:rPr lang="en-US"/>
+              <a:t>Click to edit Master title style</a:t>
+            </a:r>
+            <a:endParaRPr lang="en-US" dirty="0"/>
+          </a:p>
+        </p:txBody>
+      </p:sp>
+      <p:sp>
+        <p:nvSpPr>
+          <p:cNvPr id="10" name="Text Placeholder 9"/>
+          <p:cNvSpPr>
+            <a:spLocks noGrp="1"/>
+          </p:cNvSpPr>
+          <p:nvPr>
+            <p:ph type="body" sz="quarter" idx="13"/>
+          </p:nvPr>
+        </p:nvSpPr>
+        <p:spPr>
+          <a:xfrm>
+            <a:off x="1674812" y="3352800"/>
+            <a:ext cx="8839202" cy="584200"/>
+          </a:xfrm>
+        </p:spPr>
+        <p:txBody>
+          <a:bodyPr anchor="ctr">
+            <a:normAutofit/>
+          </a:bodyPr>
+          <a:lstStyle>
+            <a:lvl1pPr marL="0" indent="0" algn="r">
+              <a:buFontTx/>
+              <a:buNone/>
+              <a:defRPr sz="2000"/>
+            </a:lvl1pPr>
+            <a:lvl2pPr marL="457200" indent="0">
+              <a:buFontTx/>
+              <a:buNone/>
+              <a:defRPr/>
+            </a:lvl2pPr>
+            <a:lvl3pPr marL="914400" indent="0">
+              <a:buFontTx/>
+              <a:buNone/>
+              <a:defRPr/>
+            </a:lvl3pPr>
+            <a:lvl4pPr marL="1371600" indent="0">
+              <a:buFontTx/>
+              <a:buNone/>
+              <a:defRPr/>
+            </a:lvl4pPr>
+            <a:lvl5pPr marL="1828800" indent="0">
+              <a:buFontTx/>
+              <a:buNone/>
+              <a:defRPr/>
+            </a:lvl5pPr>
+          </a:lstStyle>
+          <a:p>
+            <a:pPr lvl="0"/>
+            <a:r>
+              <a:rPr lang="en-US"/>
+              <a:t>Click to edit Master text styles</a:t>
+            </a:r>
+          </a:p>
+        </p:txBody>
+      </p:sp>
+      <p:sp>
+        <p:nvSpPr>
+          <p:cNvPr id="3" name="Text Placeholder 2"/>
+          <p:cNvSpPr>
+            <a:spLocks noGrp="1"/>
+          </p:cNvSpPr>
+          <p:nvPr>
+            <p:ph type="body" idx="1"/>
+          </p:nvPr>
+        </p:nvSpPr>
+        <p:spPr>
+          <a:xfrm>
+            <a:off x="1295401" y="4343399"/>
+            <a:ext cx="9609666" cy="1532467"/>
+          </a:xfrm>
+        </p:spPr>
+        <p:txBody>
+          <a:bodyPr anchor="ctr">
+            <a:normAutofit/>
+          </a:bodyPr>
+          <a:lstStyle>
+            <a:lvl1pPr marL="0" indent="0" algn="ctr">
+              <a:buNone/>
+              <a:defRPr sz="2000">
+                <a:solidFill>
+                  <a:schemeClr val="tx1"/>
+                </a:solidFill>
+              </a:defRPr>
+            </a:lvl1pPr>
+            <a:lvl2pPr marL="457200" indent="0">
+              <a:buNone/>
+              <a:defRPr sz="1800">
+                <a:solidFill>
+                  <a:schemeClr val="tx1">
+                    <a:tint val="75000"/>
+                  </a:schemeClr>
+                </a:solidFill>
+              </a:defRPr>
+            </a:lvl2pPr>
+            <a:lvl3pPr marL="914400" indent="0">
+              <a:buNone/>
+              <a:defRPr sz="1600">
+                <a:solidFill>
+                  <a:schemeClr val="tx1">
+                    <a:tint val="75000"/>
+                  </a:schemeClr>
+                </a:solidFill>
+              </a:defRPr>
+            </a:lvl3pPr>
+            <a:lvl4pPr marL="1371600" indent="0">
+              <a:buNone/>
+              <a:defRPr sz="1400">
+                <a:solidFill>
+                  <a:schemeClr val="tx1">
+                    <a:tint val="75000"/>
+                  </a:schemeClr>
+                </a:solidFill>
+              </a:defRPr>
+            </a:lvl4pPr>
+            <a:lvl5pPr marL="1828800" indent="0">
+              <a:buNone/>
+              <a:defRPr sz="1400">
+                <a:solidFill>
+                  <a:schemeClr val="tx1">
+                    <a:tint val="75000"/>
+                  </a:schemeClr>
+                </a:solidFill>
+              </a:defRPr>
+            </a:lvl5pPr>
+            <a:lvl6pPr marL="2286000" indent="0">
+              <a:buNone/>
+              <a:defRPr sz="1400">
+                <a:solidFill>
+                  <a:schemeClr val="tx1">
+                    <a:tint val="75000"/>
+                  </a:schemeClr>
+                </a:solidFill>
+              </a:defRPr>
+            </a:lvl6pPr>
+            <a:lvl7pPr marL="2743200" indent="0">
+              <a:buNone/>
+              <a:defRPr sz="1400">
+                <a:solidFill>
+                  <a:schemeClr val="tx1">
+                    <a:tint val="75000"/>
+                  </a:schemeClr>
+                </a:solidFill>
+              </a:defRPr>
+            </a:lvl7pPr>
+            <a:lvl8pPr marL="3200400" indent="0">
+              <a:buNone/>
+              <a:defRPr sz="1400">
+                <a:solidFill>
+                  <a:schemeClr val="tx1">
+                    <a:tint val="75000"/>
+                  </a:schemeClr>
+                </a:solidFill>
+              </a:defRPr>
+            </a:lvl8pPr>
+            <a:lvl9pPr marL="3657600" indent="0">
+              <a:buNone/>
+              <a:defRPr sz="1400">
+                <a:solidFill>
+                  <a:schemeClr val="tx1">
+                    <a:tint val="75000"/>
+                  </a:schemeClr>
+                </a:solidFill>
+              </a:defRPr>
+            </a:lvl9pPr>
+          </a:lstStyle>
+          <a:p>
+            <a:pPr lvl="0"/>
+            <a:r>
+              <a:rPr lang="en-US"/>
+              <a:t>Click to edit Master text styles</a:t>
+            </a:r>
+          </a:p>
+        </p:txBody>
+      </p:sp>
+      <p:sp>
+        <p:nvSpPr>
+          <p:cNvPr id="4" name="Date Placeholder 3"/>
+          <p:cNvSpPr>
+            <a:spLocks noGrp="1"/>
+          </p:cNvSpPr>
+          <p:nvPr>
+            <p:ph type="dt" sz="half" idx="10"/>
+          </p:nvPr>
+        </p:nvSpPr>
+        <p:spPr/>
+        <p:txBody>
+          <a:bodyPr/>
+          <a:lstStyle/>
+          <a:p>
+            <a:fld id="{C2A77455-39BA-4BA9-B524-972336B016BE}" type="datetimeFigureOut">
+              <a:rPr lang="en-US" smtClean="0"/>
+              <a:t>12/27/2023</a:t>
+            </a:fld>
+            <a:endParaRPr lang="en-US"/>
+          </a:p>
+        </p:txBody>
+      </p:sp>
+      <p:sp>
+        <p:nvSpPr>
+          <p:cNvPr id="5" name="Footer Placeholder 4"/>
+          <p:cNvSpPr>
+            <a:spLocks noGrp="1"/>
+          </p:cNvSpPr>
+          <p:nvPr>
+            <p:ph type="ftr" sz="quarter" idx="11"/>
+          </p:nvPr>
+        </p:nvSpPr>
+        <p:spPr/>
+        <p:txBody>
+          <a:bodyPr/>
+          <a:lstStyle/>
+          <a:p>
+            <a:endParaRPr lang="en-US"/>
+          </a:p>
+        </p:txBody>
+      </p:sp>
+      <p:sp>
+        <p:nvSpPr>
+          <p:cNvPr id="6" name="Slide Number Placeholder 5"/>
+          <p:cNvSpPr>
+            <a:spLocks noGrp="1"/>
+          </p:cNvSpPr>
+          <p:nvPr>
+            <p:ph type="sldNum" sz="quarter" idx="12"/>
+          </p:nvPr>
+        </p:nvSpPr>
+        <p:spPr/>
+        <p:txBody>
+          <a:bodyPr/>
+          <a:lstStyle/>
+          <a:p>
+            <a:fld id="{C9FE5E1B-0F09-426D-A32F-33360C463A7A}" type="slidenum">
+              <a:rPr lang="en-US" smtClean="0"/>
+              <a:t>‹#›</a:t>
+            </a:fld>
+            <a:endParaRPr lang="en-US"/>
+          </a:p>
+        </p:txBody>
+      </p:sp>
+      <p:sp>
+        <p:nvSpPr>
+          <p:cNvPr id="14" name="TextBox 13"/>
+          <p:cNvSpPr txBox="1"/>
+          <p:nvPr/>
+        </p:nvSpPr>
+        <p:spPr>
+          <a:xfrm>
+            <a:off x="862013" y="879961"/>
+            <a:ext cx="609600" cy="584776"/>
+          </a:xfrm>
+          <a:prstGeom prst="rect">
+            <a:avLst/>
+          </a:prstGeom>
+        </p:spPr>
+        <p:txBody>
+          <a:bodyPr vert="horz" lIns="91440" tIns="45720" rIns="91440" bIns="45720" rtlCol="0" anchor="ctr">
+            <a:noAutofit/>
+          </a:bodyPr>
+          <a:lstStyle/>
+          <a:p>
+            <a:pPr lvl="0"/>
+            <a:r>
+              <a:rPr lang="en-US" sz="8000" dirty="0">
+                <a:solidFill>
+                  <a:schemeClr val="tx1"/>
+                </a:solidFill>
+                <a:effectLst/>
+              </a:rPr>
+              <a:t>“</a:t>
+            </a:r>
+          </a:p>
+        </p:txBody>
+      </p:sp>
+      <p:sp>
+        <p:nvSpPr>
+          <p:cNvPr id="15" name="TextBox 14"/>
+          <p:cNvSpPr txBox="1"/>
+          <p:nvPr/>
+        </p:nvSpPr>
+        <p:spPr>
+          <a:xfrm>
+            <a:off x="10600267" y="2827870"/>
+            <a:ext cx="609600" cy="584776"/>
+          </a:xfrm>
+          <a:prstGeom prst="rect">
+            <a:avLst/>
+          </a:prstGeom>
+        </p:spPr>
+        <p:txBody>
+          <a:bodyPr vert="horz" lIns="91440" tIns="45720" rIns="91440" bIns="45720" rtlCol="0" anchor="ctr">
+            <a:noAutofit/>
+          </a:bodyPr>
+          <a:lstStyle/>
+          <a:p>
+            <a:pPr lvl="0" algn="r"/>
+            <a:r>
+              <a:rPr lang="en-US" sz="8000" dirty="0">
+                <a:solidFill>
+                  <a:schemeClr val="tx1"/>
+                </a:solidFill>
+                <a:effectLst/>
+              </a:rPr>
+              <a:t>”</a:t>
+            </a:r>
+          </a:p>
+        </p:txBody>
+      </p:sp>
+      <p:cxnSp>
+        <p:nvCxnSpPr>
+          <p:cNvPr id="19" name="Straight Connector 18"/>
+          <p:cNvCxnSpPr/>
+          <p:nvPr/>
+        </p:nvCxnSpPr>
+        <p:spPr>
+          <a:xfrm>
+            <a:off x="1396169" y="4140199"/>
+            <a:ext cx="9407298" cy="0"/>
+          </a:xfrm>
+          <a:prstGeom prst="line">
+            <a:avLst/>
+          </a:prstGeom>
+          <a:ln w="15875"/>
+        </p:spPr>
+        <p:style>
+          <a:lnRef idx="2">
+            <a:schemeClr val="accent1"/>
+          </a:lnRef>
+          <a:fillRef idx="0">
+            <a:schemeClr val="accent1"/>
+          </a:fillRef>
+          <a:effectRef idx="1">
+            <a:schemeClr val="accent1"/>
+          </a:effectRef>
+          <a:fontRef idx="minor">
+            <a:schemeClr val="tx1"/>
+          </a:fontRef>
+        </p:style>
+      </p:cxnSp>
+    </p:spTree>
+    <p:extLst>
+      <p:ext uri="{BB962C8B-B14F-4D97-AF65-F5344CB8AC3E}">
+        <p14:creationId xmlns:p14="http://schemas.microsoft.com/office/powerpoint/2010/main" val="94298765"/>
+      </p:ext>
+    </p:extLst>
+  </p:cSld>
+  <p:clrMapOvr>
+    <a:masterClrMapping/>
+  </p:clrMapOvr>
+</p:sldLayout>
+</file>
+
+<file path=ppt/slideLayouts/slideLayout13.xml><?xml version="1.0" encoding="utf-8"?>
+<p:sldLayout xmlns:a="http://schemas.openxmlformats.org/drawingml/2006/main" xmlns:r="http://schemas.openxmlformats.org/officeDocument/2006/relationships" xmlns:p="http://schemas.openxmlformats.org/presentationml/2006/main" preserve="1">
+  <p:cSld name="Name Card">
+    <p:spTree>
+      <p:nvGrpSpPr>
+        <p:cNvPr id="1" name=""/>
+        <p:cNvGrpSpPr/>
+        <p:nvPr/>
+      </p:nvGrpSpPr>
+      <p:grpSpPr>
+        <a:xfrm>
+          <a:off x="0" y="0"/>
+          <a:ext cx="0" cy="0"/>
+          <a:chOff x="0" y="0"/>
+          <a:chExt cx="0" cy="0"/>
+        </a:xfrm>
+      </p:grpSpPr>
+      <p:sp>
+        <p:nvSpPr>
+          <p:cNvPr id="2" name="Title 1"/>
+          <p:cNvSpPr>
+            <a:spLocks noGrp="1"/>
+          </p:cNvSpPr>
+          <p:nvPr>
+            <p:ph type="title"/>
+          </p:nvPr>
+        </p:nvSpPr>
+        <p:spPr>
+          <a:xfrm>
+            <a:off x="1295402" y="3308581"/>
+            <a:ext cx="9609668" cy="1468800"/>
+          </a:xfrm>
+        </p:spPr>
+        <p:txBody>
+          <a:bodyPr anchor="b">
+            <a:normAutofit/>
+          </a:bodyPr>
+          <a:lstStyle>
+            <a:lvl1pPr algn="l">
+              <a:defRPr sz="3200" b="0" cap="none"/>
+            </a:lvl1pPr>
+          </a:lstStyle>
+          <a:p>
+            <a:r>
+              <a:rPr lang="en-US"/>
+              <a:t>Click to edit Master title style</a:t>
+            </a:r>
+            <a:endParaRPr lang="en-US" dirty="0"/>
+          </a:p>
+        </p:txBody>
+      </p:sp>
+      <p:sp>
+        <p:nvSpPr>
+          <p:cNvPr id="3" name="Text Placeholder 2"/>
+          <p:cNvSpPr>
+            <a:spLocks noGrp="1"/>
+          </p:cNvSpPr>
+          <p:nvPr>
+            <p:ph type="body" idx="1"/>
+          </p:nvPr>
+        </p:nvSpPr>
+        <p:spPr>
+          <a:xfrm>
+            <a:off x="1295401" y="4777381"/>
+            <a:ext cx="9609668" cy="860400"/>
+          </a:xfrm>
+        </p:spPr>
+        <p:txBody>
+          <a:bodyPr anchor="t">
+            <a:normAutofit/>
+          </a:bodyPr>
+          <a:lstStyle>
+            <a:lvl1pPr marL="0" indent="0" algn="l">
+              <a:buNone/>
+              <a:defRPr sz="2000">
+                <a:solidFill>
+                  <a:schemeClr val="tx1"/>
+                </a:solidFill>
+              </a:defRPr>
+            </a:lvl1pPr>
+            <a:lvl2pPr marL="457200" indent="0">
+              <a:buNone/>
+              <a:defRPr sz="1800">
+                <a:solidFill>
+                  <a:schemeClr val="tx1">
+                    <a:tint val="75000"/>
+                  </a:schemeClr>
+                </a:solidFill>
+              </a:defRPr>
+            </a:lvl2pPr>
+            <a:lvl3pPr marL="914400" indent="0">
+              <a:buNone/>
+              <a:defRPr sz="1600">
+                <a:solidFill>
+                  <a:schemeClr val="tx1">
+                    <a:tint val="75000"/>
+                  </a:schemeClr>
+                </a:solidFill>
+              </a:defRPr>
+            </a:lvl3pPr>
+            <a:lvl4pPr marL="1371600" indent="0">
+              <a:buNone/>
+              <a:defRPr sz="1400">
+                <a:solidFill>
+                  <a:schemeClr val="tx1">
+                    <a:tint val="75000"/>
+                  </a:schemeClr>
+                </a:solidFill>
+              </a:defRPr>
+            </a:lvl4pPr>
+            <a:lvl5pPr marL="1828800" indent="0">
+              <a:buNone/>
+              <a:defRPr sz="1400">
+                <a:solidFill>
+                  <a:schemeClr val="tx1">
+                    <a:tint val="75000"/>
+                  </a:schemeClr>
+                </a:solidFill>
+              </a:defRPr>
+            </a:lvl5pPr>
+            <a:lvl6pPr marL="2286000" indent="0">
+              <a:buNone/>
+              <a:defRPr sz="1400">
+                <a:solidFill>
+                  <a:schemeClr val="tx1">
+                    <a:tint val="75000"/>
+                  </a:schemeClr>
+                </a:solidFill>
+              </a:defRPr>
+            </a:lvl6pPr>
+            <a:lvl7pPr marL="2743200" indent="0">
+              <a:buNone/>
+              <a:defRPr sz="1400">
+                <a:solidFill>
+                  <a:schemeClr val="tx1">
+                    <a:tint val="75000"/>
+                  </a:schemeClr>
+                </a:solidFill>
+              </a:defRPr>
+            </a:lvl7pPr>
+            <a:lvl8pPr marL="3200400" indent="0">
+              <a:buNone/>
+              <a:defRPr sz="1400">
+                <a:solidFill>
+                  <a:schemeClr val="tx1">
+                    <a:tint val="75000"/>
+                  </a:schemeClr>
+                </a:solidFill>
+              </a:defRPr>
+            </a:lvl8pPr>
+            <a:lvl9pPr marL="3657600" indent="0">
+              <a:buNone/>
+              <a:defRPr sz="1400">
+                <a:solidFill>
+                  <a:schemeClr val="tx1">
+                    <a:tint val="75000"/>
+                  </a:schemeClr>
+                </a:solidFill>
+              </a:defRPr>
+            </a:lvl9pPr>
+          </a:lstStyle>
+          <a:p>
+            <a:pPr lvl="0"/>
+            <a:r>
+              <a:rPr lang="en-US"/>
+              <a:t>Click to edit Master text styles</a:t>
+            </a:r>
+          </a:p>
+        </p:txBody>
+      </p:sp>
+      <p:sp>
+        <p:nvSpPr>
+          <p:cNvPr id="4" name="Date Placeholder 3"/>
+          <p:cNvSpPr>
+            <a:spLocks noGrp="1"/>
+          </p:cNvSpPr>
+          <p:nvPr>
+            <p:ph type="dt" sz="half" idx="10"/>
+          </p:nvPr>
+        </p:nvSpPr>
+        <p:spPr/>
+        <p:txBody>
+          <a:bodyPr/>
+          <a:lstStyle/>
+          <a:p>
+            <a:fld id="{C2A77455-39BA-4BA9-B524-972336B016BE}" type="datetimeFigureOut">
+              <a:rPr lang="en-US" smtClean="0"/>
+              <a:t>12/27/2023</a:t>
+            </a:fld>
+            <a:endParaRPr lang="en-US"/>
+          </a:p>
+        </p:txBody>
+      </p:sp>
+      <p:sp>
+        <p:nvSpPr>
+          <p:cNvPr id="5" name="Footer Placeholder 4"/>
+          <p:cNvSpPr>
+            <a:spLocks noGrp="1"/>
+          </p:cNvSpPr>
+          <p:nvPr>
+            <p:ph type="ftr" sz="quarter" idx="11"/>
+          </p:nvPr>
+        </p:nvSpPr>
+        <p:spPr/>
+        <p:txBody>
+          <a:bodyPr/>
+          <a:lstStyle/>
+          <a:p>
+            <a:endParaRPr lang="en-US"/>
+          </a:p>
+        </p:txBody>
+      </p:sp>
+      <p:sp>
+        <p:nvSpPr>
+          <p:cNvPr id="6" name="Slide Number Placeholder 5"/>
+          <p:cNvSpPr>
+            <a:spLocks noGrp="1"/>
+          </p:cNvSpPr>
+          <p:nvPr>
+            <p:ph type="sldNum" sz="quarter" idx="12"/>
+          </p:nvPr>
+        </p:nvSpPr>
+        <p:spPr/>
+        <p:txBody>
+          <a:bodyPr/>
+          <a:lstStyle/>
+          <a:p>
+            <a:fld id="{C9FE5E1B-0F09-426D-A32F-33360C463A7A}" type="slidenum">
+              <a:rPr lang="en-US" smtClean="0"/>
+              <a:t>‹#›</a:t>
+            </a:fld>
+            <a:endParaRPr lang="en-US"/>
+          </a:p>
+        </p:txBody>
+      </p:sp>
+    </p:spTree>
+    <p:extLst>
+      <p:ext uri="{BB962C8B-B14F-4D97-AF65-F5344CB8AC3E}">
+        <p14:creationId xmlns:p14="http://schemas.microsoft.com/office/powerpoint/2010/main" val="4071833402"/>
+      </p:ext>
+    </p:extLst>
+  </p:cSld>
+  <p:clrMapOvr>
+    <a:masterClrMapping/>
+  </p:clrMapOvr>
+</p:sldLayout>
+</file>
+
+<file path=ppt/slideLayouts/slideLayout14.xml><?xml version="1.0" encoding="utf-8"?>
+<p:sldLayout xmlns:a="http://schemas.openxmlformats.org/drawingml/2006/main" xmlns:r="http://schemas.openxmlformats.org/officeDocument/2006/relationships" xmlns:p="http://schemas.openxmlformats.org/presentationml/2006/main" preserve="1">
+  <p:cSld name="Quote Name Card">
+    <p:spTree>
+      <p:nvGrpSpPr>
+        <p:cNvPr id="1" name=""/>
+        <p:cNvGrpSpPr/>
+        <p:nvPr/>
+      </p:nvGrpSpPr>
+      <p:grpSpPr>
+        <a:xfrm>
+          <a:off x="0" y="0"/>
+          <a:ext cx="0" cy="0"/>
+          <a:chOff x="0" y="0"/>
+          <a:chExt cx="0" cy="0"/>
+        </a:xfrm>
+      </p:grpSpPr>
+      <p:sp>
+        <p:nvSpPr>
+          <p:cNvPr id="2" name="Title 1"/>
+          <p:cNvSpPr>
+            <a:spLocks noGrp="1"/>
+          </p:cNvSpPr>
+          <p:nvPr>
+            <p:ph type="title"/>
+          </p:nvPr>
+        </p:nvSpPr>
+        <p:spPr>
+          <a:xfrm>
+            <a:off x="1446213" y="982132"/>
+            <a:ext cx="9296398" cy="2243668"/>
+          </a:xfrm>
+        </p:spPr>
+        <p:txBody>
+          <a:bodyPr anchor="ctr">
+            <a:normAutofit/>
+          </a:bodyPr>
+          <a:lstStyle>
+            <a:lvl1pPr algn="ctr">
+              <a:defRPr sz="3200" b="0" cap="none">
+                <a:solidFill>
+                  <a:schemeClr val="tx1"/>
+                </a:solidFill>
+              </a:defRPr>
+            </a:lvl1pPr>
+          </a:lstStyle>
+          <a:p>
+            <a:r>
+              <a:rPr lang="en-US"/>
+              <a:t>Click to edit Master title style</a:t>
+            </a:r>
+            <a:endParaRPr lang="en-US" dirty="0"/>
+          </a:p>
+        </p:txBody>
+      </p:sp>
+      <p:sp>
+        <p:nvSpPr>
+          <p:cNvPr id="23" name="Text Placeholder 2"/>
+          <p:cNvSpPr>
+            <a:spLocks noGrp="1"/>
+          </p:cNvSpPr>
+          <p:nvPr>
+            <p:ph type="body" idx="13"/>
+          </p:nvPr>
+        </p:nvSpPr>
+        <p:spPr>
+          <a:xfrm>
+            <a:off x="1295401" y="3639312"/>
+            <a:ext cx="9609668" cy="886968"/>
+          </a:xfrm>
+        </p:spPr>
+        <p:txBody>
+          <a:bodyPr anchor="b">
+            <a:normAutofit/>
+          </a:bodyPr>
+          <a:lstStyle>
+            <a:lvl1pPr marL="0" indent="0" algn="l">
+              <a:spcBef>
+                <a:spcPts val="0"/>
+              </a:spcBef>
+              <a:buNone/>
+              <a:defRPr sz="2400">
+                <a:solidFill>
+                  <a:schemeClr val="tx1"/>
+                </a:solidFill>
+              </a:defRPr>
+            </a:lvl1pPr>
+            <a:lvl2pPr marL="457200" indent="0">
+              <a:buNone/>
+              <a:defRPr sz="1800">
+                <a:solidFill>
+                  <a:schemeClr val="tx1">
+                    <a:tint val="75000"/>
+                  </a:schemeClr>
+                </a:solidFill>
+              </a:defRPr>
+            </a:lvl2pPr>
+            <a:lvl3pPr marL="914400" indent="0">
+              <a:buNone/>
+              <a:defRPr sz="1600">
+                <a:solidFill>
+                  <a:schemeClr val="tx1">
+                    <a:tint val="75000"/>
+                  </a:schemeClr>
+                </a:solidFill>
+              </a:defRPr>
+            </a:lvl3pPr>
+            <a:lvl4pPr marL="1371600" indent="0">
+              <a:buNone/>
+              <a:defRPr sz="1400">
+                <a:solidFill>
+                  <a:schemeClr val="tx1">
+                    <a:tint val="75000"/>
+                  </a:schemeClr>
+                </a:solidFill>
+              </a:defRPr>
+            </a:lvl4pPr>
+            <a:lvl5pPr marL="1828800" indent="0">
+              <a:buNone/>
+              <a:defRPr sz="1400">
+                <a:solidFill>
+                  <a:schemeClr val="tx1">
+                    <a:tint val="75000"/>
+                  </a:schemeClr>
+                </a:solidFill>
+              </a:defRPr>
+            </a:lvl5pPr>
+            <a:lvl6pPr marL="2286000" indent="0">
+              <a:buNone/>
+              <a:defRPr sz="1400">
+                <a:solidFill>
+                  <a:schemeClr val="tx1">
+                    <a:tint val="75000"/>
+                  </a:schemeClr>
+                </a:solidFill>
+              </a:defRPr>
+            </a:lvl6pPr>
+            <a:lvl7pPr marL="2743200" indent="0">
+              <a:buNone/>
+              <a:defRPr sz="1400">
+                <a:solidFill>
+                  <a:schemeClr val="tx1">
+                    <a:tint val="75000"/>
+                  </a:schemeClr>
+                </a:solidFill>
+              </a:defRPr>
+            </a:lvl7pPr>
+            <a:lvl8pPr marL="3200400" indent="0">
+              <a:buNone/>
+              <a:defRPr sz="1400">
+                <a:solidFill>
+                  <a:schemeClr val="tx1">
+                    <a:tint val="75000"/>
+                  </a:schemeClr>
+                </a:solidFill>
+              </a:defRPr>
+            </a:lvl8pPr>
+            <a:lvl9pPr marL="3657600" indent="0">
+              <a:buNone/>
+              <a:defRPr sz="1400">
+                <a:solidFill>
+                  <a:schemeClr val="tx1">
+                    <a:tint val="75000"/>
+                  </a:schemeClr>
+                </a:solidFill>
+              </a:defRPr>
+            </a:lvl9pPr>
+          </a:lstStyle>
+          <a:p>
+            <a:pPr lvl="0"/>
+            <a:r>
+              <a:rPr lang="en-US"/>
+              <a:t>Click to edit Master text styles</a:t>
+            </a:r>
+          </a:p>
+        </p:txBody>
+      </p:sp>
+      <p:sp>
+        <p:nvSpPr>
+          <p:cNvPr id="3" name="Text Placeholder 2"/>
+          <p:cNvSpPr>
+            <a:spLocks noGrp="1"/>
+          </p:cNvSpPr>
+          <p:nvPr>
+            <p:ph type="body" idx="1"/>
+          </p:nvPr>
+        </p:nvSpPr>
+        <p:spPr>
+          <a:xfrm>
+            <a:off x="1295401" y="4529667"/>
+            <a:ext cx="9609668" cy="1346200"/>
+          </a:xfrm>
+        </p:spPr>
+        <p:txBody>
+          <a:bodyPr anchor="t">
+            <a:normAutofit/>
+          </a:bodyPr>
+          <a:lstStyle>
+            <a:lvl1pPr marL="0" indent="0" algn="l">
+              <a:buNone/>
+              <a:defRPr sz="1800">
+                <a:solidFill>
+                  <a:schemeClr val="tx1"/>
+                </a:solidFill>
+              </a:defRPr>
+            </a:lvl1pPr>
+            <a:lvl2pPr marL="457200" indent="0">
+              <a:buNone/>
+              <a:defRPr sz="1800">
+                <a:solidFill>
+                  <a:schemeClr val="tx1">
+                    <a:tint val="75000"/>
+                  </a:schemeClr>
+                </a:solidFill>
+              </a:defRPr>
+            </a:lvl2pPr>
+            <a:lvl3pPr marL="914400" indent="0">
+              <a:buNone/>
+              <a:defRPr sz="1600">
+                <a:solidFill>
+                  <a:schemeClr val="tx1">
+                    <a:tint val="75000"/>
+                  </a:schemeClr>
+                </a:solidFill>
+              </a:defRPr>
+            </a:lvl3pPr>
+            <a:lvl4pPr marL="1371600" indent="0">
+              <a:buNone/>
+              <a:defRPr sz="1400">
+                <a:solidFill>
+                  <a:schemeClr val="tx1">
+                    <a:tint val="75000"/>
+                  </a:schemeClr>
+                </a:solidFill>
+              </a:defRPr>
+            </a:lvl4pPr>
+            <a:lvl5pPr marL="1828800" indent="0">
+              <a:buNone/>
+              <a:defRPr sz="1400">
+                <a:solidFill>
+                  <a:schemeClr val="tx1">
+                    <a:tint val="75000"/>
+                  </a:schemeClr>
+                </a:solidFill>
+              </a:defRPr>
+            </a:lvl5pPr>
+            <a:lvl6pPr marL="2286000" indent="0">
+              <a:buNone/>
+              <a:defRPr sz="1400">
+                <a:solidFill>
+                  <a:schemeClr val="tx1">
+                    <a:tint val="75000"/>
+                  </a:schemeClr>
+                </a:solidFill>
+              </a:defRPr>
+            </a:lvl6pPr>
+            <a:lvl7pPr marL="2743200" indent="0">
+              <a:buNone/>
+              <a:defRPr sz="1400">
+                <a:solidFill>
+                  <a:schemeClr val="tx1">
+                    <a:tint val="75000"/>
+                  </a:schemeClr>
+                </a:solidFill>
+              </a:defRPr>
+            </a:lvl7pPr>
+            <a:lvl8pPr marL="3200400" indent="0">
+              <a:buNone/>
+              <a:defRPr sz="1400">
+                <a:solidFill>
+                  <a:schemeClr val="tx1">
+                    <a:tint val="75000"/>
+                  </a:schemeClr>
+                </a:solidFill>
+              </a:defRPr>
+            </a:lvl8pPr>
+            <a:lvl9pPr marL="3657600" indent="0">
+              <a:buNone/>
+              <a:defRPr sz="1400">
+                <a:solidFill>
+                  <a:schemeClr val="tx1">
+                    <a:tint val="75000"/>
+                  </a:schemeClr>
+                </a:solidFill>
+              </a:defRPr>
+            </a:lvl9pPr>
+          </a:lstStyle>
+          <a:p>
+            <a:pPr lvl="0"/>
+            <a:r>
+              <a:rPr lang="en-US"/>
+              <a:t>Click to edit Master text styles</a:t>
+            </a:r>
+          </a:p>
+        </p:txBody>
+      </p:sp>
+      <p:sp>
+        <p:nvSpPr>
+          <p:cNvPr id="4" name="Date Placeholder 3"/>
+          <p:cNvSpPr>
+            <a:spLocks noGrp="1"/>
+          </p:cNvSpPr>
+          <p:nvPr>
+            <p:ph type="dt" sz="half" idx="10"/>
+          </p:nvPr>
+        </p:nvSpPr>
+        <p:spPr/>
+        <p:txBody>
+          <a:bodyPr/>
+          <a:lstStyle/>
+          <a:p>
+            <a:fld id="{C2A77455-39BA-4BA9-B524-972336B016BE}" type="datetimeFigureOut">
+              <a:rPr lang="en-US" smtClean="0"/>
+              <a:t>12/27/2023</a:t>
+            </a:fld>
+            <a:endParaRPr lang="en-US"/>
+          </a:p>
+        </p:txBody>
+      </p:sp>
+      <p:sp>
+        <p:nvSpPr>
+          <p:cNvPr id="5" name="Footer Placeholder 4"/>
+          <p:cNvSpPr>
+            <a:spLocks noGrp="1"/>
+          </p:cNvSpPr>
+          <p:nvPr>
+            <p:ph type="ftr" sz="quarter" idx="11"/>
+          </p:nvPr>
+        </p:nvSpPr>
+        <p:spPr/>
+        <p:txBody>
+          <a:bodyPr/>
+          <a:lstStyle/>
+          <a:p>
+            <a:endParaRPr lang="en-US"/>
+          </a:p>
+        </p:txBody>
+      </p:sp>
+      <p:sp>
+        <p:nvSpPr>
+          <p:cNvPr id="6" name="Slide Number Placeholder 5"/>
+          <p:cNvSpPr>
+            <a:spLocks noGrp="1"/>
+          </p:cNvSpPr>
+          <p:nvPr>
+            <p:ph type="sldNum" sz="quarter" idx="12"/>
+          </p:nvPr>
+        </p:nvSpPr>
+        <p:spPr/>
+        <p:txBody>
+          <a:bodyPr/>
+          <a:lstStyle/>
+          <a:p>
+            <a:fld id="{C9FE5E1B-0F09-426D-A32F-33360C463A7A}" type="slidenum">
+              <a:rPr lang="en-US" smtClean="0"/>
+              <a:t>‹#›</a:t>
+            </a:fld>
+            <a:endParaRPr lang="en-US"/>
+          </a:p>
+        </p:txBody>
+      </p:sp>
+      <p:sp>
+        <p:nvSpPr>
+          <p:cNvPr id="12" name="TextBox 11"/>
+          <p:cNvSpPr txBox="1"/>
+          <p:nvPr/>
+        </p:nvSpPr>
+        <p:spPr>
+          <a:xfrm>
+            <a:off x="862013" y="879961"/>
+            <a:ext cx="609600" cy="584776"/>
+          </a:xfrm>
+          <a:prstGeom prst="rect">
+            <a:avLst/>
+          </a:prstGeom>
+        </p:spPr>
+        <p:txBody>
+          <a:bodyPr vert="horz" lIns="91440" tIns="45720" rIns="91440" bIns="45720" rtlCol="0" anchor="ctr">
+            <a:noAutofit/>
+          </a:bodyPr>
+          <a:lstStyle/>
+          <a:p>
+            <a:pPr lvl="0"/>
+            <a:r>
+              <a:rPr lang="en-US" sz="8000" dirty="0">
+                <a:solidFill>
+                  <a:schemeClr val="tx1"/>
+                </a:solidFill>
+                <a:effectLst/>
+              </a:rPr>
+              <a:t>“</a:t>
+            </a:r>
+          </a:p>
+        </p:txBody>
+      </p:sp>
+      <p:sp>
+        <p:nvSpPr>
+          <p:cNvPr id="13" name="TextBox 12"/>
+          <p:cNvSpPr txBox="1"/>
+          <p:nvPr/>
+        </p:nvSpPr>
+        <p:spPr>
+          <a:xfrm>
+            <a:off x="10600267" y="2599261"/>
+            <a:ext cx="609600" cy="584776"/>
+          </a:xfrm>
+          <a:prstGeom prst="rect">
+            <a:avLst/>
+          </a:prstGeom>
+        </p:spPr>
+        <p:txBody>
+          <a:bodyPr vert="horz" lIns="91440" tIns="45720" rIns="91440" bIns="45720" rtlCol="0" anchor="ctr">
+            <a:noAutofit/>
+          </a:bodyPr>
+          <a:lstStyle/>
+          <a:p>
+            <a:pPr lvl="0" algn="r"/>
+            <a:r>
+              <a:rPr lang="en-US" sz="8000" dirty="0">
+                <a:solidFill>
+                  <a:schemeClr val="tx1"/>
+                </a:solidFill>
+                <a:effectLst/>
+              </a:rPr>
+              <a:t>”</a:t>
+            </a:r>
+          </a:p>
+        </p:txBody>
+      </p:sp>
+      <p:cxnSp>
+        <p:nvCxnSpPr>
+          <p:cNvPr id="26" name="Straight Connector 25"/>
+          <p:cNvCxnSpPr/>
+          <p:nvPr/>
+        </p:nvCxnSpPr>
+        <p:spPr>
+          <a:xfrm>
+            <a:off x="1396169" y="3429000"/>
+            <a:ext cx="9407298" cy="0"/>
+          </a:xfrm>
+          <a:prstGeom prst="line">
+            <a:avLst/>
+          </a:prstGeom>
+          <a:ln w="15875"/>
+        </p:spPr>
+        <p:style>
+          <a:lnRef idx="2">
+            <a:schemeClr val="accent1"/>
+          </a:lnRef>
+          <a:fillRef idx="0">
+            <a:schemeClr val="accent1"/>
+          </a:fillRef>
+          <a:effectRef idx="1">
+            <a:schemeClr val="accent1"/>
+          </a:effectRef>
+          <a:fontRef idx="minor">
+            <a:schemeClr val="tx1"/>
+          </a:fontRef>
+        </p:style>
+      </p:cxnSp>
+    </p:spTree>
+    <p:extLst>
+      <p:ext uri="{BB962C8B-B14F-4D97-AF65-F5344CB8AC3E}">
+        <p14:creationId xmlns:p14="http://schemas.microsoft.com/office/powerpoint/2010/main" val="2483548588"/>
+      </p:ext>
+    </p:extLst>
+  </p:cSld>
+  <p:clrMapOvr>
+    <a:masterClrMapping/>
+  </p:clrMapOvr>
+</p:sldLayout>
+</file>
+
+<file path=ppt/slideLayouts/slideLayout15.xml><?xml version="1.0" encoding="utf-8"?>
+<p:sldLayout xmlns:a="http://schemas.openxmlformats.org/drawingml/2006/main" xmlns:r="http://schemas.openxmlformats.org/officeDocument/2006/relationships" xmlns:p="http://schemas.openxmlformats.org/presentationml/2006/main" preserve="1">
+  <p:cSld name="True or False">
+    <p:spTree>
+      <p:nvGrpSpPr>
+        <p:cNvPr id="1" name=""/>
+        <p:cNvGrpSpPr/>
+        <p:nvPr/>
+      </p:nvGrpSpPr>
+      <p:grpSpPr>
+        <a:xfrm>
+          <a:off x="0" y="0"/>
+          <a:ext cx="0" cy="0"/>
+          <a:chOff x="0" y="0"/>
+          <a:chExt cx="0" cy="0"/>
+        </a:xfrm>
+      </p:grpSpPr>
+      <p:sp>
+        <p:nvSpPr>
+          <p:cNvPr id="2" name="Title 1"/>
+          <p:cNvSpPr>
+            <a:spLocks noGrp="1"/>
+          </p:cNvSpPr>
+          <p:nvPr>
+            <p:ph type="title"/>
+          </p:nvPr>
+        </p:nvSpPr>
+        <p:spPr>
+          <a:xfrm>
+            <a:off x="1295401" y="982132"/>
+            <a:ext cx="9609666" cy="2243668"/>
+          </a:xfrm>
+        </p:spPr>
+        <p:txBody>
+          <a:bodyPr vert="horz" lIns="91440" tIns="45720" rIns="91440" bIns="45720" rtlCol="0" anchor="ctr">
+            <a:normAutofit/>
+          </a:bodyPr>
+          <a:lstStyle>
+            <a:lvl1pPr>
+              <a:defRPr lang="en-US" b="0" dirty="0"/>
+            </a:lvl1pPr>
+          </a:lstStyle>
+          <a:p>
+            <a:pPr marL="0" lvl="0"/>
+            <a:r>
+              <a:rPr lang="en-US"/>
+              <a:t>Click to edit Master title style</a:t>
+            </a:r>
+            <a:endParaRPr lang="en-US" dirty="0"/>
+          </a:p>
+        </p:txBody>
+      </p:sp>
+      <p:sp>
+        <p:nvSpPr>
+          <p:cNvPr id="20" name="Text Placeholder 2"/>
+          <p:cNvSpPr>
+            <a:spLocks noGrp="1"/>
+          </p:cNvSpPr>
+          <p:nvPr>
+            <p:ph type="body" idx="13"/>
+          </p:nvPr>
+        </p:nvSpPr>
+        <p:spPr>
+          <a:xfrm>
+            <a:off x="1295401" y="3630168"/>
+            <a:ext cx="9609668" cy="841248"/>
+          </a:xfrm>
+        </p:spPr>
+        <p:txBody>
+          <a:bodyPr anchor="b">
+            <a:normAutofit/>
+          </a:bodyPr>
+          <a:lstStyle>
+            <a:lvl1pPr marL="0" indent="0" algn="l">
+              <a:spcBef>
+                <a:spcPts val="0"/>
+              </a:spcBef>
+              <a:buNone/>
+              <a:defRPr sz="2800">
+                <a:solidFill>
+                  <a:schemeClr val="tx1"/>
+                </a:solidFill>
+              </a:defRPr>
+            </a:lvl1pPr>
+            <a:lvl2pPr marL="457200" indent="0">
+              <a:buNone/>
+              <a:defRPr sz="1800">
+                <a:solidFill>
+                  <a:schemeClr val="tx1">
+                    <a:tint val="75000"/>
+                  </a:schemeClr>
+                </a:solidFill>
+              </a:defRPr>
+            </a:lvl2pPr>
+            <a:lvl3pPr marL="914400" indent="0">
+              <a:buNone/>
+              <a:defRPr sz="1600">
+                <a:solidFill>
+                  <a:schemeClr val="tx1">
+                    <a:tint val="75000"/>
+                  </a:schemeClr>
+                </a:solidFill>
+              </a:defRPr>
+            </a:lvl3pPr>
+            <a:lvl4pPr marL="1371600" indent="0">
+              <a:buNone/>
+              <a:defRPr sz="1400">
+                <a:solidFill>
+                  <a:schemeClr val="tx1">
+                    <a:tint val="75000"/>
+                  </a:schemeClr>
+                </a:solidFill>
+              </a:defRPr>
+            </a:lvl4pPr>
+            <a:lvl5pPr marL="1828800" indent="0">
+              <a:buNone/>
+              <a:defRPr sz="1400">
+                <a:solidFill>
+                  <a:schemeClr val="tx1">
+                    <a:tint val="75000"/>
+                  </a:schemeClr>
+                </a:solidFill>
+              </a:defRPr>
+            </a:lvl5pPr>
+            <a:lvl6pPr marL="2286000" indent="0">
+              <a:buNone/>
+              <a:defRPr sz="1400">
+                <a:solidFill>
+                  <a:schemeClr val="tx1">
+                    <a:tint val="75000"/>
+                  </a:schemeClr>
+                </a:solidFill>
+              </a:defRPr>
+            </a:lvl6pPr>
+            <a:lvl7pPr marL="2743200" indent="0">
+              <a:buNone/>
+              <a:defRPr sz="1400">
+                <a:solidFill>
+                  <a:schemeClr val="tx1">
+                    <a:tint val="75000"/>
+                  </a:schemeClr>
+                </a:solidFill>
+              </a:defRPr>
+            </a:lvl7pPr>
+            <a:lvl8pPr marL="3200400" indent="0">
+              <a:buNone/>
+              <a:defRPr sz="1400">
+                <a:solidFill>
+                  <a:schemeClr val="tx1">
+                    <a:tint val="75000"/>
+                  </a:schemeClr>
+                </a:solidFill>
+              </a:defRPr>
+            </a:lvl8pPr>
+            <a:lvl9pPr marL="3657600" indent="0">
+              <a:buNone/>
+              <a:defRPr sz="1400">
+                <a:solidFill>
+                  <a:schemeClr val="tx1">
+                    <a:tint val="75000"/>
+                  </a:schemeClr>
+                </a:solidFill>
+              </a:defRPr>
+            </a:lvl9pPr>
+          </a:lstStyle>
+          <a:p>
+            <a:pPr lvl="0"/>
+            <a:r>
+              <a:rPr lang="en-US"/>
+              <a:t>Click to edit Master text styles</a:t>
+            </a:r>
+          </a:p>
+        </p:txBody>
+      </p:sp>
+      <p:sp>
+        <p:nvSpPr>
+          <p:cNvPr id="3" name="Text Placeholder 2"/>
+          <p:cNvSpPr>
+            <a:spLocks noGrp="1"/>
+          </p:cNvSpPr>
+          <p:nvPr>
+            <p:ph type="body" idx="1"/>
+          </p:nvPr>
+        </p:nvSpPr>
+        <p:spPr>
+          <a:xfrm>
+            <a:off x="1295400" y="4470399"/>
+            <a:ext cx="9609670" cy="1405467"/>
+          </a:xfrm>
+        </p:spPr>
+        <p:txBody>
+          <a:bodyPr anchor="t">
+            <a:normAutofit/>
+          </a:bodyPr>
+          <a:lstStyle>
+            <a:lvl1pPr marL="0" indent="0" algn="l">
+              <a:buNone/>
+              <a:defRPr sz="1800">
+                <a:solidFill>
+                  <a:schemeClr val="tx1"/>
+                </a:solidFill>
+              </a:defRPr>
+            </a:lvl1pPr>
+            <a:lvl2pPr marL="457200" indent="0">
+              <a:buNone/>
+              <a:defRPr sz="1800">
+                <a:solidFill>
+                  <a:schemeClr val="tx1">
+                    <a:tint val="75000"/>
+                  </a:schemeClr>
+                </a:solidFill>
+              </a:defRPr>
+            </a:lvl2pPr>
+            <a:lvl3pPr marL="914400" indent="0">
+              <a:buNone/>
+              <a:defRPr sz="1600">
+                <a:solidFill>
+                  <a:schemeClr val="tx1">
+                    <a:tint val="75000"/>
+                  </a:schemeClr>
+                </a:solidFill>
+              </a:defRPr>
+            </a:lvl3pPr>
+            <a:lvl4pPr marL="1371600" indent="0">
+              <a:buNone/>
+              <a:defRPr sz="1400">
+                <a:solidFill>
+                  <a:schemeClr val="tx1">
+                    <a:tint val="75000"/>
+                  </a:schemeClr>
+                </a:solidFill>
+              </a:defRPr>
+            </a:lvl4pPr>
+            <a:lvl5pPr marL="1828800" indent="0">
+              <a:buNone/>
+              <a:defRPr sz="1400">
+                <a:solidFill>
+                  <a:schemeClr val="tx1">
+                    <a:tint val="75000"/>
+                  </a:schemeClr>
+                </a:solidFill>
+              </a:defRPr>
+            </a:lvl5pPr>
+            <a:lvl6pPr marL="2286000" indent="0">
+              <a:buNone/>
+              <a:defRPr sz="1400">
+                <a:solidFill>
+                  <a:schemeClr val="tx1">
+                    <a:tint val="75000"/>
+                  </a:schemeClr>
+                </a:solidFill>
+              </a:defRPr>
+            </a:lvl6pPr>
+            <a:lvl7pPr marL="2743200" indent="0">
+              <a:buNone/>
+              <a:defRPr sz="1400">
+                <a:solidFill>
+                  <a:schemeClr val="tx1">
+                    <a:tint val="75000"/>
+                  </a:schemeClr>
+                </a:solidFill>
+              </a:defRPr>
+            </a:lvl7pPr>
+            <a:lvl8pPr marL="3200400" indent="0">
+              <a:buNone/>
+              <a:defRPr sz="1400">
+                <a:solidFill>
+                  <a:schemeClr val="tx1">
+                    <a:tint val="75000"/>
+                  </a:schemeClr>
+                </a:solidFill>
+              </a:defRPr>
+            </a:lvl8pPr>
+            <a:lvl9pPr marL="3657600" indent="0">
+              <a:buNone/>
+              <a:defRPr sz="1400">
+                <a:solidFill>
+                  <a:schemeClr val="tx1">
+                    <a:tint val="75000"/>
+                  </a:schemeClr>
+                </a:solidFill>
+              </a:defRPr>
+            </a:lvl9pPr>
+          </a:lstStyle>
+          <a:p>
+            <a:pPr lvl="0"/>
+            <a:r>
+              <a:rPr lang="en-US"/>
+              <a:t>Click to edit Master text styles</a:t>
+            </a:r>
+          </a:p>
+        </p:txBody>
+      </p:sp>
+      <p:sp>
+        <p:nvSpPr>
+          <p:cNvPr id="4" name="Date Placeholder 3"/>
+          <p:cNvSpPr>
+            <a:spLocks noGrp="1"/>
+          </p:cNvSpPr>
+          <p:nvPr>
+            <p:ph type="dt" sz="half" idx="10"/>
+          </p:nvPr>
+        </p:nvSpPr>
+        <p:spPr/>
+        <p:txBody>
+          <a:bodyPr/>
+          <a:lstStyle/>
+          <a:p>
+            <a:fld id="{C2A77455-39BA-4BA9-B524-972336B016BE}" type="datetimeFigureOut">
+              <a:rPr lang="en-US" smtClean="0"/>
+              <a:t>12/27/2023</a:t>
+            </a:fld>
+            <a:endParaRPr lang="en-US"/>
+          </a:p>
+        </p:txBody>
+      </p:sp>
+      <p:sp>
+        <p:nvSpPr>
+          <p:cNvPr id="5" name="Footer Placeholder 4"/>
+          <p:cNvSpPr>
+            <a:spLocks noGrp="1"/>
+          </p:cNvSpPr>
+          <p:nvPr>
+            <p:ph type="ftr" sz="quarter" idx="11"/>
+          </p:nvPr>
+        </p:nvSpPr>
+        <p:spPr/>
+        <p:txBody>
+          <a:bodyPr/>
+          <a:lstStyle/>
+          <a:p>
+            <a:endParaRPr lang="en-US"/>
+          </a:p>
+        </p:txBody>
+      </p:sp>
+      <p:sp>
+        <p:nvSpPr>
+          <p:cNvPr id="6" name="Slide Number Placeholder 5"/>
+          <p:cNvSpPr>
+            <a:spLocks noGrp="1"/>
+          </p:cNvSpPr>
+          <p:nvPr>
+            <p:ph type="sldNum" sz="quarter" idx="12"/>
+          </p:nvPr>
+        </p:nvSpPr>
+        <p:spPr/>
+        <p:txBody>
+          <a:bodyPr/>
+          <a:lstStyle/>
+          <a:p>
+            <a:fld id="{C9FE5E1B-0F09-426D-A32F-33360C463A7A}" type="slidenum">
+              <a:rPr lang="en-US" smtClean="0"/>
+              <a:t>‹#›</a:t>
+            </a:fld>
+            <a:endParaRPr lang="en-US"/>
+          </a:p>
+        </p:txBody>
+      </p:sp>
+      <p:cxnSp>
+        <p:nvCxnSpPr>
+          <p:cNvPr id="15" name="Straight Connector 14"/>
+          <p:cNvCxnSpPr/>
+          <p:nvPr/>
+        </p:nvCxnSpPr>
+        <p:spPr>
+          <a:xfrm>
+            <a:off x="1396169" y="3429000"/>
+            <a:ext cx="9407298" cy="0"/>
+          </a:xfrm>
+          <a:prstGeom prst="line">
+            <a:avLst/>
+          </a:prstGeom>
+          <a:ln w="15875"/>
+        </p:spPr>
+        <p:style>
+          <a:lnRef idx="2">
+            <a:schemeClr val="accent1"/>
+          </a:lnRef>
+          <a:fillRef idx="0">
+            <a:schemeClr val="accent1"/>
+          </a:fillRef>
+          <a:effectRef idx="1">
+            <a:schemeClr val="accent1"/>
+          </a:effectRef>
+          <a:fontRef idx="minor">
+            <a:schemeClr val="tx1"/>
+          </a:fontRef>
+        </p:style>
+      </p:cxnSp>
+    </p:spTree>
+    <p:extLst>
+      <p:ext uri="{BB962C8B-B14F-4D97-AF65-F5344CB8AC3E}">
+        <p14:creationId xmlns:p14="http://schemas.microsoft.com/office/powerpoint/2010/main" val="2285267264"/>
+      </p:ext>
+    </p:extLst>
+  </p:cSld>
+  <p:clrMapOvr>
+    <a:masterClrMapping/>
+  </p:clrMapOvr>
+</p:sldLayout>
+</file>
+
+<file path=ppt/slideLayouts/slideLayout16.xml><?xml version="1.0" encoding="utf-8"?>
 <p:sldLayout xmlns:a="http://schemas.openxmlformats.org/drawingml/2006/main" xmlns:r="http://schemas.openxmlformats.org/officeDocument/2006/relationships" xmlns:p="http://schemas.openxmlformats.org/presentationml/2006/main" type="vertTx" preserve="1">
   <p:cSld name="Title and Vertical Text">
     <p:spTree>
@@ -360,7 +2675,11 @@
         <p:spPr/>
         <p:txBody>
           <a:bodyPr/>
-          <a:lstStyle/>
+          <a:lstStyle>
+            <a:lvl1pPr algn="ctr">
+              <a:defRPr/>
+            </a:lvl1pPr>
+          </a:lstStyle>
           <a:p>
             <a:r>
               <a:rPr lang="en-US"/>
@@ -382,7 +2701,7 @@
         </p:nvSpPr>
         <p:spPr/>
         <p:txBody>
-          <a:bodyPr vert="eaVert"/>
+          <a:bodyPr vert="eaVert" anchor="t"/>
           <a:lstStyle/>
           <a:p>
             <a:pPr lvl="0"/>
@@ -439,7 +2758,7 @@
           <a:p>
             <a:fld id="{C2A77455-39BA-4BA9-B524-972336B016BE}" type="datetimeFigureOut">
               <a:rPr lang="en-US" smtClean="0"/>
-              <a:t>12/26/2023</a:t>
+              <a:t>12/27/2023</a:t>
             </a:fld>
             <a:endParaRPr lang="en-US"/>
           </a:p>
@@ -487,10 +2806,41 @@
           </a:p>
         </p:txBody>
       </p:sp>
+      <p:cxnSp>
+        <p:nvCxnSpPr>
+          <p:cNvPr id="14" name="Straight Connector 13"/>
+          <p:cNvCxnSpPr/>
+          <p:nvPr/>
+        </p:nvCxnSpPr>
+        <p:spPr>
+          <a:xfrm>
+            <a:off x="1396169" y="2421466"/>
+            <a:ext cx="9407298" cy="0"/>
+          </a:xfrm>
+          <a:prstGeom prst="line">
+            <a:avLst/>
+          </a:prstGeom>
+          <a:ln w="15875"/>
+        </p:spPr>
+        <p:style>
+          <a:lnRef idx="2">
+            <a:schemeClr val="accent1"/>
+          </a:lnRef>
+          <a:fillRef idx="0">
+            <a:schemeClr val="accent1"/>
+          </a:fillRef>
+          <a:effectRef idx="1">
+            <a:schemeClr val="accent1"/>
+          </a:effectRef>
+          <a:fontRef idx="minor">
+            <a:schemeClr val="tx1"/>
+          </a:fontRef>
+        </p:style>
+      </p:cxnSp>
     </p:spTree>
     <p:extLst>
       <p:ext uri="{BB962C8B-B14F-4D97-AF65-F5344CB8AC3E}">
-        <p14:creationId xmlns:p14="http://schemas.microsoft.com/office/powerpoint/2010/main" val="3828784730"/>
+        <p14:creationId xmlns:p14="http://schemas.microsoft.com/office/powerpoint/2010/main" val="903982029"/>
       </p:ext>
     </p:extLst>
   </p:cSld>
@@ -500,7 +2850,7 @@
 </p:sldLayout>
 </file>
 
-<file path=ppt/slideLayouts/slideLayout11.xml><?xml version="1.0" encoding="utf-8"?>
+<file path=ppt/slideLayouts/slideLayout17.xml><?xml version="1.0" encoding="utf-8"?>
 <p:sldLayout xmlns:a="http://schemas.openxmlformats.org/drawingml/2006/main" xmlns:r="http://schemas.openxmlformats.org/officeDocument/2006/relationships" xmlns:p="http://schemas.openxmlformats.org/presentationml/2006/main" type="vertTitleAndTx" preserve="1">
   <p:cSld name="Vertical Title and Text">
     <p:spTree>
@@ -529,17 +2879,13 @@
         </p:nvSpPr>
         <p:spPr>
           <a:xfrm>
-            <a:off x="9127052" y="798973"/>
-            <a:ext cx="1615742" cy="4659889"/>
+            <a:off x="8999356" y="982131"/>
+            <a:ext cx="1890895" cy="4893735"/>
           </a:xfrm>
         </p:spPr>
         <p:txBody>
           <a:bodyPr vert="eaVert"/>
-          <a:lstStyle>
-            <a:lvl1pPr algn="l">
-              <a:defRPr/>
-            </a:lvl1pPr>
-          </a:lstStyle>
+          <a:lstStyle/>
           <a:p>
             <a:r>
               <a:rPr lang="en-US"/>
@@ -561,12 +2907,12 @@
         </p:nvSpPr>
         <p:spPr>
           <a:xfrm>
-            <a:off x="1444672" y="798973"/>
-            <a:ext cx="7518654" cy="4659889"/>
+            <a:off x="1295398" y="982132"/>
+            <a:ext cx="7433025" cy="4893734"/>
           </a:xfrm>
         </p:spPr>
         <p:txBody>
-          <a:bodyPr vert="eaVert"/>
+          <a:bodyPr vert="eaVert" anchor="t"/>
           <a:lstStyle/>
           <a:p>
             <a:pPr lvl="0"/>
@@ -623,7 +2969,7 @@
           <a:p>
             <a:fld id="{C2A77455-39BA-4BA9-B524-972336B016BE}" type="datetimeFigureOut">
               <a:rPr lang="en-US" smtClean="0"/>
-              <a:t>12/26/2023</a:t>
+              <a:t>12/27/2023</a:t>
             </a:fld>
             <a:endParaRPr lang="en-US"/>
           </a:p>
@@ -671,10 +3017,41 @@
           </a:p>
         </p:txBody>
       </p:sp>
+      <p:cxnSp>
+        <p:nvCxnSpPr>
+          <p:cNvPr id="14" name="Straight Connector 13"/>
+          <p:cNvCxnSpPr/>
+          <p:nvPr/>
+        </p:nvCxnSpPr>
+        <p:spPr>
+          <a:xfrm>
+            <a:off x="8863890" y="990600"/>
+            <a:ext cx="0" cy="4876800"/>
+          </a:xfrm>
+          <a:prstGeom prst="line">
+            <a:avLst/>
+          </a:prstGeom>
+          <a:ln w="15875"/>
+        </p:spPr>
+        <p:style>
+          <a:lnRef idx="2">
+            <a:schemeClr val="accent1"/>
+          </a:lnRef>
+          <a:fillRef idx="0">
+            <a:schemeClr val="accent1"/>
+          </a:fillRef>
+          <a:effectRef idx="1">
+            <a:schemeClr val="accent1"/>
+          </a:effectRef>
+          <a:fontRef idx="minor">
+            <a:schemeClr val="tx1"/>
+          </a:fontRef>
+        </p:style>
+      </p:cxnSp>
     </p:spTree>
     <p:extLst>
       <p:ext uri="{BB962C8B-B14F-4D97-AF65-F5344CB8AC3E}">
-        <p14:creationId xmlns:p14="http://schemas.microsoft.com/office/powerpoint/2010/main" val="1650279309"/>
+        <p14:creationId xmlns:p14="http://schemas.microsoft.com/office/powerpoint/2010/main" val="2275917509"/>
       </p:ext>
     </p:extLst>
   </p:cSld>
@@ -701,6 +3078,37 @@
           <a:chExt cx="0" cy="0"/>
         </a:xfrm>
       </p:grpSpPr>
+      <p:cxnSp>
+        <p:nvCxnSpPr>
+          <p:cNvPr id="7" name="Straight Connector 6"/>
+          <p:cNvCxnSpPr/>
+          <p:nvPr/>
+        </p:nvCxnSpPr>
+        <p:spPr>
+          <a:xfrm>
+            <a:off x="1396169" y="2421466"/>
+            <a:ext cx="9407298" cy="0"/>
+          </a:xfrm>
+          <a:prstGeom prst="line">
+            <a:avLst/>
+          </a:prstGeom>
+          <a:ln w="15875"/>
+        </p:spPr>
+        <p:style>
+          <a:lnRef idx="2">
+            <a:schemeClr val="accent1"/>
+          </a:lnRef>
+          <a:fillRef idx="0">
+            <a:schemeClr val="accent1"/>
+          </a:fillRef>
+          <a:effectRef idx="1">
+            <a:schemeClr val="accent1"/>
+          </a:effectRef>
+          <a:fontRef idx="minor">
+            <a:schemeClr val="tx1"/>
+          </a:fontRef>
+        </p:style>
+      </p:cxnSp>
       <p:sp>
         <p:nvSpPr>
           <p:cNvPr id="2" name="Title 1"/>
@@ -736,7 +3144,7 @@
         </p:nvSpPr>
         <p:spPr/>
         <p:txBody>
-          <a:bodyPr anchor="t"/>
+          <a:bodyPr/>
           <a:lstStyle/>
           <a:p>
             <a:pPr lvl="0"/>
@@ -793,7 +3201,7 @@
           <a:p>
             <a:fld id="{C2A77455-39BA-4BA9-B524-972336B016BE}" type="datetimeFigureOut">
               <a:rPr lang="en-US" smtClean="0"/>
-              <a:t>12/26/2023</a:t>
+              <a:t>12/27/2023</a:t>
             </a:fld>
             <a:endParaRPr lang="en-US"/>
           </a:p>
@@ -844,7 +3252,7 @@
     </p:spTree>
     <p:extLst>
       <p:ext uri="{BB962C8B-B14F-4D97-AF65-F5344CB8AC3E}">
-        <p14:creationId xmlns:p14="http://schemas.microsoft.com/office/powerpoint/2010/main" val="2405736498"/>
+        <p14:creationId xmlns:p14="http://schemas.microsoft.com/office/powerpoint/2010/main" val="3960518240"/>
       </p:ext>
     </p:extLst>
   </p:cSld>
@@ -883,8 +3291,8 @@
         </p:nvSpPr>
         <p:spPr>
           <a:xfrm>
-            <a:off x="1774423" y="1756130"/>
-            <a:ext cx="8643154" cy="1969007"/>
+            <a:off x="2015069" y="1752606"/>
+            <a:ext cx="8158688" cy="1822514"/>
           </a:xfrm>
         </p:spPr>
         <p:txBody>
@@ -893,7 +3301,7 @@
           </a:bodyPr>
           <a:lstStyle>
             <a:lvl1pPr algn="ctr">
-              <a:defRPr sz="3600"/>
+              <a:defRPr sz="4400" b="0" cap="none"/>
             </a:lvl1pPr>
           </a:lstStyle>
           <a:p>
@@ -917,18 +3325,18 @@
         </p:nvSpPr>
         <p:spPr>
           <a:xfrm>
-            <a:off x="1774423" y="3725137"/>
-            <a:ext cx="8643154" cy="1093987"/>
+            <a:off x="2015067" y="3846051"/>
+            <a:ext cx="8158690" cy="954547"/>
           </a:xfrm>
         </p:spPr>
         <p:txBody>
-          <a:bodyPr tIns="91440">
+          <a:bodyPr anchor="t">
             <a:normAutofit/>
           </a:bodyPr>
           <a:lstStyle>
             <a:lvl1pPr marL="0" indent="0" algn="ctr">
               <a:buNone/>
-              <a:defRPr sz="1800">
+              <a:defRPr sz="2400">
                 <a:solidFill>
                   <a:schemeClr val="tx1"/>
                 </a:solidFill>
@@ -946,7 +3354,7 @@
             </a:lvl2pPr>
             <a:lvl3pPr marL="914400" indent="0">
               <a:buNone/>
-              <a:defRPr sz="1800">
+              <a:defRPr sz="1600">
                 <a:solidFill>
                   <a:schemeClr val="tx1">
                     <a:tint val="75000"/>
@@ -956,7 +3364,7 @@
             </a:lvl3pPr>
             <a:lvl4pPr marL="1371600" indent="0">
               <a:buNone/>
-              <a:defRPr sz="1600">
+              <a:defRPr sz="1400">
                 <a:solidFill>
                   <a:schemeClr val="tx1">
                     <a:tint val="75000"/>
@@ -966,7 +3374,7 @@
             </a:lvl4pPr>
             <a:lvl5pPr marL="1828800" indent="0">
               <a:buNone/>
-              <a:defRPr sz="1600">
+              <a:defRPr sz="1400">
                 <a:solidFill>
                   <a:schemeClr val="tx1">
                     <a:tint val="75000"/>
@@ -976,7 +3384,7 @@
             </a:lvl5pPr>
             <a:lvl6pPr marL="2286000" indent="0">
               <a:buNone/>
-              <a:defRPr sz="1600">
+              <a:defRPr sz="1400">
                 <a:solidFill>
                   <a:schemeClr val="tx1">
                     <a:tint val="75000"/>
@@ -986,7 +3394,7 @@
             </a:lvl6pPr>
             <a:lvl7pPr marL="2743200" indent="0">
               <a:buNone/>
-              <a:defRPr sz="1600">
+              <a:defRPr sz="1400">
                 <a:solidFill>
                   <a:schemeClr val="tx1">
                     <a:tint val="75000"/>
@@ -996,7 +3404,7 @@
             </a:lvl7pPr>
             <a:lvl8pPr marL="3200400" indent="0">
               <a:buNone/>
-              <a:defRPr sz="1600">
+              <a:defRPr sz="1400">
                 <a:solidFill>
                   <a:schemeClr val="tx1">
                     <a:tint val="75000"/>
@@ -1006,7 +3414,7 @@
             </a:lvl8pPr>
             <a:lvl9pPr marL="3657600" indent="0">
               <a:buNone/>
-              <a:defRPr sz="1600">
+              <a:defRPr sz="1400">
                 <a:solidFill>
                   <a:schemeClr val="tx1">
                     <a:tint val="75000"/>
@@ -1041,7 +3449,7 @@
           <a:p>
             <a:fld id="{C2A77455-39BA-4BA9-B524-972336B016BE}" type="datetimeFigureOut">
               <a:rPr lang="en-US" smtClean="0"/>
-              <a:t>12/26/2023</a:t>
+              <a:t>12/27/2023</a:t>
             </a:fld>
             <a:endParaRPr lang="en-US"/>
           </a:p>
@@ -1089,10 +3497,41 @@
           </a:p>
         </p:txBody>
       </p:sp>
+      <p:cxnSp>
+        <p:nvCxnSpPr>
+          <p:cNvPr id="16" name="Straight Connector 15"/>
+          <p:cNvCxnSpPr/>
+          <p:nvPr/>
+        </p:nvCxnSpPr>
+        <p:spPr>
+          <a:xfrm>
+            <a:off x="2012723" y="3710585"/>
+            <a:ext cx="8163380" cy="0"/>
+          </a:xfrm>
+          <a:prstGeom prst="line">
+            <a:avLst/>
+          </a:prstGeom>
+          <a:ln w="15875"/>
+        </p:spPr>
+        <p:style>
+          <a:lnRef idx="2">
+            <a:schemeClr val="accent1"/>
+          </a:lnRef>
+          <a:fillRef idx="0">
+            <a:schemeClr val="accent1"/>
+          </a:fillRef>
+          <a:effectRef idx="1">
+            <a:schemeClr val="accent1"/>
+          </a:effectRef>
+          <a:fontRef idx="minor">
+            <a:schemeClr val="tx1"/>
+          </a:fontRef>
+        </p:style>
+      </p:cxnSp>
     </p:spTree>
     <p:extLst>
       <p:ext uri="{BB962C8B-B14F-4D97-AF65-F5344CB8AC3E}">
-        <p14:creationId xmlns:p14="http://schemas.microsoft.com/office/powerpoint/2010/main" val="3420508984"/>
+        <p14:creationId xmlns:p14="http://schemas.microsoft.com/office/powerpoint/2010/main" val="647442710"/>
       </p:ext>
     </p:extLst>
   </p:cSld>
@@ -1119,29 +3558,114 @@
           <a:chExt cx="0" cy="0"/>
         </a:xfrm>
       </p:grpSpPr>
-      <p:sp>
-        <p:nvSpPr>
-          <p:cNvPr id="2" name="Title 1"/>
-          <p:cNvSpPr>
-            <a:spLocks noGrp="1"/>
-          </p:cNvSpPr>
-          <p:nvPr>
-            <p:ph type="title"/>
-          </p:nvPr>
-        </p:nvSpPr>
+      <p:cxnSp>
+        <p:nvCxnSpPr>
+          <p:cNvPr id="8" name="Straight Connector 7"/>
+          <p:cNvCxnSpPr/>
+          <p:nvPr/>
+        </p:nvCxnSpPr>
         <p:spPr>
           <a:xfrm>
-            <a:off x="1449217" y="804889"/>
-            <a:ext cx="9293577" cy="1059305"/>
+            <a:off x="1396169" y="2421466"/>
+            <a:ext cx="9407298" cy="0"/>
+          </a:xfrm>
+          <a:prstGeom prst="line">
+            <a:avLst/>
+          </a:prstGeom>
+          <a:ln w="15875"/>
+        </p:spPr>
+        <p:style>
+          <a:lnRef idx="2">
+            <a:schemeClr val="accent1"/>
+          </a:lnRef>
+          <a:fillRef idx="0">
+            <a:schemeClr val="accent1"/>
+          </a:fillRef>
+          <a:effectRef idx="1">
+            <a:schemeClr val="accent1"/>
+          </a:effectRef>
+          <a:fontRef idx="minor">
+            <a:schemeClr val="tx1"/>
+          </a:fontRef>
+        </p:style>
+      </p:cxnSp>
+      <p:sp>
+        <p:nvSpPr>
+          <p:cNvPr id="2" name="Title 1"/>
+          <p:cNvSpPr>
+            <a:spLocks noGrp="1"/>
+          </p:cNvSpPr>
+          <p:nvPr>
+            <p:ph type="title"/>
+          </p:nvPr>
+        </p:nvSpPr>
+        <p:spPr/>
+        <p:txBody>
+          <a:bodyPr/>
+          <a:lstStyle/>
+          <a:p>
+            <a:r>
+              <a:rPr lang="en-US"/>
+              <a:t>Click to edit Master title style</a:t>
+            </a:r>
+            <a:endParaRPr lang="en-US" dirty="0"/>
+          </a:p>
+        </p:txBody>
+      </p:sp>
+      <p:sp>
+        <p:nvSpPr>
+          <p:cNvPr id="3" name="Content Placeholder 2"/>
+          <p:cNvSpPr>
+            <a:spLocks noGrp="1"/>
+          </p:cNvSpPr>
+          <p:nvPr>
+            <p:ph sz="half" idx="1"/>
+          </p:nvPr>
+        </p:nvSpPr>
+        <p:spPr>
+          <a:xfrm>
+            <a:off x="1298448" y="2560320"/>
+            <a:ext cx="4718304" cy="3310128"/>
           </a:xfrm>
         </p:spPr>
         <p:txBody>
-          <a:bodyPr/>
-          <a:lstStyle/>
-          <a:p>
-            <a:r>
-              <a:rPr lang="en-US"/>
-              <a:t>Click to edit Master title style</a:t>
+          <a:bodyPr>
+            <a:normAutofit/>
+          </a:bodyPr>
+          <a:lstStyle/>
+          <a:p>
+            <a:pPr lvl="0"/>
+            <a:r>
+              <a:rPr lang="en-US"/>
+              <a:t>Click to edit Master text styles</a:t>
+            </a:r>
+          </a:p>
+          <a:p>
+            <a:pPr lvl="1"/>
+            <a:r>
+              <a:rPr lang="en-US"/>
+              <a:t>Second level</a:t>
+            </a:r>
+          </a:p>
+          <a:p>
+            <a:pPr lvl="2"/>
+            <a:r>
+              <a:rPr lang="en-US"/>
+              <a:t>Third level</a:t>
+            </a:r>
+          </a:p>
+          <a:p>
+            <a:pPr lvl="3"/>
+            <a:r>
+              <a:rPr lang="en-US"/>
+              <a:t>Fourth level</a:t>
+            </a:r>
+          </a:p>
+          <a:p>
+            <a:pPr lvl="4"/>
+            <a:r>
+              <a:rPr lang="en-US"/>
+              <a:t>Fifth level</a:t>
             </a:r>
             <a:endParaRPr lang="en-US" dirty="0"/>
           </a:p>
@@ -1149,79 +3673,24 @@
       </p:sp>
       <p:sp>
         <p:nvSpPr>
-          <p:cNvPr id="3" name="Content Placeholder 2"/>
-          <p:cNvSpPr>
-            <a:spLocks noGrp="1"/>
-          </p:cNvSpPr>
-          <p:nvPr>
-            <p:ph sz="half" idx="1"/>
+          <p:cNvPr id="4" name="Content Placeholder 3"/>
+          <p:cNvSpPr>
+            <a:spLocks noGrp="1"/>
+          </p:cNvSpPr>
+          <p:nvPr>
+            <p:ph sz="half" idx="2"/>
           </p:nvPr>
         </p:nvSpPr>
         <p:spPr>
           <a:xfrm>
-            <a:off x="1447331" y="2010878"/>
-            <a:ext cx="4488654" cy="3448595"/>
+            <a:off x="6181344" y="2560320"/>
+            <a:ext cx="4718304" cy="3310128"/>
           </a:xfrm>
         </p:spPr>
         <p:txBody>
-          <a:bodyPr/>
-          <a:lstStyle/>
-          <a:p>
-            <a:pPr lvl="0"/>
-            <a:r>
-              <a:rPr lang="en-US"/>
-              <a:t>Click to edit Master text styles</a:t>
-            </a:r>
-          </a:p>
-          <a:p>
-            <a:pPr lvl="1"/>
-            <a:r>
-              <a:rPr lang="en-US"/>
-              <a:t>Second level</a:t>
-            </a:r>
-          </a:p>
-          <a:p>
-            <a:pPr lvl="2"/>
-            <a:r>
-              <a:rPr lang="en-US"/>
-              <a:t>Third level</a:t>
-            </a:r>
-          </a:p>
-          <a:p>
-            <a:pPr lvl="3"/>
-            <a:r>
-              <a:rPr lang="en-US"/>
-              <a:t>Fourth level</a:t>
-            </a:r>
-          </a:p>
-          <a:p>
-            <a:pPr lvl="4"/>
-            <a:r>
-              <a:rPr lang="en-US"/>
-              <a:t>Fifth level</a:t>
-            </a:r>
-            <a:endParaRPr lang="en-US" dirty="0"/>
-          </a:p>
-        </p:txBody>
-      </p:sp>
-      <p:sp>
-        <p:nvSpPr>
-          <p:cNvPr id="4" name="Content Placeholder 3"/>
-          <p:cNvSpPr>
-            <a:spLocks noGrp="1"/>
-          </p:cNvSpPr>
-          <p:nvPr>
-            <p:ph sz="half" idx="2"/>
-          </p:nvPr>
-        </p:nvSpPr>
-        <p:spPr>
-          <a:xfrm>
-            <a:off x="6254140" y="2017343"/>
-            <a:ext cx="4488654" cy="3441520"/>
-          </a:xfrm>
-        </p:spPr>
-        <p:txBody>
-          <a:bodyPr/>
+          <a:bodyPr>
+            <a:normAutofit/>
+          </a:bodyPr>
           <a:lstStyle/>
           <a:p>
             <a:pPr lvl="0"/>
@@ -1278,7 +3747,7 @@
           <a:p>
             <a:fld id="{C2A77455-39BA-4BA9-B524-972336B016BE}" type="datetimeFigureOut">
               <a:rPr lang="en-US" smtClean="0"/>
-              <a:t>12/26/2023</a:t>
+              <a:t>12/27/2023</a:t>
             </a:fld>
             <a:endParaRPr lang="en-US"/>
           </a:p>
@@ -1329,7 +3798,7 @@
     </p:spTree>
     <p:extLst>
       <p:ext uri="{BB962C8B-B14F-4D97-AF65-F5344CB8AC3E}">
-        <p14:creationId xmlns:p14="http://schemas.microsoft.com/office/powerpoint/2010/main" val="1239350895"/>
+        <p14:creationId xmlns:p14="http://schemas.microsoft.com/office/powerpoint/2010/main" val="3944486145"/>
       </p:ext>
     </p:extLst>
   </p:cSld>
@@ -1366,51 +3835,53 @@
             <p:ph type="title"/>
           </p:nvPr>
         </p:nvSpPr>
+        <p:spPr/>
+        <p:txBody>
+          <a:bodyPr/>
+          <a:lstStyle>
+            <a:lvl1pPr>
+              <a:defRPr/>
+            </a:lvl1pPr>
+          </a:lstStyle>
+          <a:p>
+            <a:r>
+              <a:rPr lang="en-US"/>
+              <a:t>Click to edit Master title style</a:t>
+            </a:r>
+            <a:endParaRPr lang="en-US" dirty="0"/>
+          </a:p>
+        </p:txBody>
+      </p:sp>
+      <p:sp>
+        <p:nvSpPr>
+          <p:cNvPr id="3" name="Text Placeholder 2"/>
+          <p:cNvSpPr>
+            <a:spLocks noGrp="1"/>
+          </p:cNvSpPr>
+          <p:nvPr>
+            <p:ph type="body" idx="1"/>
+          </p:nvPr>
+        </p:nvSpPr>
         <p:spPr>
           <a:xfrm>
-            <a:off x="1447191" y="804163"/>
-            <a:ext cx="9295603" cy="1056319"/>
+            <a:off x="1295400" y="2658533"/>
+            <a:ext cx="4718304" cy="576262"/>
           </a:xfrm>
         </p:spPr>
         <p:txBody>
-          <a:bodyPr/>
-          <a:lstStyle/>
-          <a:p>
-            <a:r>
-              <a:rPr lang="en-US"/>
-              <a:t>Click to edit Master title style</a:t>
-            </a:r>
-            <a:endParaRPr lang="en-US" dirty="0"/>
-          </a:p>
-        </p:txBody>
-      </p:sp>
-      <p:sp>
-        <p:nvSpPr>
-          <p:cNvPr id="3" name="Text Placeholder 2"/>
-          <p:cNvSpPr>
-            <a:spLocks noGrp="1"/>
-          </p:cNvSpPr>
-          <p:nvPr>
-            <p:ph type="body" idx="1"/>
-          </p:nvPr>
-        </p:nvSpPr>
-        <p:spPr>
-          <a:xfrm>
-            <a:off x="1447191" y="2019549"/>
-            <a:ext cx="4488794" cy="801943"/>
-          </a:xfrm>
-        </p:spPr>
-        <p:txBody>
           <a:bodyPr anchor="b">
-            <a:normAutofit/>
+            <a:noAutofit/>
           </a:bodyPr>
           <a:lstStyle>
             <a:lvl1pPr marL="0" indent="0">
-              <a:lnSpc>
-                <a:spcPct val="100000"/>
-              </a:lnSpc>
-              <a:buNone/>
-              <a:defRPr sz="2200" b="0" cap="all" baseline="0">
+              <a:spcBef>
+                <a:spcPts val="672"/>
+              </a:spcBef>
+              <a:spcAft>
+                <a:spcPts val="600"/>
+              </a:spcAft>
+              <a:buNone/>
+              <a:defRPr sz="2800" b="0">
                 <a:solidFill>
                   <a:schemeClr val="accent1"/>
                 </a:solidFill>
@@ -1470,12 +3941,14 @@
         </p:nvSpPr>
         <p:spPr>
           <a:xfrm>
-            <a:off x="1447191" y="2824269"/>
-            <a:ext cx="4488794" cy="2644457"/>
+            <a:off x="1295400" y="3243262"/>
+            <a:ext cx="4718304" cy="2632605"/>
           </a:xfrm>
         </p:spPr>
         <p:txBody>
-          <a:bodyPr/>
+          <a:bodyPr anchor="t">
+            <a:normAutofit/>
+          </a:bodyPr>
           <a:lstStyle/>
           <a:p>
             <a:pPr lvl="0"/>
@@ -1527,21 +4000,24 @@
         </p:nvSpPr>
         <p:spPr>
           <a:xfrm>
-            <a:off x="6256025" y="2023003"/>
-            <a:ext cx="4488794" cy="802237"/>
+            <a:off x="6180670" y="2658533"/>
+            <a:ext cx="4718304" cy="576262"/>
           </a:xfrm>
         </p:spPr>
         <p:txBody>
           <a:bodyPr anchor="b">
-            <a:normAutofit/>
+            <a:noAutofit/>
           </a:bodyPr>
           <a:lstStyle>
             <a:lvl1pPr marL="0" indent="0">
-              <a:lnSpc>
-                <a:spcPct val="100000"/>
-              </a:lnSpc>
-              <a:buNone/>
-              <a:defRPr sz="2200" b="0" cap="all" baseline="0">
+              <a:spcBef>
+                <a:spcPts val="672"/>
+              </a:spcBef>
+              <a:spcAft>
+                <a:spcPts val="600"/>
+              </a:spcAft>
+              <a:buNone/>
+              <a:defRPr sz="2800" b="0">
                 <a:solidFill>
                   <a:schemeClr val="accent1"/>
                 </a:solidFill>
@@ -1601,12 +4077,14 @@
         </p:nvSpPr>
         <p:spPr>
           <a:xfrm>
-            <a:off x="6256025" y="2821491"/>
-            <a:ext cx="4488794" cy="2637371"/>
+            <a:off x="6180670" y="3243262"/>
+            <a:ext cx="4718304" cy="2632605"/>
           </a:xfrm>
         </p:spPr>
         <p:txBody>
-          <a:bodyPr/>
+          <a:bodyPr anchor="t">
+            <a:normAutofit/>
+          </a:bodyPr>
           <a:lstStyle/>
           <a:p>
             <a:pPr lvl="0"/>
@@ -1663,7 +4141,7 @@
           <a:p>
             <a:fld id="{C2A77455-39BA-4BA9-B524-972336B016BE}" type="datetimeFigureOut">
               <a:rPr lang="en-US" smtClean="0"/>
-              <a:t>12/26/2023</a:t>
+              <a:t>12/27/2023</a:t>
             </a:fld>
             <a:endParaRPr lang="en-US"/>
           </a:p>
@@ -1711,10 +4189,41 @@
           </a:p>
         </p:txBody>
       </p:sp>
+      <p:cxnSp>
+        <p:nvCxnSpPr>
+          <p:cNvPr id="18" name="Straight Connector 17"/>
+          <p:cNvCxnSpPr/>
+          <p:nvPr/>
+        </p:nvCxnSpPr>
+        <p:spPr>
+          <a:xfrm>
+            <a:off x="1396169" y="2421466"/>
+            <a:ext cx="9407298" cy="0"/>
+          </a:xfrm>
+          <a:prstGeom prst="line">
+            <a:avLst/>
+          </a:prstGeom>
+          <a:ln w="15875"/>
+        </p:spPr>
+        <p:style>
+          <a:lnRef idx="2">
+            <a:schemeClr val="accent1"/>
+          </a:lnRef>
+          <a:fillRef idx="0">
+            <a:schemeClr val="accent1"/>
+          </a:fillRef>
+          <a:effectRef idx="1">
+            <a:schemeClr val="accent1"/>
+          </a:effectRef>
+          <a:fontRef idx="minor">
+            <a:schemeClr val="tx1"/>
+          </a:fontRef>
+        </p:style>
+      </p:cxnSp>
     </p:spTree>
     <p:extLst>
       <p:ext uri="{BB962C8B-B14F-4D97-AF65-F5344CB8AC3E}">
-        <p14:creationId xmlns:p14="http://schemas.microsoft.com/office/powerpoint/2010/main" val="2236600523"/>
+        <p14:creationId xmlns:p14="http://schemas.microsoft.com/office/powerpoint/2010/main" val="981974614"/>
       </p:ext>
     </p:extLst>
   </p:cSld>
@@ -1781,7 +4290,7 @@
           <a:p>
             <a:fld id="{C2A77455-39BA-4BA9-B524-972336B016BE}" type="datetimeFigureOut">
               <a:rPr lang="en-US" smtClean="0"/>
-              <a:t>12/26/2023</a:t>
+              <a:t>12/27/2023</a:t>
             </a:fld>
             <a:endParaRPr lang="en-US"/>
           </a:p>
@@ -1829,10 +4338,41 @@
           </a:p>
         </p:txBody>
       </p:sp>
+      <p:cxnSp>
+        <p:nvCxnSpPr>
+          <p:cNvPr id="14" name="Straight Connector 13"/>
+          <p:cNvCxnSpPr/>
+          <p:nvPr/>
+        </p:nvCxnSpPr>
+        <p:spPr>
+          <a:xfrm>
+            <a:off x="1396169" y="2421466"/>
+            <a:ext cx="9407298" cy="0"/>
+          </a:xfrm>
+          <a:prstGeom prst="line">
+            <a:avLst/>
+          </a:prstGeom>
+          <a:ln w="15875"/>
+        </p:spPr>
+        <p:style>
+          <a:lnRef idx="2">
+            <a:schemeClr val="accent1"/>
+          </a:lnRef>
+          <a:fillRef idx="0">
+            <a:schemeClr val="accent1"/>
+          </a:fillRef>
+          <a:effectRef idx="1">
+            <a:schemeClr val="accent1"/>
+          </a:effectRef>
+          <a:fontRef idx="minor">
+            <a:schemeClr val="tx1"/>
+          </a:fontRef>
+        </p:style>
+      </p:cxnSp>
     </p:spTree>
     <p:extLst>
       <p:ext uri="{BB962C8B-B14F-4D97-AF65-F5344CB8AC3E}">
-        <p14:creationId xmlns:p14="http://schemas.microsoft.com/office/powerpoint/2010/main" val="3531719557"/>
+        <p14:creationId xmlns:p14="http://schemas.microsoft.com/office/powerpoint/2010/main" val="3405838788"/>
       </p:ext>
     </p:extLst>
   </p:cSld>
@@ -1876,7 +4416,7 @@
           <a:p>
             <a:fld id="{C2A77455-39BA-4BA9-B524-972336B016BE}" type="datetimeFigureOut">
               <a:rPr lang="en-US" smtClean="0"/>
-              <a:t>12/26/2023</a:t>
+              <a:t>12/27/2023</a:t>
             </a:fld>
             <a:endParaRPr lang="en-US"/>
           </a:p>
@@ -1927,7 +4467,7 @@
     </p:spTree>
     <p:extLst>
       <p:ext uri="{BB962C8B-B14F-4D97-AF65-F5344CB8AC3E}">
-        <p14:creationId xmlns:p14="http://schemas.microsoft.com/office/powerpoint/2010/main" val="2823755288"/>
+        <p14:creationId xmlns:p14="http://schemas.microsoft.com/office/powerpoint/2010/main" val="1693029913"/>
       </p:ext>
     </p:extLst>
   </p:cSld>
@@ -1966,8 +4506,8 @@
         </p:nvSpPr>
         <p:spPr>
           <a:xfrm>
-            <a:off x="1444671" y="798973"/>
-            <a:ext cx="2961967" cy="2406518"/>
+            <a:off x="1293811" y="1388534"/>
+            <a:ext cx="3718455" cy="1371600"/>
           </a:xfrm>
         </p:spPr>
         <p:txBody>
@@ -1975,8 +4515,8 @@
             <a:normAutofit/>
           </a:bodyPr>
           <a:lstStyle>
-            <a:lvl1pPr algn="l">
-              <a:defRPr sz="2400"/>
+            <a:lvl1pPr algn="ctr">
+              <a:defRPr sz="2400" b="0"/>
             </a:lvl1pPr>
           </a:lstStyle>
           <a:p>
@@ -2000,12 +4540,14 @@
         </p:nvSpPr>
         <p:spPr>
           <a:xfrm>
-            <a:off x="4730324" y="798974"/>
-            <a:ext cx="6012470" cy="4658826"/>
+            <a:off x="5418668" y="982131"/>
+            <a:ext cx="5469466" cy="4893735"/>
           </a:xfrm>
         </p:spPr>
         <p:txBody>
-          <a:bodyPr anchor="ctr"/>
+          <a:bodyPr anchor="ctr">
+            <a:normAutofit/>
+          </a:bodyPr>
           <a:lstStyle/>
           <a:p>
             <a:pPr lvl="0"/>
@@ -2057,48 +4599,50 @@
         </p:nvSpPr>
         <p:spPr>
           <a:xfrm>
-            <a:off x="1444671" y="3205491"/>
-            <a:ext cx="2961967" cy="2248181"/>
+            <a:off x="1293811" y="3031065"/>
+            <a:ext cx="3718455" cy="2438404"/>
           </a:xfrm>
         </p:spPr>
         <p:txBody>
-          <a:bodyPr/>
+          <a:bodyPr anchor="t">
+            <a:normAutofit/>
+          </a:bodyPr>
           <a:lstStyle>
-            <a:lvl1pPr marL="0" indent="0" algn="l">
+            <a:lvl1pPr marL="0" indent="0" algn="ctr">
               <a:buNone/>
               <a:defRPr sz="1600"/>
             </a:lvl1pPr>
             <a:lvl2pPr marL="457200" indent="0">
               <a:buNone/>
-              <a:defRPr sz="1400"/>
+              <a:defRPr sz="1200"/>
             </a:lvl2pPr>
             <a:lvl3pPr marL="914400" indent="0">
               <a:buNone/>
-              <a:defRPr sz="1200"/>
+              <a:defRPr sz="1000"/>
             </a:lvl3pPr>
             <a:lvl4pPr marL="1371600" indent="0">
               <a:buNone/>
-              <a:defRPr sz="1000"/>
+              <a:defRPr sz="900"/>
             </a:lvl4pPr>
             <a:lvl5pPr marL="1828800" indent="0">
               <a:buNone/>
-              <a:defRPr sz="1000"/>
+              <a:defRPr sz="900"/>
             </a:lvl5pPr>
             <a:lvl6pPr marL="2286000" indent="0">
               <a:buNone/>
-              <a:defRPr sz="1000"/>
+              <a:defRPr sz="900"/>
             </a:lvl6pPr>
             <a:lvl7pPr marL="2743200" indent="0">
               <a:buNone/>
-              <a:defRPr sz="1000"/>
+              <a:defRPr sz="900"/>
             </a:lvl7pPr>
             <a:lvl8pPr marL="3200400" indent="0">
               <a:buNone/>
-              <a:defRPr sz="1000"/>
+              <a:defRPr sz="900"/>
             </a:lvl8pPr>
             <a:lvl9pPr marL="3657600" indent="0">
               <a:buNone/>
-              <a:defRPr sz="1000"/>
+              <a:defRPr sz="900"/>
             </a:lvl9pPr>
           </a:lstStyle>
           <a:p>
@@ -2127,7 +4671,7 @@
           <a:p>
             <a:fld id="{C2A77455-39BA-4BA9-B524-972336B016BE}" type="datetimeFigureOut">
               <a:rPr lang="en-US" smtClean="0"/>
-              <a:t>12/26/2023</a:t>
+              <a:t>12/27/2023</a:t>
             </a:fld>
             <a:endParaRPr lang="en-US"/>
           </a:p>
@@ -2175,10 +4719,41 @@
           </a:p>
         </p:txBody>
       </p:sp>
+      <p:cxnSp>
+        <p:nvCxnSpPr>
+          <p:cNvPr id="16" name="Straight Connector 15"/>
+          <p:cNvCxnSpPr/>
+          <p:nvPr/>
+        </p:nvCxnSpPr>
+        <p:spPr>
+          <a:xfrm>
+            <a:off x="1396169" y="2912533"/>
+            <a:ext cx="3514498" cy="0"/>
+          </a:xfrm>
+          <a:prstGeom prst="line">
+            <a:avLst/>
+          </a:prstGeom>
+          <a:ln w="15875"/>
+        </p:spPr>
+        <p:style>
+          <a:lnRef idx="2">
+            <a:schemeClr val="accent1"/>
+          </a:lnRef>
+          <a:fillRef idx="0">
+            <a:schemeClr val="accent1"/>
+          </a:fillRef>
+          <a:effectRef idx="1">
+            <a:schemeClr val="accent1"/>
+          </a:effectRef>
+          <a:fontRef idx="minor">
+            <a:schemeClr val="tx1"/>
+          </a:fontRef>
+        </p:style>
+      </p:cxnSp>
     </p:spTree>
     <p:extLst>
       <p:ext uri="{BB962C8B-B14F-4D97-AF65-F5344CB8AC3E}">
-        <p14:creationId xmlns:p14="http://schemas.microsoft.com/office/powerpoint/2010/main" val="2853124505"/>
+        <p14:creationId xmlns:p14="http://schemas.microsoft.com/office/powerpoint/2010/main" val="4241517545"/>
       </p:ext>
     </p:extLst>
   </p:cSld>
@@ -2205,145 +4780,6 @@
           <a:chExt cx="0" cy="0"/>
         </a:xfrm>
       </p:grpSpPr>
-      <p:grpSp>
-        <p:nvGrpSpPr>
-          <p:cNvPr id="9" name="Group 8"/>
-          <p:cNvGrpSpPr/>
-          <p:nvPr/>
-        </p:nvGrpSpPr>
-        <p:grpSpPr>
-          <a:xfrm>
-            <a:off x="7477387" y="482170"/>
-            <a:ext cx="4074533" cy="5149101"/>
-            <a:chOff x="7477387" y="482170"/>
-            <a:chExt cx="4074533" cy="5149101"/>
-          </a:xfrm>
-        </p:grpSpPr>
-        <p:sp>
-          <p:nvSpPr>
-            <p:cNvPr id="18" name="Rectangle 17"/>
-            <p:cNvSpPr/>
-            <p:nvPr/>
-          </p:nvSpPr>
-          <p:spPr>
-            <a:xfrm>
-              <a:off x="7477387" y="482170"/>
-              <a:ext cx="4074533" cy="5149101"/>
-            </a:xfrm>
-            <a:prstGeom prst="rect">
-              <a:avLst/>
-            </a:prstGeom>
-            <a:blipFill dpi="0" rotWithShape="1">
-              <a:blip r:embed="rId2">
-                <a:alphaModFix amt="30000"/>
-              </a:blip>
-              <a:srcRect/>
-              <a:tile tx="0" ty="0" sx="100000" sy="100000" flip="none" algn="ctr"/>
-            </a:blipFill>
-            <a:ln w="76200" cmpd="sng">
-              <a:noFill/>
-              <a:miter lim="800000"/>
-            </a:ln>
-            <a:effectLst>
-              <a:outerShdw blurRad="127000" dist="228600" dir="4740000" sx="98000" sy="98000" algn="tl" rotWithShape="0">
-                <a:srgbClr val="000000">
-                  <a:alpha val="34000"/>
-                </a:srgbClr>
-              </a:outerShdw>
-            </a:effectLst>
-            <a:scene3d>
-              <a:camera prst="orthographicFront"/>
-              <a:lightRig rig="threePt" dir="t"/>
-            </a:scene3d>
-            <a:sp3d extrusionH="76200" contourW="12700" prstMaterial="matte">
-              <a:bevelT w="152400" h="50800" prst="softRound"/>
-              <a:extrusionClr>
-                <a:schemeClr val="tx2"/>
-              </a:extrusionClr>
-              <a:contourClr>
-                <a:schemeClr val="bg2"/>
-              </a:contourClr>
-            </a:sp3d>
-          </p:spPr>
-          <p:style>
-            <a:lnRef idx="1">
-              <a:schemeClr val="accent1"/>
-            </a:lnRef>
-            <a:fillRef idx="3">
-              <a:schemeClr val="accent1"/>
-            </a:fillRef>
-            <a:effectRef idx="2">
-              <a:schemeClr val="accent1"/>
-            </a:effectRef>
-            <a:fontRef idx="minor">
-              <a:schemeClr val="lt1"/>
-            </a:fontRef>
-          </p:style>
-        </p:sp>
-        <p:sp>
-          <p:nvSpPr>
-            <p:cNvPr id="19" name="Rectangle 18"/>
-            <p:cNvSpPr/>
-            <p:nvPr/>
-          </p:nvSpPr>
-          <p:spPr>
-            <a:xfrm>
-              <a:off x="7790446" y="812506"/>
-              <a:ext cx="3450289" cy="4466452"/>
-            </a:xfrm>
-            <a:prstGeom prst="rect">
-              <a:avLst/>
-            </a:prstGeom>
-            <a:gradFill>
-              <a:gsLst>
-                <a:gs pos="0">
-                  <a:srgbClr val="DADADA"/>
-                </a:gs>
-                <a:gs pos="100000">
-                  <a:srgbClr val="FFFFFE"/>
-                </a:gs>
-              </a:gsLst>
-              <a:lin ang="16200000" scaled="0"/>
-            </a:gradFill>
-            <a:ln w="38100" cmpd="sng">
-              <a:solidFill>
-                <a:schemeClr val="tx2">
-                  <a:lumMod val="25000"/>
-                </a:schemeClr>
-              </a:solidFill>
-              <a:miter lim="800000"/>
-            </a:ln>
-            <a:effectLst>
-              <a:innerShdw blurRad="63500" dist="88900" dir="14100000">
-                <a:srgbClr val="000000">
-                  <a:alpha val="30000"/>
-                </a:srgbClr>
-              </a:innerShdw>
-            </a:effectLst>
-            <a:scene3d>
-              <a:camera prst="orthographicFront"/>
-              <a:lightRig rig="threePt" dir="t"/>
-            </a:scene3d>
-            <a:sp3d>
-              <a:bevelT prst="relaxedInset"/>
-            </a:sp3d>
-          </p:spPr>
-          <p:style>
-            <a:lnRef idx="1">
-              <a:schemeClr val="accent1"/>
-            </a:lnRef>
-            <a:fillRef idx="3">
-              <a:schemeClr val="accent1"/>
-            </a:fillRef>
-            <a:effectRef idx="2">
-              <a:schemeClr val="accent1"/>
-            </a:effectRef>
-            <a:fontRef idx="minor">
-              <a:schemeClr val="lt1"/>
-            </a:fontRef>
-          </p:style>
-        </p:sp>
-      </p:grpSp>
       <p:sp>
         <p:nvSpPr>
           <p:cNvPr id="2" name="Title 1"/>
@@ -2356,8 +4792,8 @@
         </p:nvSpPr>
         <p:spPr>
           <a:xfrm>
-            <a:off x="1451206" y="1129512"/>
-            <a:ext cx="5532328" cy="1922299"/>
+            <a:off x="1295399" y="1883832"/>
+            <a:ext cx="6241816" cy="1371600"/>
           </a:xfrm>
         </p:spPr>
         <p:txBody>
@@ -2365,8 +4801,8 @@
             <a:normAutofit/>
           </a:bodyPr>
           <a:lstStyle>
-            <a:lvl1pPr>
-              <a:defRPr sz="3200"/>
+            <a:lvl1pPr algn="ctr">
+              <a:defRPr sz="2800" b="0"/>
             </a:lvl1pPr>
           </a:lstStyle>
           <a:p>
@@ -2380,7 +4816,7 @@
       </p:sp>
       <p:sp>
         <p:nvSpPr>
-          <p:cNvPr id="3" name="Picture Placeholder 2"/>
+          <p:cNvPr id="17" name="Picture Placeholder 2"/>
           <p:cNvSpPr>
             <a:spLocks noGrp="1" noChangeAspect="1"/>
           </p:cNvSpPr>
@@ -2390,97 +4826,138 @@
         </p:nvSpPr>
         <p:spPr>
           <a:xfrm>
-            <a:off x="8124389" y="1122542"/>
-            <a:ext cx="2791171" cy="3866327"/>
+            <a:off x="8094831" y="1041400"/>
+            <a:ext cx="3063347" cy="4775200"/>
           </a:xfrm>
-          <a:solidFill>
-            <a:schemeClr val="bg1">
-              <a:lumMod val="50000"/>
-              <a:lumOff val="50000"/>
-              <a:alpha val="80000"/>
-            </a:schemeClr>
-          </a:solidFill>
-          <a:ln w="9525" cap="sq">
-            <a:noFill/>
+          <a:prstGeom prst="roundRect">
+            <a:avLst>
+              <a:gd name="adj" fmla="val 0"/>
+            </a:avLst>
+          </a:prstGeom>
+          <a:ln w="57150" cmpd="thickThin">
+            <a:solidFill>
+              <a:schemeClr val="tx1">
+                <a:lumMod val="50000"/>
+                <a:lumOff val="50000"/>
+              </a:schemeClr>
+            </a:solidFill>
             <a:miter lim="800000"/>
           </a:ln>
-          <a:effectLst/>
+          <a:effectLst>
+            <a:innerShdw blurRad="57150" dist="38100" dir="14460000">
+              <a:srgbClr val="000000">
+                <a:alpha val="70000"/>
+              </a:srgbClr>
+            </a:innerShdw>
+          </a:effectLst>
         </p:spPr>
         <p:txBody>
-          <a:bodyPr vert="horz" lIns="91440" tIns="45720" rIns="91440" bIns="45720" rtlCol="0" anchor="t">
-            <a:normAutofit/>
-          </a:bodyPr>
-          <a:lstStyle>
-            <a:lvl1pPr>
-              <a:defRPr lang="en-US" sz="3200" dirty="0"/>
-            </a:lvl1pPr>
-          </a:lstStyle>
-          <a:p>
-            <a:pPr lvl="0" algn="ctr"/>
-            <a:r>
-              <a:rPr lang="en-US"/>
-              <a:t>Click icon to add picture</a:t>
-            </a:r>
-            <a:endParaRPr lang="en-US" dirty="0"/>
-          </a:p>
-        </p:txBody>
-      </p:sp>
-      <p:sp>
-        <p:nvSpPr>
-          <p:cNvPr id="4" name="Text Placeholder 3"/>
-          <p:cNvSpPr>
-            <a:spLocks noGrp="1"/>
-          </p:cNvSpPr>
-          <p:nvPr>
-            <p:ph type="body" sz="half" idx="2"/>
-          </p:nvPr>
-        </p:nvSpPr>
-        <p:spPr>
-          <a:xfrm>
-            <a:off x="1450329" y="3059600"/>
-            <a:ext cx="5524404" cy="2090134"/>
-          </a:xfrm>
-        </p:spPr>
-        <p:txBody>
-          <a:bodyPr>
+          <a:bodyPr anchor="t">
             <a:normAutofit/>
           </a:bodyPr>
           <a:lstStyle>
             <a:lvl1pPr marL="0" indent="0" algn="ctr">
               <a:buNone/>
+              <a:defRPr sz="1600"/>
+            </a:lvl1pPr>
+            <a:lvl2pPr marL="457200" indent="0">
+              <a:buNone/>
+              <a:defRPr sz="1600"/>
+            </a:lvl2pPr>
+            <a:lvl3pPr marL="914400" indent="0">
+              <a:buNone/>
+              <a:defRPr sz="1600"/>
+            </a:lvl3pPr>
+            <a:lvl4pPr marL="1371600" indent="0">
+              <a:buNone/>
+              <a:defRPr sz="1600"/>
+            </a:lvl4pPr>
+            <a:lvl5pPr marL="1828800" indent="0">
+              <a:buNone/>
+              <a:defRPr sz="1600"/>
+            </a:lvl5pPr>
+            <a:lvl6pPr marL="2286000" indent="0">
+              <a:buNone/>
+              <a:defRPr sz="1600"/>
+            </a:lvl6pPr>
+            <a:lvl7pPr marL="2743200" indent="0">
+              <a:buNone/>
+              <a:defRPr sz="1600"/>
+            </a:lvl7pPr>
+            <a:lvl8pPr marL="3200400" indent="0">
+              <a:buNone/>
+              <a:defRPr sz="1600"/>
+            </a:lvl8pPr>
+            <a:lvl9pPr marL="3657600" indent="0">
+              <a:buNone/>
+              <a:defRPr sz="1600"/>
+            </a:lvl9pPr>
+          </a:lstStyle>
+          <a:p>
+            <a:r>
+              <a:rPr lang="en-US"/>
+              <a:t>Click icon to add picture</a:t>
+            </a:r>
+            <a:endParaRPr lang="en-US" dirty="0"/>
+          </a:p>
+        </p:txBody>
+      </p:sp>
+      <p:sp>
+        <p:nvSpPr>
+          <p:cNvPr id="4" name="Text Placeholder 3"/>
+          <p:cNvSpPr>
+            <a:spLocks noGrp="1"/>
+          </p:cNvSpPr>
+          <p:nvPr>
+            <p:ph type="body" sz="half" idx="2"/>
+          </p:nvPr>
+        </p:nvSpPr>
+        <p:spPr>
+          <a:xfrm>
+            <a:off x="1295399" y="3255432"/>
+            <a:ext cx="6241816" cy="1828800"/>
+          </a:xfrm>
+        </p:spPr>
+        <p:txBody>
+          <a:bodyPr anchor="t">
+            <a:normAutofit/>
+          </a:bodyPr>
+          <a:lstStyle>
+            <a:lvl1pPr marL="0" indent="0" algn="ctr">
+              <a:buNone/>
               <a:defRPr sz="1800"/>
             </a:lvl1pPr>
             <a:lvl2pPr marL="457200" indent="0">
               <a:buNone/>
-              <a:defRPr sz="1400"/>
+              <a:defRPr sz="1200"/>
             </a:lvl2pPr>
             <a:lvl3pPr marL="914400" indent="0">
               <a:buNone/>
-              <a:defRPr sz="1200"/>
+              <a:defRPr sz="1000"/>
             </a:lvl3pPr>
             <a:lvl4pPr marL="1371600" indent="0">
               <a:buNone/>
-              <a:defRPr sz="1000"/>
+              <a:defRPr sz="900"/>
             </a:lvl4pPr>
             <a:lvl5pPr marL="1828800" indent="0">
               <a:buNone/>
-              <a:defRPr sz="1000"/>
+              <a:defRPr sz="900"/>
             </a:lvl5pPr>
             <a:lvl6pPr marL="2286000" indent="0">
               <a:buNone/>
-              <a:defRPr sz="1000"/>
+              <a:defRPr sz="900"/>
             </a:lvl6pPr>
             <a:lvl7pPr marL="2743200" indent="0">
               <a:buNone/>
-              <a:defRPr sz="1000"/>
+              <a:defRPr sz="900"/>
             </a:lvl7pPr>
             <a:lvl8pPr marL="3200400" indent="0">
               <a:buNone/>
-              <a:defRPr sz="1000"/>
+              <a:defRPr sz="900"/>
             </a:lvl8pPr>
             <a:lvl9pPr marL="3657600" indent="0">
               <a:buNone/>
-              <a:defRPr sz="1000"/>
+              <a:defRPr sz="900"/>
             </a:lvl9pPr>
           </a:lstStyle>
           <a:p>
@@ -2502,23 +4979,14 @@
             <p:ph type="dt" sz="half" idx="10"/>
           </p:nvPr>
         </p:nvSpPr>
-        <p:spPr>
-          <a:xfrm>
-            <a:off x="1447382" y="5469856"/>
-            <a:ext cx="5527351" cy="320123"/>
-          </a:xfrm>
-        </p:spPr>
+        <p:spPr/>
         <p:txBody>
           <a:bodyPr/>
-          <a:lstStyle>
-            <a:lvl1pPr algn="l">
-              <a:defRPr/>
-            </a:lvl1pPr>
-          </a:lstStyle>
+          <a:lstStyle/>
           <a:p>
             <a:fld id="{C2A77455-39BA-4BA9-B524-972336B016BE}" type="datetimeFigureOut">
               <a:rPr lang="en-US" smtClean="0"/>
-              <a:t>12/26/2023</a:t>
+              <a:t>12/27/2023</a:t>
             </a:fld>
             <a:endParaRPr lang="en-US"/>
           </a:p>
@@ -2534,12 +5002,7 @@
             <p:ph type="ftr" sz="quarter" idx="11"/>
           </p:nvPr>
         </p:nvSpPr>
-        <p:spPr>
-          <a:xfrm>
-            <a:off x="1447382" y="318640"/>
-            <a:ext cx="5541004" cy="320931"/>
-          </a:xfrm>
-        </p:spPr>
+        <p:spPr/>
         <p:txBody>
           <a:bodyPr/>
           <a:lstStyle/>
@@ -2574,7 +5037,7 @@
     </p:spTree>
     <p:extLst>
       <p:ext uri="{BB962C8B-B14F-4D97-AF65-F5344CB8AC3E}">
-        <p14:creationId xmlns:p14="http://schemas.microsoft.com/office/powerpoint/2010/main" val="2340620540"/>
+        <p14:creationId xmlns:p14="http://schemas.microsoft.com/office/powerpoint/2010/main" val="3476734305"/>
       </p:ext>
     </p:extLst>
   </p:cSld>
@@ -2606,6 +5069,143 @@
           <a:chExt cx="0" cy="0"/>
         </a:xfrm>
       </p:grpSpPr>
+      <p:grpSp>
+        <p:nvGrpSpPr>
+          <p:cNvPr id="7" name="Group 6"/>
+          <p:cNvGrpSpPr/>
+          <p:nvPr/>
+        </p:nvGrpSpPr>
+        <p:grpSpPr>
+          <a:xfrm>
+            <a:off x="-15736" y="0"/>
+            <a:ext cx="12229962" cy="6856214"/>
+            <a:chOff x="-15736" y="0"/>
+            <a:chExt cx="12229962" cy="6856214"/>
+          </a:xfrm>
+        </p:grpSpPr>
+        <p:pic>
+          <p:nvPicPr>
+            <p:cNvPr id="8" name="Picture 7" descr="HD-PanelContent.png"/>
+            <p:cNvPicPr>
+              <a:picLocks noChangeAspect="1"/>
+            </p:cNvPicPr>
+            <p:nvPr/>
+          </p:nvPicPr>
+          <p:blipFill>
+            <a:blip r:embed="rId19">
+              <a:extLst>
+                <a:ext uri="{28A0092B-C50C-407E-A947-70E740481C1C}">
+                  <a14:useLocalDpi xmlns:a14="http://schemas.microsoft.com/office/drawing/2010/main" val="0"/>
+                </a:ext>
+              </a:extLst>
+            </a:blip>
+            <a:stretch>
+              <a:fillRect/>
+            </a:stretch>
+          </p:blipFill>
+          <p:spPr>
+            <a:xfrm>
+              <a:off x="0" y="0"/>
+              <a:ext cx="12188825" cy="6856214"/>
+            </a:xfrm>
+            <a:prstGeom prst="rect">
+              <a:avLst/>
+            </a:prstGeom>
+          </p:spPr>
+        </p:pic>
+        <p:sp>
+          <p:nvSpPr>
+            <p:cNvPr id="9" name="Rectangle 8"/>
+            <p:cNvSpPr/>
+            <p:nvPr/>
+          </p:nvSpPr>
+          <p:spPr>
+            <a:xfrm>
+              <a:off x="608012" y="609600"/>
+              <a:ext cx="10972800" cy="5638800"/>
+            </a:xfrm>
+            <a:prstGeom prst="rect">
+              <a:avLst/>
+            </a:prstGeom>
+            <a:noFill/>
+            <a:ln w="15875" cap="flat">
+              <a:miter lim="800000"/>
+            </a:ln>
+          </p:spPr>
+          <p:style>
+            <a:lnRef idx="1">
+              <a:schemeClr val="accent1"/>
+            </a:lnRef>
+            <a:fillRef idx="3">
+              <a:schemeClr val="accent1"/>
+            </a:fillRef>
+            <a:effectRef idx="2">
+              <a:schemeClr val="accent1"/>
+            </a:effectRef>
+            <a:fontRef idx="minor">
+              <a:schemeClr val="lt1"/>
+            </a:fontRef>
+          </p:style>
+        </p:sp>
+        <p:pic>
+          <p:nvPicPr>
+            <p:cNvPr id="10" name="Picture 9" descr="HDRibbonContent-UniformTrim.png"/>
+            <p:cNvPicPr>
+              <a:picLocks noChangeAspect="1"/>
+            </p:cNvPicPr>
+            <p:nvPr/>
+          </p:nvPicPr>
+          <p:blipFill rotWithShape="1">
+            <a:blip r:embed="rId20">
+              <a:extLst>
+                <a:ext uri="{28A0092B-C50C-407E-A947-70E740481C1C}">
+                  <a14:useLocalDpi xmlns:a14="http://schemas.microsoft.com/office/drawing/2010/main" val="0"/>
+                </a:ext>
+              </a:extLst>
+            </a:blip>
+            <a:srcRect/>
+            <a:stretch/>
+          </p:blipFill>
+          <p:spPr>
+            <a:xfrm>
+              <a:off x="-15736" y="3153832"/>
+              <a:ext cx="777240" cy="606425"/>
+            </a:xfrm>
+            <a:prstGeom prst="rect">
+              <a:avLst/>
+            </a:prstGeom>
+          </p:spPr>
+        </p:pic>
+        <p:pic>
+          <p:nvPicPr>
+            <p:cNvPr id="11" name="Picture 10" descr="HDRibbonContent-UniformTrim.png"/>
+            <p:cNvPicPr>
+              <a:picLocks noChangeAspect="1"/>
+            </p:cNvPicPr>
+            <p:nvPr/>
+          </p:nvPicPr>
+          <p:blipFill rotWithShape="1">
+            <a:blip r:embed="rId20">
+              <a:extLst>
+                <a:ext uri="{28A0092B-C50C-407E-A947-70E740481C1C}">
+                  <a14:useLocalDpi xmlns:a14="http://schemas.microsoft.com/office/drawing/2010/main" val="0"/>
+                </a:ext>
+              </a:extLst>
+            </a:blip>
+            <a:srcRect/>
+            <a:stretch/>
+          </p:blipFill>
+          <p:spPr>
+            <a:xfrm>
+              <a:off x="11436986" y="3153832"/>
+              <a:ext cx="777240" cy="606425"/>
+            </a:xfrm>
+            <a:prstGeom prst="rect">
+              <a:avLst/>
+            </a:prstGeom>
+          </p:spPr>
+        </p:pic>
+      </p:grpSp>
       <p:sp>
         <p:nvSpPr>
           <p:cNvPr id="2" name="Title Placeholder 1"/>
@@ -2618,22 +5218,85 @@
         </p:nvSpPr>
         <p:spPr>
           <a:xfrm>
-            <a:off x="1451579" y="804519"/>
-            <a:ext cx="9291215" cy="1049235"/>
+            <a:off x="1295402" y="982132"/>
+            <a:ext cx="9601196" cy="1303867"/>
+          </a:xfrm>
+          <a:prstGeom prst="rect">
+            <a:avLst/>
+          </a:prstGeom>
+          <a:effectLst/>
+        </p:spPr>
+        <p:txBody>
+          <a:bodyPr vert="horz" lIns="91440" tIns="45720" rIns="91440" bIns="45720" rtlCol="0" anchor="ctr">
+            <a:normAutofit/>
+          </a:bodyPr>
+          <a:lstStyle/>
+          <a:p>
+            <a:r>
+              <a:rPr lang="en-US"/>
+              <a:t>Click to edit Master title style</a:t>
+            </a:r>
+            <a:endParaRPr lang="en-US" dirty="0"/>
+          </a:p>
+        </p:txBody>
+      </p:sp>
+      <p:sp>
+        <p:nvSpPr>
+          <p:cNvPr id="3" name="Text Placeholder 2"/>
+          <p:cNvSpPr>
+            <a:spLocks noGrp="1"/>
+          </p:cNvSpPr>
+          <p:nvPr>
+            <p:ph type="body" idx="1"/>
+          </p:nvPr>
+        </p:nvSpPr>
+        <p:spPr>
+          <a:xfrm>
+            <a:off x="1295401" y="2556932"/>
+            <a:ext cx="9601196" cy="3318936"/>
           </a:xfrm>
           <a:prstGeom prst="rect">
             <a:avLst/>
           </a:prstGeom>
         </p:spPr>
         <p:txBody>
-          <a:bodyPr vert="horz" lIns="91440" tIns="45720" rIns="91440" bIns="45720" rtlCol="0" anchor="ctr">
+          <a:bodyPr vert="horz" lIns="91440" tIns="45720" rIns="91440" bIns="45720" rtlCol="0" anchor="t">
             <a:normAutofit/>
           </a:bodyPr>
           <a:lstStyle/>
           <a:p>
-            <a:r>
-              <a:rPr lang="en-US"/>
-              <a:t>Click to edit Master title style</a:t>
+            <a:pPr lvl="0"/>
+            <a:r>
+              <a:rPr lang="en-US"/>
+              <a:t>Click to edit Master text styles</a:t>
+            </a:r>
+          </a:p>
+          <a:p>
+            <a:pPr lvl="1"/>
+            <a:r>
+              <a:rPr lang="en-US"/>
+              <a:t>Second level</a:t>
+            </a:r>
+          </a:p>
+          <a:p>
+            <a:pPr lvl="2"/>
+            <a:r>
+              <a:rPr lang="en-US"/>
+              <a:t>Third level</a:t>
+            </a:r>
+          </a:p>
+          <a:p>
+            <a:pPr lvl="3"/>
+            <a:r>
+              <a:rPr lang="en-US"/>
+              <a:t>Fourth level</a:t>
+            </a:r>
+          </a:p>
+          <a:p>
+            <a:pPr lvl="4"/>
+            <a:r>
+              <a:rPr lang="en-US"/>
+              <a:t>Fifth level</a:t>
             </a:r>
             <a:endParaRPr lang="en-US" dirty="0"/>
           </a:p>
@@ -2641,80 +5304,59 @@
       </p:sp>
       <p:sp>
         <p:nvSpPr>
-          <p:cNvPr id="3" name="Text Placeholder 2"/>
-          <p:cNvSpPr>
-            <a:spLocks noGrp="1"/>
-          </p:cNvSpPr>
-          <p:nvPr>
-            <p:ph type="body" idx="1"/>
+          <p:cNvPr id="4" name="Date Placeholder 3"/>
+          <p:cNvSpPr>
+            <a:spLocks noGrp="1"/>
+          </p:cNvSpPr>
+          <p:nvPr>
+            <p:ph type="dt" sz="half" idx="2"/>
           </p:nvPr>
         </p:nvSpPr>
         <p:spPr>
           <a:xfrm>
-            <a:off x="1451579" y="2015732"/>
-            <a:ext cx="9291215" cy="3450613"/>
+            <a:off x="8677501" y="5969000"/>
+            <a:ext cx="1600200" cy="279400"/>
           </a:xfrm>
           <a:prstGeom prst="rect">
             <a:avLst/>
           </a:prstGeom>
         </p:spPr>
         <p:txBody>
-          <a:bodyPr vert="horz" lIns="91440" tIns="45720" rIns="91440" bIns="45720" rtlCol="0">
-            <a:normAutofit/>
-          </a:bodyPr>
-          <a:lstStyle/>
-          <a:p>
-            <a:pPr lvl="0"/>
-            <a:r>
-              <a:rPr lang="en-US"/>
-              <a:t>Click to edit Master text styles</a:t>
-            </a:r>
-          </a:p>
-          <a:p>
-            <a:pPr lvl="1"/>
-            <a:r>
-              <a:rPr lang="en-US"/>
-              <a:t>Second level</a:t>
-            </a:r>
-          </a:p>
-          <a:p>
-            <a:pPr lvl="2"/>
-            <a:r>
-              <a:rPr lang="en-US"/>
-              <a:t>Third level</a:t>
-            </a:r>
-          </a:p>
-          <a:p>
-            <a:pPr lvl="3"/>
-            <a:r>
-              <a:rPr lang="en-US"/>
-              <a:t>Fourth level</a:t>
-            </a:r>
-          </a:p>
-          <a:p>
-            <a:pPr lvl="4"/>
-            <a:r>
-              <a:rPr lang="en-US"/>
-              <a:t>Fifth level</a:t>
-            </a:r>
-            <a:endParaRPr lang="en-US" dirty="0"/>
-          </a:p>
-        </p:txBody>
-      </p:sp>
-      <p:sp>
-        <p:nvSpPr>
-          <p:cNvPr id="4" name="Date Placeholder 3"/>
-          <p:cNvSpPr>
-            <a:spLocks noGrp="1"/>
-          </p:cNvSpPr>
-          <p:nvPr>
-            <p:ph type="dt" sz="half" idx="2"/>
+          <a:bodyPr vert="horz" lIns="91440" tIns="45720" rIns="91440" bIns="45720" rtlCol="0" anchor="ctr"/>
+          <a:lstStyle>
+            <a:lvl1pPr algn="r">
+              <a:defRPr sz="1000" b="0" i="0">
+                <a:solidFill>
+                  <a:schemeClr val="tx1"/>
+                </a:solidFill>
+                <a:effectLst/>
+                <a:latin typeface="+mn-lt"/>
+              </a:defRPr>
+            </a:lvl1pPr>
+          </a:lstStyle>
+          <a:p>
+            <a:fld id="{C2A77455-39BA-4BA9-B524-972336B016BE}" type="datetimeFigureOut">
+              <a:rPr lang="en-US" smtClean="0"/>
+              <a:t>12/27/2023</a:t>
+            </a:fld>
+            <a:endParaRPr lang="en-US"/>
+          </a:p>
+        </p:txBody>
+      </p:sp>
+      <p:sp>
+        <p:nvSpPr>
+          <p:cNvPr id="5" name="Footer Placeholder 4"/>
+          <p:cNvSpPr>
+            <a:spLocks noGrp="1"/>
+          </p:cNvSpPr>
+          <p:nvPr>
+            <p:ph type="ftr" sz="quarter" idx="3"/>
           </p:nvPr>
         </p:nvSpPr>
         <p:spPr>
           <a:xfrm>
-            <a:off x="7242079" y="330370"/>
-            <a:ext cx="3500715" cy="309201"/>
+            <a:off x="1295401" y="5969000"/>
+            <a:ext cx="7305900" cy="279400"/>
           </a:xfrm>
           <a:prstGeom prst="rect">
             <a:avLst/>
@@ -2723,39 +5365,35 @@
         <p:txBody>
           <a:bodyPr vert="horz" lIns="91440" tIns="45720" rIns="91440" bIns="45720" rtlCol="0" anchor="ctr"/>
           <a:lstStyle>
-            <a:lvl1pPr algn="r">
-              <a:defRPr sz="1000">
-                <a:solidFill>
-                  <a:schemeClr val="tx1">
-                    <a:tint val="75000"/>
-                  </a:schemeClr>
-                </a:solidFill>
+            <a:lvl1pPr algn="l">
+              <a:defRPr sz="1000" b="0" i="0">
+                <a:solidFill>
+                  <a:schemeClr val="tx1"/>
+                </a:solidFill>
+                <a:effectLst/>
+                <a:latin typeface="+mn-lt"/>
               </a:defRPr>
             </a:lvl1pPr>
           </a:lstStyle>
           <a:p>
-            <a:fld id="{C2A77455-39BA-4BA9-B524-972336B016BE}" type="datetimeFigureOut">
-              <a:rPr lang="en-US" smtClean="0"/>
-              <a:t>12/26/2023</a:t>
-            </a:fld>
             <a:endParaRPr lang="en-US"/>
           </a:p>
         </p:txBody>
       </p:sp>
       <p:sp>
         <p:nvSpPr>
-          <p:cNvPr id="5" name="Footer Placeholder 4"/>
-          <p:cNvSpPr>
-            <a:spLocks noGrp="1"/>
-          </p:cNvSpPr>
-          <p:nvPr>
-            <p:ph type="ftr" sz="quarter" idx="3"/>
+          <p:cNvPr id="6" name="Slide Number Placeholder 5"/>
+          <p:cNvSpPr>
+            <a:spLocks noGrp="1"/>
+          </p:cNvSpPr>
+          <p:nvPr>
+            <p:ph type="sldNum" sz="quarter" idx="4"/>
           </p:nvPr>
         </p:nvSpPr>
         <p:spPr>
           <a:xfrm>
-            <a:off x="1451579" y="329307"/>
-            <a:ext cx="5626774" cy="309201"/>
+            <a:off x="10353901" y="5969000"/>
+            <a:ext cx="542697" cy="279400"/>
           </a:xfrm>
           <a:prstGeom prst="rect">
             <a:avLst/>
@@ -2764,48 +5402,13 @@
         <p:txBody>
           <a:bodyPr vert="horz" lIns="91440" tIns="45720" rIns="91440" bIns="45720" rtlCol="0" anchor="ctr"/>
           <a:lstStyle>
-            <a:lvl1pPr algn="l">
-              <a:defRPr sz="1000">
-                <a:solidFill>
-                  <a:schemeClr val="tx1">
-                    <a:tint val="75000"/>
-                  </a:schemeClr>
-                </a:solidFill>
-              </a:defRPr>
-            </a:lvl1pPr>
-          </a:lstStyle>
-          <a:p>
-            <a:endParaRPr lang="en-US"/>
-          </a:p>
-        </p:txBody>
-      </p:sp>
-      <p:sp>
-        <p:nvSpPr>
-          <p:cNvPr id="6" name="Slide Number Placeholder 5"/>
-          <p:cNvSpPr>
-            <a:spLocks noGrp="1"/>
-          </p:cNvSpPr>
-          <p:nvPr>
-            <p:ph type="sldNum" sz="quarter" idx="4"/>
-          </p:nvPr>
-        </p:nvSpPr>
-        <p:spPr>
-          <a:xfrm>
-            <a:off x="480060" y="798973"/>
-            <a:ext cx="811019" cy="503578"/>
-          </a:xfrm>
-          <a:prstGeom prst="rect">
-            <a:avLst/>
-          </a:prstGeom>
-        </p:spPr>
-        <p:txBody>
-          <a:bodyPr vert="horz" lIns="91440" tIns="45720" rIns="91440" bIns="45720" rtlCol="0" anchor="t"/>
-          <a:lstStyle>
             <a:lvl1pPr algn="r">
-              <a:defRPr sz="2800">
-                <a:solidFill>
-                  <a:schemeClr val="accent1"/>
-                </a:solidFill>
+              <a:defRPr sz="1000" b="0" i="0">
+                <a:solidFill>
+                  <a:schemeClr val="tx1"/>
+                </a:solidFill>
+                <a:effectLst/>
+                <a:latin typeface="+mn-lt"/>
               </a:defRPr>
             </a:lvl1pPr>
           </a:lstStyle>
@@ -2818,157 +5421,49 @@
           </a:p>
         </p:txBody>
       </p:sp>
-      <p:sp>
-        <p:nvSpPr>
-          <p:cNvPr id="9" name="Rectangle 8"/>
-          <p:cNvSpPr/>
-          <p:nvPr/>
-        </p:nvSpPr>
-        <p:spPr>
-          <a:xfrm>
-            <a:off x="0" y="3622291"/>
-            <a:ext cx="12192000" cy="2505984"/>
-          </a:xfrm>
-          <a:prstGeom prst="rect">
-            <a:avLst/>
-          </a:prstGeom>
-          <a:gradFill flip="none" rotWithShape="1">
-            <a:gsLst>
-              <a:gs pos="0">
-                <a:schemeClr val="bg2">
-                  <a:alpha val="0"/>
-                </a:schemeClr>
-              </a:gs>
-              <a:gs pos="100000">
-                <a:schemeClr val="bg2">
-                  <a:alpha val="80000"/>
-                </a:schemeClr>
-              </a:gs>
-            </a:gsLst>
-            <a:lin ang="5400000" scaled="0"/>
-            <a:tileRect/>
-          </a:gradFill>
-          <a:ln>
-            <a:noFill/>
-          </a:ln>
-        </p:spPr>
-        <p:style>
-          <a:lnRef idx="2">
-            <a:schemeClr val="accent1">
-              <a:shade val="50000"/>
-            </a:schemeClr>
-          </a:lnRef>
-          <a:fillRef idx="1">
-            <a:schemeClr val="accent1"/>
-          </a:fillRef>
-          <a:effectRef idx="0">
-            <a:schemeClr val="accent1"/>
-          </a:effectRef>
-          <a:fontRef idx="minor">
-            <a:schemeClr val="lt1"/>
-          </a:fontRef>
-        </p:style>
-      </p:sp>
-      <p:pic>
-        <p:nvPicPr>
-          <p:cNvPr id="10" name="Picture 9"/>
-          <p:cNvPicPr>
-            <a:picLocks noChangeAspect="1"/>
-          </p:cNvPicPr>
-          <p:nvPr/>
-        </p:nvPicPr>
-        <p:blipFill rotWithShape="1">
-          <a:blip r:embed="rId13">
-            <a:extLst>
-              <a:ext uri="{28A0092B-C50C-407E-A947-70E740481C1C}">
-                <a14:useLocalDpi xmlns:a14="http://schemas.microsoft.com/office/drawing/2010/main" val="0"/>
-              </a:ext>
-            </a:extLst>
-          </a:blip>
-          <a:srcRect t="1538" b="-1538"/>
-          <a:stretch/>
-        </p:blipFill>
-        <p:spPr>
-          <a:xfrm>
-            <a:off x="0" y="6129338"/>
-            <a:ext cx="12192000" cy="742950"/>
-          </a:xfrm>
-          <a:prstGeom prst="rect">
-            <a:avLst/>
-          </a:prstGeom>
-        </p:spPr>
-      </p:pic>
-      <p:cxnSp>
-        <p:nvCxnSpPr>
-          <p:cNvPr id="12" name="Straight Connector 11"/>
-          <p:cNvCxnSpPr/>
-          <p:nvPr/>
-        </p:nvCxnSpPr>
-        <p:spPr>
-          <a:xfrm>
-            <a:off x="0" y="6138142"/>
-            <a:ext cx="12192000" cy="0"/>
-          </a:xfrm>
-          <a:prstGeom prst="line">
-            <a:avLst/>
-          </a:prstGeom>
-          <a:ln w="12700">
-            <a:solidFill>
-              <a:srgbClr val="000001">
-                <a:alpha val="20000"/>
-              </a:srgbClr>
-            </a:solidFill>
-          </a:ln>
-        </p:spPr>
-        <p:style>
-          <a:lnRef idx="1">
-            <a:schemeClr val="accent1"/>
-          </a:lnRef>
-          <a:fillRef idx="0">
-            <a:schemeClr val="accent1"/>
-          </a:fillRef>
-          <a:effectRef idx="0">
-            <a:schemeClr val="accent1"/>
-          </a:effectRef>
-          <a:fontRef idx="minor">
-            <a:schemeClr val="tx1"/>
-          </a:fontRef>
-        </p:style>
-      </p:cxnSp>
     </p:spTree>
     <p:extLst>
       <p:ext uri="{BB962C8B-B14F-4D97-AF65-F5344CB8AC3E}">
-        <p14:creationId xmlns:p14="http://schemas.microsoft.com/office/powerpoint/2010/main" val="4125014735"/>
+        <p14:creationId xmlns:p14="http://schemas.microsoft.com/office/powerpoint/2010/main" val="886528092"/>
       </p:ext>
     </p:extLst>
   </p:cSld>
-  <p:clrMap bg1="dk1" tx1="lt1" bg2="dk2" tx2="lt2" accent1="accent1" accent2="accent2" accent3="accent3" accent4="accent4" accent5="accent5" accent6="accent6" hlink="hlink" folHlink="folHlink"/>
+  <p:clrMap bg1="lt1" tx1="dk1" bg2="lt2" tx2="dk2" accent1="accent1" accent2="accent2" accent3="accent3" accent4="accent4" accent5="accent5" accent6="accent6" hlink="hlink" folHlink="folHlink"/>
   <p:sldLayoutIdLst>
-    <p:sldLayoutId id="2147483851" r:id="rId1"/>
-    <p:sldLayoutId id="2147483852" r:id="rId2"/>
-    <p:sldLayoutId id="2147483853" r:id="rId3"/>
-    <p:sldLayoutId id="2147483854" r:id="rId4"/>
-    <p:sldLayoutId id="2147483855" r:id="rId5"/>
-    <p:sldLayoutId id="2147483856" r:id="rId6"/>
-    <p:sldLayoutId id="2147483857" r:id="rId7"/>
-    <p:sldLayoutId id="2147483858" r:id="rId8"/>
-    <p:sldLayoutId id="2147483859" r:id="rId9"/>
-    <p:sldLayoutId id="2147483860" r:id="rId10"/>
-    <p:sldLayoutId id="2147483861" r:id="rId11"/>
+    <p:sldLayoutId id="2147483940" r:id="rId1"/>
+    <p:sldLayoutId id="2147483941" r:id="rId2"/>
+    <p:sldLayoutId id="2147483942" r:id="rId3"/>
+    <p:sldLayoutId id="2147483943" r:id="rId4"/>
+    <p:sldLayoutId id="2147483944" r:id="rId5"/>
+    <p:sldLayoutId id="2147483945" r:id="rId6"/>
+    <p:sldLayoutId id="2147483946" r:id="rId7"/>
+    <p:sldLayoutId id="2147483947" r:id="rId8"/>
+    <p:sldLayoutId id="2147483948" r:id="rId9"/>
+    <p:sldLayoutId id="2147483949" r:id="rId10"/>
+    <p:sldLayoutId id="2147483950" r:id="rId11"/>
+    <p:sldLayoutId id="2147483951" r:id="rId12"/>
+    <p:sldLayoutId id="2147483952" r:id="rId13"/>
+    <p:sldLayoutId id="2147483953" r:id="rId14"/>
+    <p:sldLayoutId id="2147483954" r:id="rId15"/>
+    <p:sldLayoutId id="2147483955" r:id="rId16"/>
+    <p:sldLayoutId id="2147483956" r:id="rId17"/>
   </p:sldLayoutIdLst>
   <p:txStyles>
     <p:titleStyle>
-      <a:lvl1pPr algn="ctr" defTabSz="914400" rtl="0" eaLnBrk="1" latinLnBrk="0" hangingPunct="1">
-        <a:lnSpc>
-          <a:spcPct val="90000"/>
-        </a:lnSpc>
+      <a:lvl1pPr algn="ctr" defTabSz="457200" rtl="0" eaLnBrk="1" latinLnBrk="0" hangingPunct="1">
         <a:spcBef>
           <a:spcPct val="0"/>
         </a:spcBef>
         <a:buNone/>
-        <a:defRPr sz="3200" b="0" i="0" kern="1200" cap="all">
+        <a:defRPr sz="4400" kern="1200" cap="none">
+          <a:ln w="3175" cmpd="sng">
+            <a:noFill/>
+          </a:ln>
           <a:solidFill>
-            <a:schemeClr val="accent1"/>
+            <a:schemeClr val="tx1">
+              <a:lumMod val="85000"/>
+              <a:lumOff val="15000"/>
+            </a:schemeClr>
           </a:solidFill>
           <a:effectLst/>
           <a:latin typeface="+mj-lt"/>
@@ -2976,24 +5471,83 @@
           <a:cs typeface="+mj-cs"/>
         </a:defRPr>
       </a:lvl1pPr>
+      <a:lvl2pPr eaLnBrk="1" hangingPunct="1">
+        <a:defRPr>
+          <a:solidFill>
+            <a:schemeClr val="tx2"/>
+          </a:solidFill>
+        </a:defRPr>
+      </a:lvl2pPr>
+      <a:lvl3pPr eaLnBrk="1" hangingPunct="1">
+        <a:defRPr>
+          <a:solidFill>
+            <a:schemeClr val="tx2"/>
+          </a:solidFill>
+        </a:defRPr>
+      </a:lvl3pPr>
+      <a:lvl4pPr eaLnBrk="1" hangingPunct="1">
+        <a:defRPr>
+          <a:solidFill>
+            <a:schemeClr val="tx2"/>
+          </a:solidFill>
+        </a:defRPr>
+      </a:lvl4pPr>
+      <a:lvl5pPr eaLnBrk="1" hangingPunct="1">
+        <a:defRPr>
+          <a:solidFill>
+            <a:schemeClr val="tx2"/>
+          </a:solidFill>
+        </a:defRPr>
+      </a:lvl5pPr>
+      <a:lvl6pPr eaLnBrk="1" hangingPunct="1">
+        <a:defRPr>
+          <a:solidFill>
+            <a:schemeClr val="tx2"/>
+          </a:solidFill>
+        </a:defRPr>
+      </a:lvl6pPr>
+      <a:lvl7pPr eaLnBrk="1" hangingPunct="1">
+        <a:defRPr>
+          <a:solidFill>
+            <a:schemeClr val="tx2"/>
+          </a:solidFill>
+        </a:defRPr>
+      </a:lvl7pPr>
+      <a:lvl8pPr eaLnBrk="1" hangingPunct="1">
+        <a:defRPr>
+          <a:solidFill>
+            <a:schemeClr val="tx2"/>
+          </a:solidFill>
+        </a:defRPr>
+      </a:lvl8pPr>
+      <a:lvl9pPr eaLnBrk="1" hangingPunct="1">
+        <a:defRPr>
+          <a:solidFill>
+            <a:schemeClr val="tx2"/>
+          </a:solidFill>
+        </a:defRPr>
+      </a:lvl9pPr>
     </p:titleStyle>
     <p:bodyStyle>
-      <a:lvl1pPr marL="228600" indent="-228600" algn="l" defTabSz="914400" rtl="0" eaLnBrk="1" latinLnBrk="0" hangingPunct="1">
-        <a:lnSpc>
-          <a:spcPct val="120000"/>
-        </a:lnSpc>
+      <a:lvl1pPr marL="285750" indent="-285750" algn="l" defTabSz="457200" rtl="0" eaLnBrk="1" latinLnBrk="0" hangingPunct="1">
         <a:spcBef>
-          <a:spcPts val="1000"/>
+          <a:spcPct val="20000"/>
         </a:spcBef>
+        <a:spcAft>
+          <a:spcPts val="600"/>
+        </a:spcAft>
         <a:buClr>
           <a:schemeClr val="accent1"/>
         </a:buClr>
-        <a:buSzPct val="100000"/>
-        <a:buFont typeface="Arial" panose="020B0604020202020204" pitchFamily="34" charset="0"/>
+        <a:buSzPct val="115000"/>
+        <a:buFont typeface="Arial"/>
         <a:buChar char="•"/>
-        <a:defRPr sz="2000" kern="1200">
+        <a:defRPr sz="2400" kern="1200" cap="none">
           <a:solidFill>
-            <a:schemeClr val="tx1"/>
+            <a:schemeClr val="tx1">
+              <a:lumMod val="85000"/>
+              <a:lumOff val="15000"/>
+            </a:schemeClr>
           </a:solidFill>
           <a:effectLst/>
           <a:latin typeface="+mn-lt"/>
@@ -3001,22 +5555,25 @@
           <a:cs typeface="+mn-cs"/>
         </a:defRPr>
       </a:lvl1pPr>
-      <a:lvl2pPr marL="685800" indent="-228600" algn="l" defTabSz="914400" rtl="0" eaLnBrk="1" latinLnBrk="0" hangingPunct="1">
-        <a:lnSpc>
-          <a:spcPct val="120000"/>
-        </a:lnSpc>
+      <a:lvl2pPr marL="742950" indent="-285750" algn="l" defTabSz="457200" rtl="0" eaLnBrk="1" latinLnBrk="0" hangingPunct="1">
         <a:spcBef>
-          <a:spcPts val="500"/>
+          <a:spcPct val="20000"/>
         </a:spcBef>
+        <a:spcAft>
+          <a:spcPts val="600"/>
+        </a:spcAft>
         <a:buClr>
           <a:schemeClr val="accent1"/>
         </a:buClr>
-        <a:buSzPct val="100000"/>
-        <a:buFont typeface="Arial" panose="020B0604020202020204" pitchFamily="34" charset="0"/>
+        <a:buSzPct val="115000"/>
+        <a:buFont typeface="Arial"/>
         <a:buChar char="•"/>
-        <a:defRPr sz="1800" kern="1200" cap="none" baseline="0">
+        <a:defRPr sz="2000" kern="1200" cap="none">
           <a:solidFill>
-            <a:schemeClr val="tx1"/>
+            <a:schemeClr val="tx1">
+              <a:lumMod val="85000"/>
+              <a:lumOff val="15000"/>
+            </a:schemeClr>
           </a:solidFill>
           <a:effectLst/>
           <a:latin typeface="+mn-lt"/>
@@ -3024,22 +5581,25 @@
           <a:cs typeface="+mn-cs"/>
         </a:defRPr>
       </a:lvl2pPr>
-      <a:lvl3pPr marL="1143000" indent="-228600" algn="l" defTabSz="914400" rtl="0" eaLnBrk="1" latinLnBrk="0" hangingPunct="1">
-        <a:lnSpc>
-          <a:spcPct val="120000"/>
-        </a:lnSpc>
+      <a:lvl3pPr marL="1200150" indent="-285750" algn="l" defTabSz="457200" rtl="0" eaLnBrk="1" latinLnBrk="0" hangingPunct="1">
         <a:spcBef>
-          <a:spcPts val="500"/>
+          <a:spcPct val="20000"/>
         </a:spcBef>
+        <a:spcAft>
+          <a:spcPts val="600"/>
+        </a:spcAft>
         <a:buClr>
           <a:schemeClr val="accent1"/>
         </a:buClr>
-        <a:buSzPct val="100000"/>
-        <a:buFont typeface="Arial" panose="020B0604020202020204" pitchFamily="34" charset="0"/>
+        <a:buSzPct val="115000"/>
+        <a:buFont typeface="Arial"/>
         <a:buChar char="•"/>
-        <a:defRPr sz="1600" kern="1200">
+        <a:defRPr sz="1800" kern="1200" cap="none">
           <a:solidFill>
-            <a:schemeClr val="tx1"/>
+            <a:schemeClr val="tx1">
+              <a:lumMod val="85000"/>
+              <a:lumOff val="15000"/>
+            </a:schemeClr>
           </a:solidFill>
           <a:effectLst/>
           <a:latin typeface="+mn-lt"/>
@@ -3047,22 +5607,25 @@
           <a:cs typeface="+mn-cs"/>
         </a:defRPr>
       </a:lvl3pPr>
-      <a:lvl4pPr marL="1600200" indent="-228600" algn="l" defTabSz="914400" rtl="0" eaLnBrk="1" latinLnBrk="0" hangingPunct="1">
-        <a:lnSpc>
-          <a:spcPct val="120000"/>
-        </a:lnSpc>
+      <a:lvl4pPr marL="1543050" indent="-171450" algn="l" defTabSz="457200" rtl="0" eaLnBrk="1" latinLnBrk="0" hangingPunct="1">
         <a:spcBef>
-          <a:spcPts val="500"/>
+          <a:spcPct val="20000"/>
         </a:spcBef>
+        <a:spcAft>
+          <a:spcPts val="600"/>
+        </a:spcAft>
         <a:buClr>
           <a:schemeClr val="accent1"/>
         </a:buClr>
-        <a:buSzPct val="100000"/>
-        <a:buFont typeface="Arial" panose="020B0604020202020204" pitchFamily="34" charset="0"/>
+        <a:buSzPct val="115000"/>
+        <a:buFont typeface="Arial"/>
         <a:buChar char="•"/>
-        <a:defRPr sz="1400" kern="1200" cap="none" baseline="0">
+        <a:defRPr sz="1600" kern="1200" cap="none">
           <a:solidFill>
-            <a:schemeClr val="tx1"/>
+            <a:schemeClr val="tx1">
+              <a:lumMod val="85000"/>
+              <a:lumOff val="15000"/>
+            </a:schemeClr>
           </a:solidFill>
           <a:effectLst/>
           <a:latin typeface="+mn-lt"/>
@@ -3070,22 +5633,25 @@
           <a:cs typeface="+mn-cs"/>
         </a:defRPr>
       </a:lvl4pPr>
-      <a:lvl5pPr marL="2057400" indent="-228600" algn="l" defTabSz="914400" rtl="0" eaLnBrk="1" latinLnBrk="0" hangingPunct="1">
-        <a:lnSpc>
-          <a:spcPct val="120000"/>
-        </a:lnSpc>
+      <a:lvl5pPr marL="2000250" indent="-171450" algn="l" defTabSz="457200" rtl="0" eaLnBrk="1" latinLnBrk="0" hangingPunct="1">
         <a:spcBef>
-          <a:spcPts val="500"/>
+          <a:spcPct val="20000"/>
         </a:spcBef>
+        <a:spcAft>
+          <a:spcPts val="600"/>
+        </a:spcAft>
         <a:buClr>
           <a:schemeClr val="accent1"/>
         </a:buClr>
-        <a:buSzPct val="100000"/>
-        <a:buFont typeface="Arial" panose="020B0604020202020204" pitchFamily="34" charset="0"/>
+        <a:buSzPct val="115000"/>
+        <a:buFont typeface="Arial"/>
         <a:buChar char="•"/>
-        <a:defRPr sz="1200" kern="1200">
+        <a:defRPr sz="1400" kern="1200" cap="none">
           <a:solidFill>
-            <a:schemeClr val="tx1"/>
+            <a:schemeClr val="tx1">
+              <a:lumMod val="85000"/>
+              <a:lumOff val="15000"/>
+            </a:schemeClr>
           </a:solidFill>
           <a:effectLst/>
           <a:latin typeface="+mn-lt"/>
@@ -3093,22 +5659,25 @@
           <a:cs typeface="+mn-cs"/>
         </a:defRPr>
       </a:lvl5pPr>
-      <a:lvl6pPr marL="2514600" indent="-228600" algn="l" defTabSz="914400" rtl="0" eaLnBrk="1" latinLnBrk="0" hangingPunct="1">
-        <a:lnSpc>
-          <a:spcPct val="120000"/>
-        </a:lnSpc>
+      <a:lvl6pPr marL="2514600" indent="-228600" algn="l" defTabSz="457200" rtl="0" eaLnBrk="1" latinLnBrk="0" hangingPunct="1">
         <a:spcBef>
-          <a:spcPts val="500"/>
+          <a:spcPct val="20000"/>
         </a:spcBef>
+        <a:spcAft>
+          <a:spcPts val="600"/>
+        </a:spcAft>
         <a:buClr>
           <a:schemeClr val="accent1"/>
         </a:buClr>
-        <a:buSzPct val="100000"/>
-        <a:buFont typeface="Arial" panose="020B0604020202020204" pitchFamily="34" charset="0"/>
+        <a:buSzPct val="115000"/>
+        <a:buFont typeface="Arial"/>
         <a:buChar char="•"/>
-        <a:defRPr sz="1200" kern="1200">
+        <a:defRPr sz="1400" kern="1200" cap="none">
           <a:solidFill>
-            <a:schemeClr val="tx1"/>
+            <a:schemeClr val="tx1">
+              <a:lumMod val="85000"/>
+              <a:lumOff val="15000"/>
+            </a:schemeClr>
           </a:solidFill>
           <a:effectLst/>
           <a:latin typeface="+mn-lt"/>
@@ -3116,22 +5685,25 @@
           <a:cs typeface="+mn-cs"/>
         </a:defRPr>
       </a:lvl6pPr>
-      <a:lvl7pPr marL="2971800" indent="-228600" algn="l" defTabSz="914400" rtl="0" eaLnBrk="1" latinLnBrk="0" hangingPunct="1">
-        <a:lnSpc>
-          <a:spcPct val="120000"/>
-        </a:lnSpc>
+      <a:lvl7pPr marL="2971800" indent="-228600" algn="l" defTabSz="457200" rtl="0" eaLnBrk="1" latinLnBrk="0" hangingPunct="1">
         <a:spcBef>
-          <a:spcPts val="500"/>
+          <a:spcPct val="20000"/>
         </a:spcBef>
+        <a:spcAft>
+          <a:spcPts val="600"/>
+        </a:spcAft>
         <a:buClr>
           <a:schemeClr val="accent1"/>
         </a:buClr>
-        <a:buSzPct val="100000"/>
-        <a:buFont typeface="Arial" panose="020B0604020202020204" pitchFamily="34" charset="0"/>
+        <a:buSzPct val="115000"/>
+        <a:buFont typeface="Arial"/>
         <a:buChar char="•"/>
-        <a:defRPr sz="1200" kern="1200">
+        <a:defRPr sz="1400" kern="1200" cap="none">
           <a:solidFill>
-            <a:schemeClr val="tx1"/>
+            <a:schemeClr val="tx1">
+              <a:lumMod val="85000"/>
+              <a:lumOff val="15000"/>
+            </a:schemeClr>
           </a:solidFill>
           <a:effectLst/>
           <a:latin typeface="+mn-lt"/>
@@ -3139,22 +5711,25 @@
           <a:cs typeface="+mn-cs"/>
         </a:defRPr>
       </a:lvl7pPr>
-      <a:lvl8pPr marL="3429000" indent="-228600" algn="l" defTabSz="914400" rtl="0" eaLnBrk="1" latinLnBrk="0" hangingPunct="1">
-        <a:lnSpc>
-          <a:spcPct val="120000"/>
-        </a:lnSpc>
+      <a:lvl8pPr marL="3429000" indent="-228600" algn="l" defTabSz="457200" rtl="0" eaLnBrk="1" latinLnBrk="0" hangingPunct="1">
         <a:spcBef>
-          <a:spcPts val="500"/>
+          <a:spcPct val="20000"/>
         </a:spcBef>
+        <a:spcAft>
+          <a:spcPts val="600"/>
+        </a:spcAft>
         <a:buClr>
           <a:schemeClr val="accent1"/>
         </a:buClr>
-        <a:buSzPct val="100000"/>
-        <a:buFont typeface="Arial" panose="020B0604020202020204" pitchFamily="34" charset="0"/>
+        <a:buSzPct val="115000"/>
+        <a:buFont typeface="Arial"/>
         <a:buChar char="•"/>
-        <a:defRPr sz="1200" kern="1200" baseline="0">
+        <a:defRPr sz="1400" kern="1200" cap="none">
           <a:solidFill>
-            <a:schemeClr val="tx1"/>
+            <a:schemeClr val="tx1">
+              <a:lumMod val="85000"/>
+              <a:lumOff val="15000"/>
+            </a:schemeClr>
           </a:solidFill>
           <a:effectLst/>
           <a:latin typeface="+mn-lt"/>
@@ -3162,22 +5737,25 @@
           <a:cs typeface="+mn-cs"/>
         </a:defRPr>
       </a:lvl8pPr>
-      <a:lvl9pPr marL="3886200" indent="-228600" algn="l" defTabSz="914400" rtl="0" eaLnBrk="1" latinLnBrk="0" hangingPunct="1">
-        <a:lnSpc>
-          <a:spcPct val="120000"/>
-        </a:lnSpc>
+      <a:lvl9pPr marL="3886200" indent="-228600" algn="l" defTabSz="457200" rtl="0" eaLnBrk="1" latinLnBrk="0" hangingPunct="1">
         <a:spcBef>
-          <a:spcPts val="500"/>
+          <a:spcPct val="20000"/>
         </a:spcBef>
+        <a:spcAft>
+          <a:spcPts val="600"/>
+        </a:spcAft>
         <a:buClr>
           <a:schemeClr val="accent1"/>
         </a:buClr>
-        <a:buSzPct val="100000"/>
-        <a:buFont typeface="Arial" panose="020B0604020202020204" pitchFamily="34" charset="0"/>
+        <a:buSzPct val="115000"/>
+        <a:buFont typeface="Arial"/>
         <a:buChar char="•"/>
-        <a:defRPr sz="1200" kern="1200" baseline="0">
+        <a:defRPr sz="1400" kern="1200" cap="none">
           <a:solidFill>
-            <a:schemeClr val="tx1"/>
+            <a:schemeClr val="tx1">
+              <a:lumMod val="85000"/>
+              <a:lumOff val="15000"/>
+            </a:schemeClr>
           </a:solidFill>
           <a:effectLst/>
           <a:latin typeface="+mn-lt"/>
@@ -3190,7 +5768,7 @@
       <a:defPPr>
         <a:defRPr lang="en-US"/>
       </a:defPPr>
-      <a:lvl1pPr marL="0" algn="l" defTabSz="914400" rtl="0" eaLnBrk="1" latinLnBrk="0" hangingPunct="1">
+      <a:lvl1pPr marL="0" algn="l" defTabSz="457200" rtl="0" eaLnBrk="1" latinLnBrk="0" hangingPunct="1">
         <a:defRPr sz="1800" kern="1200">
           <a:solidFill>
             <a:schemeClr val="tx1"/>
@@ -3200,7 +5778,7 @@
           <a:cs typeface="+mn-cs"/>
         </a:defRPr>
       </a:lvl1pPr>
-      <a:lvl2pPr marL="457200" algn="l" defTabSz="914400" rtl="0" eaLnBrk="1" latinLnBrk="0" hangingPunct="1">
+      <a:lvl2pPr marL="457200" algn="l" defTabSz="457200" rtl="0" eaLnBrk="1" latinLnBrk="0" hangingPunct="1">
         <a:defRPr sz="1800" kern="1200">
           <a:solidFill>
             <a:schemeClr val="tx1"/>
@@ -3210,7 +5788,7 @@
           <a:cs typeface="+mn-cs"/>
         </a:defRPr>
       </a:lvl2pPr>
-      <a:lvl3pPr marL="914400" algn="l" defTabSz="914400" rtl="0" eaLnBrk="1" latinLnBrk="0" hangingPunct="1">
+      <a:lvl3pPr marL="914400" algn="l" defTabSz="457200" rtl="0" eaLnBrk="1" latinLnBrk="0" hangingPunct="1">
         <a:defRPr sz="1800" kern="1200">
           <a:solidFill>
             <a:schemeClr val="tx1"/>
@@ -3220,7 +5798,7 @@
           <a:cs typeface="+mn-cs"/>
         </a:defRPr>
       </a:lvl3pPr>
-      <a:lvl4pPr marL="1371600" algn="l" defTabSz="914400" rtl="0" eaLnBrk="1" latinLnBrk="0" hangingPunct="1">
+      <a:lvl4pPr marL="1371600" algn="l" defTabSz="457200" rtl="0" eaLnBrk="1" latinLnBrk="0" hangingPunct="1">
         <a:defRPr sz="1800" kern="1200">
           <a:solidFill>
             <a:schemeClr val="tx1"/>
@@ -3230,7 +5808,7 @@
           <a:cs typeface="+mn-cs"/>
         </a:defRPr>
       </a:lvl4pPr>
-      <a:lvl5pPr marL="1828800" algn="l" defTabSz="914400" rtl="0" eaLnBrk="1" latinLnBrk="0" hangingPunct="1">
+      <a:lvl5pPr marL="1828800" algn="l" defTabSz="457200" rtl="0" eaLnBrk="1" latinLnBrk="0" hangingPunct="1">
         <a:defRPr sz="1800" kern="1200">
           <a:solidFill>
             <a:schemeClr val="tx1"/>
@@ -3240,7 +5818,7 @@
           <a:cs typeface="+mn-cs"/>
         </a:defRPr>
       </a:lvl5pPr>
-      <a:lvl6pPr marL="2286000" algn="l" defTabSz="914400" rtl="0" eaLnBrk="1" latinLnBrk="0" hangingPunct="1">
+      <a:lvl6pPr marL="2286000" algn="l" defTabSz="457200" rtl="0" eaLnBrk="1" latinLnBrk="0" hangingPunct="1">
         <a:defRPr sz="1800" kern="1200">
           <a:solidFill>
             <a:schemeClr val="tx1"/>
@@ -3250,7 +5828,7 @@
           <a:cs typeface="+mn-cs"/>
         </a:defRPr>
       </a:lvl6pPr>
-      <a:lvl7pPr marL="2743200" algn="l" defTabSz="914400" rtl="0" eaLnBrk="1" latinLnBrk="0" hangingPunct="1">
+      <a:lvl7pPr marL="2743200" algn="l" defTabSz="457200" rtl="0" eaLnBrk="1" latinLnBrk="0" hangingPunct="1">
         <a:defRPr sz="1800" kern="1200">
           <a:solidFill>
             <a:schemeClr val="tx1"/>
@@ -3260,7 +5838,7 @@
           <a:cs typeface="+mn-cs"/>
         </a:defRPr>
       </a:lvl7pPr>
-      <a:lvl8pPr marL="3200400" algn="l" defTabSz="914400" rtl="0" eaLnBrk="1" latinLnBrk="0" hangingPunct="1">
+      <a:lvl8pPr marL="3200400" algn="l" defTabSz="457200" rtl="0" eaLnBrk="1" latinLnBrk="0" hangingPunct="1">
         <a:defRPr sz="1800" kern="1200">
           <a:solidFill>
             <a:schemeClr val="tx1"/>
@@ -3270,7 +5848,7 @@
           <a:cs typeface="+mn-cs"/>
         </a:defRPr>
       </a:lvl8pPr>
-      <a:lvl9pPr marL="3657600" algn="l" defTabSz="914400" rtl="0" eaLnBrk="1" latinLnBrk="0" hangingPunct="1">
+      <a:lvl9pPr marL="3657600" algn="l" defTabSz="457200" rtl="0" eaLnBrk="1" latinLnBrk="0" hangingPunct="1">
         <a:defRPr sz="1800" kern="1200">
           <a:solidFill>
             <a:schemeClr val="tx1"/>
@@ -3320,8 +5898,8 @@
         </p:nvSpPr>
         <p:spPr>
           <a:xfrm>
-            <a:off x="1594483" y="1219200"/>
-            <a:ext cx="9003033" cy="1762577"/>
+            <a:off x="2450714" y="1796433"/>
+            <a:ext cx="7290572" cy="1190392"/>
           </a:xfrm>
         </p:spPr>
         <p:txBody>
@@ -3363,13 +5941,13 @@
         </p:nvSpPr>
         <p:spPr>
           <a:xfrm>
-            <a:off x="1683170" y="4057294"/>
-            <a:ext cx="8825658" cy="1276706"/>
+            <a:off x="2767502" y="3871176"/>
+            <a:ext cx="2241467" cy="1276706"/>
           </a:xfrm>
         </p:spPr>
         <p:txBody>
           <a:bodyPr>
-            <a:normAutofit fontScale="92500" lnSpcReduction="10000"/>
+            <a:normAutofit lnSpcReduction="10000"/>
           </a:bodyPr>
           <a:lstStyle/>
           <a:p>
@@ -3469,7 +6047,7 @@
         <p:spPr/>
         <p:txBody>
           <a:bodyPr>
-            <a:normAutofit fontScale="85000" lnSpcReduction="20000"/>
+            <a:normAutofit fontScale="70000" lnSpcReduction="20000"/>
           </a:bodyPr>
           <a:lstStyle/>
           <a:p>
@@ -3605,7 +6183,7 @@
           <p:cNvPr id="2" name="Title 1">
             <a:extLst>
               <a:ext uri="{FF2B5EF4-FFF2-40B4-BE49-F238E27FC236}">
-                <a16:creationId xmlns:a16="http://schemas.microsoft.com/office/drawing/2014/main" id="{9DC5B6CE-F5C8-7F96-D137-E12E0554F8F4}"/>
+                <a16:creationId xmlns:a16="http://schemas.microsoft.com/office/drawing/2014/main" id="{CB281194-0D3C-8F5D-D63E-03332E0D7287}"/>
               </a:ext>
             </a:extLst>
           </p:cNvPr>
@@ -3623,7 +6201,7 @@
           <a:p>
             <a:r>
               <a:rPr lang="en-US" dirty="0"/>
-              <a:t>Summary</a:t>
+              <a:t>Motivation</a:t>
             </a:r>
           </a:p>
         </p:txBody>
@@ -3633,7 +6211,7 @@
           <p:cNvPr id="3" name="Content Placeholder 2">
             <a:extLst>
               <a:ext uri="{FF2B5EF4-FFF2-40B4-BE49-F238E27FC236}">
-                <a16:creationId xmlns:a16="http://schemas.microsoft.com/office/drawing/2014/main" id="{D3D49E40-23BE-E476-A350-3A0FC7569885}"/>
+                <a16:creationId xmlns:a16="http://schemas.microsoft.com/office/drawing/2014/main" id="{22F6605D-5AB5-4813-D15A-FCDB54E960CB}"/>
               </a:ext>
             </a:extLst>
           </p:cNvPr>
@@ -3649,14 +6227,29 @@
           <a:bodyPr/>
           <a:lstStyle/>
           <a:p>
-            <a:endParaRPr lang="en-US"/>
+            <a:r>
+              <a:rPr lang="en-US" dirty="0"/>
+              <a:t>Rapid development of NLP technology, exemplified by ChatGPT.</a:t>
+            </a:r>
+          </a:p>
+          <a:p>
+            <a:r>
+              <a:rPr lang="en-US" dirty="0"/>
+              <a:t>Increased use in scholarly research sparks curiosity and alarm.</a:t>
+            </a:r>
+          </a:p>
+          <a:p>
+            <a:r>
+              <a:rPr lang="en-US" dirty="0"/>
+              <a:t>Research foundation: Understanding reasons for NLP use in academic work and awareness of consequences for scientific methods.</a:t>
+            </a:r>
           </a:p>
         </p:txBody>
       </p:sp>
     </p:spTree>
     <p:extLst>
       <p:ext uri="{BB962C8B-B14F-4D97-AF65-F5344CB8AC3E}">
-        <p14:creationId xmlns:p14="http://schemas.microsoft.com/office/powerpoint/2010/main" val="998012912"/>
+        <p14:creationId xmlns:p14="http://schemas.microsoft.com/office/powerpoint/2010/main" val="1147508319"/>
       </p:ext>
     </p:extLst>
   </p:cSld>
@@ -3688,7 +6281,7 @@
           <p:cNvPr id="2" name="Title 1">
             <a:extLst>
               <a:ext uri="{FF2B5EF4-FFF2-40B4-BE49-F238E27FC236}">
-                <a16:creationId xmlns:a16="http://schemas.microsoft.com/office/drawing/2014/main" id="{CB281194-0D3C-8F5D-D63E-03332E0D7287}"/>
+                <a16:creationId xmlns:a16="http://schemas.microsoft.com/office/drawing/2014/main" id="{9DC5B6CE-F5C8-7F96-D137-E12E0554F8F4}"/>
               </a:ext>
             </a:extLst>
           </p:cNvPr>
@@ -3706,7 +6299,7 @@
           <a:p>
             <a:r>
               <a:rPr lang="en-US" dirty="0"/>
-              <a:t>Motivation</a:t>
+              <a:t>Contribution</a:t>
             </a:r>
           </a:p>
         </p:txBody>
@@ -3716,7 +6309,7 @@
           <p:cNvPr id="3" name="Content Placeholder 2">
             <a:extLst>
               <a:ext uri="{FF2B5EF4-FFF2-40B4-BE49-F238E27FC236}">
-                <a16:creationId xmlns:a16="http://schemas.microsoft.com/office/drawing/2014/main" id="{22F6605D-5AB5-4813-D15A-FCDB54E960CB}"/>
+                <a16:creationId xmlns:a16="http://schemas.microsoft.com/office/drawing/2014/main" id="{D3D49E40-23BE-E476-A350-3A0FC7569885}"/>
               </a:ext>
             </a:extLst>
           </p:cNvPr>
@@ -3732,14 +6325,41 @@
           <a:bodyPr/>
           <a:lstStyle/>
           <a:p>
-            <a:endParaRPr lang="en-US"/>
+            <a:r>
+              <a:rPr lang="en-US" dirty="0"/>
+              <a:t>Critical examination of ChatGPT's role in academic research.</a:t>
+            </a:r>
+          </a:p>
+          <a:p>
+            <a:r>
+              <a:rPr lang="en-US" dirty="0"/>
+              <a:t>Emphasis on appropriate use and insights into benefits and drawbacks.</a:t>
+            </a:r>
+          </a:p>
+          <a:p>
+            <a:r>
+              <a:rPr lang="en-US" dirty="0"/>
+              <a:t>Concrete step: Suggestion for a plagiarism detector program.</a:t>
+            </a:r>
+          </a:p>
+          <a:p>
+            <a:r>
+              <a:rPr lang="en-US" dirty="0"/>
+              <a:t>Preservation of scientific research integrity.</a:t>
+            </a:r>
+          </a:p>
+          <a:p>
+            <a:r>
+              <a:rPr lang="en-US" dirty="0"/>
+              <a:t>Balance: Emphasis on both advantages and disadvantages of using LLMs.</a:t>
+            </a:r>
           </a:p>
         </p:txBody>
       </p:sp>
     </p:spTree>
     <p:extLst>
       <p:ext uri="{BB962C8B-B14F-4D97-AF65-F5344CB8AC3E}">
-        <p14:creationId xmlns:p14="http://schemas.microsoft.com/office/powerpoint/2010/main" val="1147508319"/>
+        <p14:creationId xmlns:p14="http://schemas.microsoft.com/office/powerpoint/2010/main" val="998012912"/>
       </p:ext>
     </p:extLst>
   </p:cSld>
@@ -3815,7 +6435,34 @@
           <a:bodyPr/>
           <a:lstStyle/>
           <a:p>
-            <a:endParaRPr lang="en-US"/>
+            <a:r>
+              <a:rPr lang="en-US" dirty="0"/>
+              <a:t>Comprehensive literature review.</a:t>
+            </a:r>
+          </a:p>
+          <a:p>
+            <a:r>
+              <a:rPr lang="en-US" dirty="0"/>
+              <a:t>Exploration of NLP technology evolution.</a:t>
+            </a:r>
+          </a:p>
+          <a:p>
+            <a:r>
+              <a:rPr lang="en-US" dirty="0"/>
+              <a:t>Case studies and analysis of ChatGPT's impact on various academic disciplines.</a:t>
+            </a:r>
+          </a:p>
+          <a:p>
+            <a:r>
+              <a:rPr lang="en-US" dirty="0"/>
+              <a:t>Integration of knowledge from various sources.</a:t>
+            </a:r>
+          </a:p>
+          <a:p>
+            <a:r>
+              <a:rPr lang="en-US" dirty="0"/>
+              <a:t>Balanced approach considering both advantages and disadvantages.</a:t>
+            </a:r>
           </a:p>
         </p:txBody>
       </p:sp>
@@ -3898,7 +6545,28 @@
           <a:bodyPr/>
           <a:lstStyle/>
           <a:p>
-            <a:endParaRPr lang="en-US"/>
+            <a:r>
+              <a:rPr lang="en-US" dirty="0"/>
+              <a:t>Nuanced approach to incorporating NLP tools into academic research.</a:t>
+            </a:r>
+          </a:p>
+          <a:p>
+            <a:r>
+              <a:rPr lang="en-US" dirty="0"/>
+              <a:t>Emphasis on ethical norms, openness, and academic integrity.</a:t>
+            </a:r>
+          </a:p>
+          <a:p>
+            <a:r>
+              <a:rPr lang="en-US" dirty="0"/>
+              <a:t>Acknowledgment of potential efficiency increase.</a:t>
+            </a:r>
+          </a:p>
+          <a:p>
+            <a:r>
+              <a:rPr lang="en-US" dirty="0"/>
+              <a:t>Suggested software for identifying LLM-generated content.</a:t>
+            </a:r>
           </a:p>
         </p:txBody>
       </p:sp>
@@ -3981,7 +6649,10 @@
           <a:bodyPr/>
           <a:lstStyle/>
           <a:p>
-            <a:endParaRPr lang="en-US"/>
+            <a:r>
+              <a:rPr lang="en-US" dirty="0"/>
+              <a:t>First Limitation</a:t>
+            </a:r>
           </a:p>
         </p:txBody>
       </p:sp>
@@ -4006,7 +6677,16 @@
           <a:bodyPr/>
           <a:lstStyle/>
           <a:p>
-            <a:endParaRPr lang="en-US" dirty="0"/>
+            <a:r>
+              <a:rPr lang="en-US" dirty="0"/>
+              <a:t>Challenge in staying current with rapidly evolving subjects like sports science.</a:t>
+            </a:r>
+          </a:p>
+          <a:p>
+            <a:r>
+              <a:rPr lang="en-US" dirty="0"/>
+              <a:t>ChatGPT's training data constraints (expire in September 2021).</a:t>
+            </a:r>
           </a:p>
         </p:txBody>
       </p:sp>
@@ -4031,7 +6711,10 @@
           <a:bodyPr/>
           <a:lstStyle/>
           <a:p>
-            <a:endParaRPr lang="en-US"/>
+            <a:r>
+              <a:rPr lang="en-US" dirty="0"/>
+              <a:t>Second Limitation</a:t>
+            </a:r>
           </a:p>
         </p:txBody>
       </p:sp>
@@ -4056,7 +6739,16 @@
           <a:bodyPr/>
           <a:lstStyle/>
           <a:p>
-            <a:endParaRPr lang="en-US"/>
+            <a:r>
+              <a:rPr lang="en-US" dirty="0"/>
+              <a:t>Difficulty presented by skewed or false information online.</a:t>
+            </a:r>
+          </a:p>
+          <a:p>
+            <a:r>
+              <a:rPr lang="en-US" dirty="0"/>
+              <a:t>Emphasis on the need to prioritize peer-reviewed material.</a:t>
+            </a:r>
           </a:p>
         </p:txBody>
       </p:sp>
@@ -4136,10 +6828,39 @@
         </p:nvSpPr>
         <p:spPr/>
         <p:txBody>
-          <a:bodyPr/>
-          <a:lstStyle/>
-          <a:p>
-            <a:endParaRPr lang="en-US" dirty="0"/>
+          <a:bodyPr>
+            <a:normAutofit fontScale="92500"/>
+          </a:bodyPr>
+          <a:lstStyle/>
+          <a:p>
+            <a:r>
+              <a:rPr lang="en-US" dirty="0"/>
+              <a:t>Sophisticated comprehension of NLP's function, especially ChatGPT, in scholarly research.</a:t>
+            </a:r>
+          </a:p>
+          <a:p>
+            <a:r>
+              <a:rPr lang="en-US" dirty="0"/>
+              <a:t>Acknowledgment of benefits in automation and efficiency.</a:t>
+            </a:r>
+          </a:p>
+          <a:p>
+            <a:r>
+              <a:rPr lang="en-US" dirty="0"/>
+              <a:t>Emphasis on responsibility, ethical considerations, and caution.</a:t>
+            </a:r>
+          </a:p>
+          <a:p>
+            <a:r>
+              <a:rPr lang="en-US" dirty="0"/>
+              <a:t>Suggested software as a useful step to mitigate hazards.</a:t>
+            </a:r>
+          </a:p>
+          <a:p>
+            <a:r>
+              <a:rPr lang="en-US" dirty="0"/>
+              <a:t>Urges cooperation between the scientific community, decision-makers, and the public for ethical and open NLP technology application in scholarly research.</a:t>
+            </a:r>
           </a:p>
         </p:txBody>
       </p:sp>
@@ -4173,6 +6894,103 @@
           <a:chExt cx="0" cy="0"/>
         </a:xfrm>
       </p:grpSpPr>
+      <p:sp>
+        <p:nvSpPr>
+          <p:cNvPr id="2" name="Title 1">
+            <a:extLst>
+              <a:ext uri="{FF2B5EF4-FFF2-40B4-BE49-F238E27FC236}">
+                <a16:creationId xmlns:a16="http://schemas.microsoft.com/office/drawing/2014/main" id="{FDC2BAF9-CD81-E0EF-B642-1724650B0AE5}"/>
+              </a:ext>
+            </a:extLst>
+          </p:cNvPr>
+          <p:cNvSpPr>
+            <a:spLocks noGrp="1"/>
+          </p:cNvSpPr>
+          <p:nvPr>
+            <p:ph type="title"/>
+          </p:nvPr>
+        </p:nvSpPr>
+        <p:spPr>
+          <a:xfrm>
+            <a:off x="1033822" y="3132779"/>
+            <a:ext cx="6241816" cy="592442"/>
+          </a:xfrm>
+        </p:spPr>
+        <p:txBody>
+          <a:bodyPr>
+            <a:noAutofit/>
+          </a:bodyPr>
+          <a:lstStyle/>
+          <a:p>
+            <a:r>
+              <a:rPr lang="en-US" sz="4400" dirty="0"/>
+              <a:t>Thank You!</a:t>
+            </a:r>
+          </a:p>
+        </p:txBody>
+      </p:sp>
+      <p:pic>
+        <p:nvPicPr>
+          <p:cNvPr id="12" name="Picture 11">
+            <a:extLst>
+              <a:ext uri="{FF2B5EF4-FFF2-40B4-BE49-F238E27FC236}">
+                <a16:creationId xmlns:a16="http://schemas.microsoft.com/office/drawing/2014/main" id="{A4A7A9C8-B573-D03D-743E-CAEB1C204EF3}"/>
+              </a:ext>
+            </a:extLst>
+          </p:cNvPr>
+          <p:cNvPicPr>
+            <a:picLocks noChangeAspect="1"/>
+          </p:cNvPicPr>
+          <p:nvPr/>
+        </p:nvPicPr>
+        <p:blipFill>
+          <a:blip r:embed="rId2">
+            <a:alphaModFix amt="86000"/>
+            <a:extLst>
+              <a:ext uri="{BEBA8EAE-BF5A-486C-A8C5-ECC9F3942E4B}">
+                <a14:imgProps xmlns:a14="http://schemas.microsoft.com/office/drawing/2010/main">
+                  <a14:imgLayer r:embed="rId3">
+                    <a14:imgEffect>
+                      <a14:colorTemperature colorTemp="11500"/>
+                    </a14:imgEffect>
+                    <a14:imgEffect>
+                      <a14:saturation sat="114000"/>
+                    </a14:imgEffect>
+                  </a14:imgLayer>
+                </a14:imgProps>
+              </a:ext>
+              <a:ext uri="{28A0092B-C50C-407E-A947-70E740481C1C}">
+                <a14:useLocalDpi xmlns:a14="http://schemas.microsoft.com/office/drawing/2010/main" val="0"/>
+              </a:ext>
+            </a:extLst>
+          </a:blip>
+          <a:stretch>
+            <a:fillRect/>
+          </a:stretch>
+        </p:blipFill>
+        <p:spPr>
+          <a:xfrm>
+            <a:off x="7445892" y="2005781"/>
+            <a:ext cx="2846438" cy="2846438"/>
+          </a:xfrm>
+          <a:prstGeom prst="rect">
+            <a:avLst/>
+          </a:prstGeom>
+          <a:effectLst>
+            <a:glow rad="254000">
+              <a:schemeClr val="accent1">
+                <a:alpha val="40000"/>
+              </a:schemeClr>
+            </a:glow>
+            <a:outerShdw blurRad="50800" dist="50800" dir="5400000" sx="1000" sy="1000" algn="ctr" rotWithShape="0">
+              <a:srgbClr val="000000">
+                <a:alpha val="43137"/>
+              </a:srgbClr>
+            </a:outerShdw>
+            <a:reflection endPos="0" dist="50800" dir="5400000" sy="-100000" algn="bl" rotWithShape="0"/>
+          </a:effectLst>
+        </p:spPr>
+      </p:pic>
     </p:spTree>
     <p:extLst>
       <p:ext uri="{BB962C8B-B14F-4D97-AF65-F5344CB8AC3E}">
@@ -4187,9 +7005,9 @@
 </file>
 
 <file path=ppt/theme/theme1.xml><?xml version="1.0" encoding="utf-8"?>
-<a:theme xmlns:a="http://schemas.openxmlformats.org/drawingml/2006/main" name="Gallery">
+<a:theme xmlns:a="http://schemas.openxmlformats.org/drawingml/2006/main" name="Organic">
   <a:themeElements>
-    <a:clrScheme name="Green Yellow">
+    <a:clrScheme name="Organic">
       <a:dk1>
         <a:sysClr val="windowText" lastClr="000000"/>
       </a:dk1>
@@ -4197,44 +7015,79 @@
         <a:sysClr val="window" lastClr="FFFFFF"/>
       </a:lt1>
       <a:dk2>
-        <a:srgbClr val="455F51"/>
+        <a:srgbClr val="212121"/>
       </a:dk2>
       <a:lt2>
-        <a:srgbClr val="E2DFCC"/>
+        <a:srgbClr val="DADADA"/>
       </a:lt2>
       <a:accent1>
-        <a:srgbClr val="99CB38"/>
+        <a:srgbClr val="83992A"/>
       </a:accent1>
       <a:accent2>
-        <a:srgbClr val="63A537"/>
+        <a:srgbClr val="3C9770"/>
       </a:accent2>
       <a:accent3>
-        <a:srgbClr val="37A76F"/>
+        <a:srgbClr val="44709D"/>
       </a:accent3>
       <a:accent4>
-        <a:srgbClr val="44C1A3"/>
+        <a:srgbClr val="A23C33"/>
       </a:accent4>
       <a:accent5>
-        <a:srgbClr val="4EB3CF"/>
+        <a:srgbClr val="D97828"/>
       </a:accent5>
       <a:accent6>
-        <a:srgbClr val="51C3F9"/>
+        <a:srgbClr val="DEB340"/>
       </a:accent6>
       <a:hlink>
-        <a:srgbClr val="EE7B08"/>
+        <a:srgbClr val="A8BF4D"/>
       </a:hlink>
       <a:folHlink>
-        <a:srgbClr val="977B2D"/>
+        <a:srgbClr val="B4CA80"/>
       </a:folHlink>
     </a:clrScheme>
-    <a:fontScheme name="Gallery">
+    <a:fontScheme name="Organic">
       <a:majorFont>
-        <a:latin typeface="Rockwell" panose="02060603020205020403"/>
+        <a:latin typeface="Garamond" panose="02020404030301010803"/>
         <a:ea typeface=""/>
         <a:cs typeface=""/>
-        <a:font script="Jpan" typeface="游ゴシック Light"/>
-        <a:font script="Hang" typeface="맑은 고딕"/>
-        <a:font script="Hans" typeface="等线 Light"/>
+        <a:font script="Jpan" typeface="ＭＳ Ｐゴシック"/>
+        <a:font script="Hang" typeface="돋움"/>
+        <a:font script="Hans" typeface="方正舒体"/>
+        <a:font script="Hant" typeface="微軟正黑體"/>
+        <a:font script="Arab" typeface="Arial"/>
+        <a:font script="Hebr" typeface="Arial"/>
+        <a:font script="Thai" typeface="Cordia New"/>
+        <a:font script="Ethi" typeface="Nyala"/>
+        <a:font script="Beng" typeface="Vrinda"/>
+        <a:font script="Gujr" typeface="Shruti"/>
+        <a:font script="Khmr" typeface="DaunPenh"/>
+        <a:font script="Knda" typeface="Tunga"/>
+        <a:font script="Guru" typeface="Raavi"/>
+        <a:font script="Cans" typeface="Euphemia"/>
+        <a:font script="Cher" typeface="Plantagenet Cherokee"/>
+        <a:font script="Yiii" typeface="Microsoft Yi Baiti"/>
+        <a:font script="Tibt" typeface="Microsoft Himalaya"/>
+        <a:font script="Thaa" typeface="MV Boli"/>
+        <a:font script="Deva" typeface="Mangal"/>
+        <a:font script="Telu" typeface="Gautami"/>
+        <a:font script="Taml" typeface="Latha"/>
+        <a:font script="Syrc" typeface="Estrangelo Edessa"/>
+        <a:font script="Orya" typeface="Kalinga"/>
+        <a:font script="Mlym" typeface="Kartika"/>
+        <a:font script="Laoo" typeface="DokChampa"/>
+        <a:font script="Sinh" typeface="Iskoola Pota"/>
+        <a:font script="Mong" typeface="Mongolian Baiti"/>
+        <a:font script="Viet" typeface="Arial"/>
+        <a:font script="Uigh" typeface="Microsoft Uighur"/>
+        <a:font script="Geor" typeface="Sylfaen"/>
+      </a:majorFont>
+      <a:minorFont>
+        <a:latin typeface="Garamond" panose="02020404030301010803"/>
+        <a:ea typeface=""/>
+        <a:cs typeface=""/>
+        <a:font script="Jpan" typeface="ＭＳ Ｐ明朝"/>
+        <a:font script="Hang" typeface="바탕"/>
+        <a:font script="Hans" typeface="方正舒体"/>
         <a:font script="Hant" typeface="新細明體"/>
         <a:font script="Arab" typeface="Times New Roman"/>
         <a:font script="Hebr" typeface="Times New Roman"/>
@@ -4262,44 +7115,9 @@
         <a:font script="Viet" typeface="Times New Roman"/>
         <a:font script="Uigh" typeface="Microsoft Uighur"/>
         <a:font script="Geor" typeface="Sylfaen"/>
-      </a:majorFont>
-      <a:minorFont>
-        <a:latin typeface="Rockwell" panose="02060603020205020403"/>
-        <a:ea typeface=""/>
-        <a:cs typeface=""/>
-        <a:font script="Jpan" typeface="游ゴシック"/>
-        <a:font script="Hang" typeface="맑은 고딕"/>
-        <a:font script="Hans" typeface="等线"/>
-        <a:font script="Hant" typeface="新細明體"/>
-        <a:font script="Arab" typeface="Arial"/>
-        <a:font script="Hebr" typeface="Arial"/>
-        <a:font script="Thai" typeface="Cordia New"/>
-        <a:font script="Ethi" typeface="Nyala"/>
-        <a:font script="Beng" typeface="Vrinda"/>
-        <a:font script="Gujr" typeface="Shruti"/>
-        <a:font script="Khmr" typeface="DaunPenh"/>
-        <a:font script="Knda" typeface="Tunga"/>
-        <a:font script="Guru" typeface="Raavi"/>
-        <a:font script="Cans" typeface="Euphemia"/>
-        <a:font script="Cher" typeface="Plantagenet Cherokee"/>
-        <a:font script="Yiii" typeface="Microsoft Yi Baiti"/>
-        <a:font script="Tibt" typeface="Microsoft Himalaya"/>
-        <a:font script="Thaa" typeface="MV Boli"/>
-        <a:font script="Deva" typeface="Mangal"/>
-        <a:font script="Telu" typeface="Gautami"/>
-        <a:font script="Taml" typeface="Latha"/>
-        <a:font script="Syrc" typeface="Estrangelo Edessa"/>
-        <a:font script="Orya" typeface="Kalinga"/>
-        <a:font script="Mlym" typeface="Kartika"/>
-        <a:font script="Laoo" typeface="DokChampa"/>
-        <a:font script="Sinh" typeface="Iskoola Pota"/>
-        <a:font script="Mong" typeface="Mongolian Baiti"/>
-        <a:font script="Viet" typeface="Arial"/>
-        <a:font script="Uigh" typeface="Microsoft Uighur"/>
-        <a:font script="Geor" typeface="Sylfaen"/>
       </a:minorFont>
     </a:fontScheme>
-    <a:fmtScheme name="Gallery">
+    <a:fmtScheme name="Organic">
       <a:fillStyleLst>
         <a:solidFill>
           <a:schemeClr val="phClr"/>
@@ -4308,49 +7126,35 @@
           <a:gsLst>
             <a:gs pos="0">
               <a:schemeClr val="phClr">
-                <a:tint val="54000"/>
-                <a:alpha val="100000"/>
-                <a:satMod val="105000"/>
+                <a:tint val="60000"/>
                 <a:lumMod val="110000"/>
               </a:schemeClr>
             </a:gs>
             <a:gs pos="100000">
               <a:schemeClr val="phClr">
-                <a:tint val="78000"/>
-                <a:alpha val="92000"/>
-                <a:satMod val="109000"/>
-                <a:lumMod val="100000"/>
+                <a:tint val="82000"/>
               </a:schemeClr>
             </a:gs>
           </a:gsLst>
           <a:lin ang="5400000" scaled="0"/>
         </a:gradFill>
-        <a:gradFill rotWithShape="1">
-          <a:gsLst>
-            <a:gs pos="0">
+        <a:blipFill>
+          <a:blip xmlns:r="http://schemas.openxmlformats.org/officeDocument/2006/relationships" r:embed="rId1">
+            <a:duotone>
               <a:schemeClr val="phClr">
-                <a:tint val="98000"/>
-                <a:satMod val="110000"/>
+                <a:shade val="74000"/>
+                <a:satMod val="130000"/>
+                <a:lumMod val="90000"/>
+              </a:schemeClr>
+              <a:schemeClr val="phClr">
+                <a:tint val="94000"/>
+                <a:satMod val="120000"/>
                 <a:lumMod val="104000"/>
               </a:schemeClr>
-            </a:gs>
-            <a:gs pos="69000">
-              <a:schemeClr val="phClr">
-                <a:shade val="88000"/>
-                <a:satMod val="130000"/>
-                <a:lumMod val="92000"/>
-              </a:schemeClr>
-            </a:gs>
-            <a:gs pos="100000">
-              <a:schemeClr val="phClr">
-                <a:shade val="78000"/>
-                <a:satMod val="130000"/>
-                <a:lumMod val="92000"/>
-              </a:schemeClr>
-            </a:gs>
-          </a:gsLst>
-          <a:lin ang="5400000" scaled="0"/>
-        </a:gradFill>
+            </a:duotone>
+          </a:blip>
+          <a:tile tx="0" ty="0" sx="100000" sy="100000" flip="none" algn="tl"/>
+        </a:blipFill>
       </a:fillStyleLst>
       <a:lnStyleLst>
         <a:ln w="9525" cap="flat" cmpd="sng" algn="ctr">
@@ -4365,7 +7169,7 @@
           </a:solidFill>
           <a:prstDash val="solid"/>
         </a:ln>
-        <a:ln w="22225" cap="flat" cmpd="sng" algn="ctr">
+        <a:ln w="25400" cap="flat" cmpd="sng" algn="ctr">
           <a:solidFill>
             <a:schemeClr val="phClr"/>
           </a:solidFill>
@@ -4377,33 +7181,25 @@
           <a:effectLst/>
         </a:effectStyle>
         <a:effectStyle>
-          <a:effectLst/>
+          <a:effectLst>
+            <a:innerShdw blurRad="25400" dist="12700" dir="13500000">
+              <a:srgbClr val="000000">
+                <a:alpha val="45000"/>
+              </a:srgbClr>
+            </a:innerShdw>
+          </a:effectLst>
         </a:effectStyle>
         <a:effectStyle>
           <a:effectLst>
-            <a:outerShdw blurRad="50800" dist="50800" dir="5400000" sx="96000" sy="96000" rotWithShape="0">
+            <a:outerShdw blurRad="38100" dist="25400" dir="5400000" rotWithShape="0">
               <a:srgbClr val="000000">
-                <a:alpha val="48000"/>
+                <a:alpha val="60000"/>
               </a:srgbClr>
             </a:outerShdw>
           </a:effectLst>
-          <a:scene3d>
-            <a:camera prst="orthographicFront">
-              <a:rot lat="0" lon="0" rev="0"/>
-            </a:camera>
-            <a:lightRig rig="balanced" dir="t">
-              <a:rot lat="0" lon="0" rev="1080000"/>
-            </a:lightRig>
-          </a:scene3d>
-          <a:sp3d>
-            <a:bevelT w="38100" h="12700" prst="softRound"/>
-          </a:sp3d>
         </a:effectStyle>
       </a:effectStyleLst>
       <a:bgFillStyleLst>
-        <a:solidFill>
-          <a:schemeClr val="phClr"/>
-        </a:solidFill>
         <a:solidFill>
           <a:schemeClr val="phClr"/>
         </a:solidFill>
@@ -4411,21 +7207,23 @@
           <a:gsLst>
             <a:gs pos="0">
               <a:schemeClr val="phClr">
-                <a:tint val="94000"/>
-                <a:satMod val="80000"/>
-                <a:lumMod val="106000"/>
+                <a:tint val="90000"/>
+                <a:lumMod val="110000"/>
               </a:schemeClr>
             </a:gs>
             <a:gs pos="100000">
               <a:schemeClr val="phClr">
-                <a:shade val="80000"/>
+                <a:shade val="88000"/>
+                <a:lumMod val="98000"/>
               </a:schemeClr>
             </a:gs>
           </a:gsLst>
-          <a:path path="circle">
-            <a:fillToRect l="43000" r="43000" b="100000"/>
-          </a:path>
+          <a:lin ang="5400000" scaled="0"/>
         </a:gradFill>
+        <a:blipFill>
+          <a:blip xmlns:r="http://schemas.openxmlformats.org/officeDocument/2006/relationships" r:embed="rId2"/>
+          <a:stretch/>
+        </a:blipFill>
       </a:bgFillStyleLst>
     </a:fmtScheme>
   </a:themeElements>
@@ -4433,7 +7231,7 @@
   <a:extraClrSchemeLst/>
   <a:extLst>
     <a:ext uri="{05A4C25C-085E-4340-85A3-A5531E510DB2}">
-      <thm15:themeFamily xmlns:thm15="http://schemas.microsoft.com/office/thememl/2012/main" name="Gallery" id="{BBFCD31E-59A1-489D-B089-A3EAD7CAE12E}" vid="{BB5F5D82-B5E9-469E-A815-C655ED4AF243}"/>
+      <thm15:themeFamily xmlns:thm15="http://schemas.microsoft.com/office/thememl/2012/main" name="Organic" id="{28CDC826-8792-45C0-861B-85EB3ADEDA33}" vid="{7DAC20F1-423D-49E2-BD0B-50532748BAD0}"/>
     </a:ext>
   </a:extLst>
 </a:theme>
